--- a/B4-Diaporama-julien.ferrier-Toulouse.pptx
+++ b/B4-Diaporama-julien.ferrier-Toulouse.pptx
@@ -25,6 +25,16 @@
     <p:sldId id="268" r:id="rId18"/>
     <p:sldId id="269" r:id="rId19"/>
     <p:sldId id="270" r:id="rId20"/>
+    <p:sldId id="271" r:id="rId21"/>
+    <p:sldId id="272" r:id="rId22"/>
+    <p:sldId id="273" r:id="rId23"/>
+    <p:sldId id="274" r:id="rId24"/>
+    <p:sldId id="275" r:id="rId25"/>
+    <p:sldId id="276" r:id="rId26"/>
+    <p:sldId id="277" r:id="rId27"/>
+    <p:sldId id="278" r:id="rId28"/>
+    <p:sldId id="279" r:id="rId29"/>
+    <p:sldId id="280" r:id="rId30"/>
   </p:sldIdLst>
   <p:sldSz cx="12192000" cy="6858000"/>
   <p:notesSz cx="6858000" cy="9144000"/>
@@ -345,11 +355,11 @@
         </c:ser>
         <c:gapWidth val="219"/>
         <c:overlap val="-27"/>
-        <c:axId val="47139169"/>
-        <c:axId val="70695302"/>
+        <c:axId val="44520553"/>
+        <c:axId val="57474234"/>
       </c:barChart>
       <c:catAx>
-        <c:axId val="47139169"/>
+        <c:axId val="44520553"/>
         <c:scaling>
           <c:orientation val="minMax"/>
         </c:scaling>
@@ -381,14 +391,14 @@
             </a:pPr>
           </a:p>
         </c:txPr>
-        <c:crossAx val="70695302"/>
+        <c:crossAx val="57474234"/>
         <c:crosses val="autoZero"/>
         <c:auto val="1"/>
         <c:lblAlgn val="ctr"/>
         <c:lblOffset val="100"/>
       </c:catAx>
       <c:valAx>
-        <c:axId val="70695302"/>
+        <c:axId val="57474234"/>
         <c:scaling>
           <c:orientation val="minMax"/>
         </c:scaling>
@@ -427,7 +437,7 @@
             </a:pPr>
           </a:p>
         </c:txPr>
-        <c:crossAx val="47139169"/>
+        <c:crossAx val="44520553"/>
         <c:crosses val="autoZero"/>
       </c:valAx>
       <c:spPr>
@@ -702,7 +712,7 @@
           </a:bodyPr>
           <a:p>
             <a:pPr algn="r"/>
-            <a:fld id="{7911FF03-F4B7-4F37-A90D-141DDDB77E1C}" type="slidenum">
+            <a:fld id="{77974404-5260-44E6-A38E-A4438F1E5FC1}" type="slidenum">
               <a:rPr b="0" lang="fr-FR" sz="1400" spc="-1" strike="noStrike">
                 <a:latin typeface="Times New Roman"/>
               </a:rPr>
@@ -739,7 +749,7 @@
       </p:grpSpPr>
       <p:sp>
         <p:nvSpPr>
-          <p:cNvPr id="226" name="PlaceHolder 1"/>
+          <p:cNvPr id="280" name="PlaceHolder 1"/>
           <p:cNvSpPr>
             <a:spLocks noGrp="1"/>
           </p:cNvSpPr>
@@ -759,7 +769,7 @@
       </p:sp>
       <p:sp>
         <p:nvSpPr>
-          <p:cNvPr id="227" name="PlaceHolder 2"/>
+          <p:cNvPr id="281" name="PlaceHolder 2"/>
           <p:cNvSpPr>
             <a:spLocks noGrp="1"/>
           </p:cNvSpPr>
@@ -810,7 +820,7 @@
       </p:sp>
       <p:sp>
         <p:nvSpPr>
-          <p:cNvPr id="228" name="TextShape 3"/>
+          <p:cNvPr id="282" name="TextShape 3"/>
           <p:cNvSpPr txBox="1"/>
           <p:nvPr/>
         </p:nvSpPr>
@@ -837,7 +847,7 @@
                 <a:spcPct val="100000"/>
               </a:lnSpc>
             </a:pPr>
-            <a:fld id="{2C032768-A42D-46E4-9CFC-8D447623153B}" type="slidenum">
+            <a:fld id="{16086751-8FF1-4D5F-BA9A-67F1ABA13EF6}" type="slidenum">
               <a:rPr b="0" lang="fr-FR" sz="1200" spc="-1" strike="noStrike">
                 <a:solidFill>
                   <a:srgbClr val="000000"/>
@@ -5477,14 +5487,14 @@
                 <a:spcPct val="100000"/>
               </a:lnSpc>
             </a:pPr>
-            <a:fld id="{4D63C4F7-11E0-47CA-8F96-7B14B0933170}" type="datetime">
+            <a:fld id="{DADD52E7-D733-4839-ADD8-E57A2B4478AE}" type="datetime">
               <a:rPr b="0" lang="fr-FR" sz="1200" spc="-1" strike="noStrike">
                 <a:solidFill>
                   <a:srgbClr val="8b8b8b"/>
                 </a:solidFill>
                 <a:latin typeface="Segoe UI"/>
               </a:rPr>
-              <a:t>19/02/2019</a:t>
+              <a:t>03/03/2019</a:t>
             </a:fld>
             <a:endParaRPr b="0" lang="fr-FR" sz="1200" spc="-1" strike="noStrike">
               <a:latin typeface="Times New Roman"/>
@@ -5551,7 +5561,7 @@
                 <a:spcPct val="100000"/>
               </a:lnSpc>
             </a:pPr>
-            <a:fld id="{BB8DFC6D-CCF4-4E81-9E4E-A62ECA6A2A8D}" type="slidenum">
+            <a:fld id="{9FB4EAF3-151B-4C5D-8BB1-957F77AF5445}" type="slidenum">
               <a:rPr b="0" lang="fr-FR" sz="1200" spc="-1" strike="noStrike">
                 <a:solidFill>
                   <a:srgbClr val="8b8b8b"/>
@@ -5721,14 +5731,14 @@
                 <a:spcPct val="100000"/>
               </a:lnSpc>
             </a:pPr>
-            <a:fld id="{AAB842ED-0369-4F32-B46F-51B369197A9A}" type="datetime">
+            <a:fld id="{0150285F-4703-4144-9360-6C744C32BE6F}" type="datetime">
               <a:rPr b="0" lang="fr-FR" sz="1200" spc="-1" strike="noStrike">
                 <a:solidFill>
                   <a:srgbClr val="8b8b8b"/>
                 </a:solidFill>
                 <a:latin typeface="Calibri"/>
               </a:rPr>
-              <a:t>19/02/2019</a:t>
+              <a:t>03/03/2019</a:t>
             </a:fld>
             <a:endParaRPr b="0" lang="fr-FR" sz="1200" spc="-1" strike="noStrike">
               <a:latin typeface="Times New Roman"/>
@@ -5795,7 +5805,7 @@
                 <a:spcPct val="100000"/>
               </a:lnSpc>
             </a:pPr>
-            <a:fld id="{8054227E-991E-4E27-85B6-88BD738040EB}" type="slidenum">
+            <a:fld id="{BF253167-003C-4791-9E45-54995887A8A9}" type="slidenum">
               <a:rPr b="0" lang="fr-FR" sz="1200" spc="-1" strike="noStrike">
                 <a:solidFill>
                   <a:srgbClr val="8b8b8b"/>
@@ -6326,14 +6336,14 @@
                 <a:spcPct val="100000"/>
               </a:lnSpc>
             </a:pPr>
-            <a:fld id="{88CF3436-8E89-4391-8BDE-FDA9D6B82AAB}" type="datetime">
+            <a:fld id="{797D8668-C934-4855-9C3D-52396225B0E5}" type="datetime">
               <a:rPr b="0" lang="fr-FR" sz="1200" spc="-1" strike="noStrike">
                 <a:solidFill>
                   <a:srgbClr val="8b8b8b"/>
                 </a:solidFill>
                 <a:latin typeface="Calibri"/>
               </a:rPr>
-              <a:t>19/02/2019</a:t>
+              <a:t>03/03/2019</a:t>
             </a:fld>
             <a:endParaRPr b="0" lang="fr-FR" sz="1200" spc="-1" strike="noStrike">
               <a:latin typeface="Times New Roman"/>
@@ -6400,7 +6410,7 @@
                 <a:spcPct val="100000"/>
               </a:lnSpc>
             </a:pPr>
-            <a:fld id="{170AA603-AB31-412F-A95C-18D77E0898F5}" type="slidenum">
+            <a:fld id="{709D4A8C-09BB-49B3-8342-AC0A7CBF8272}" type="slidenum">
               <a:rPr b="0" lang="fr-FR" sz="1200" spc="-1" strike="noStrike">
                 <a:solidFill>
                   <a:srgbClr val="8b8b8b"/>
@@ -7088,6 +7098,130 @@
           </a:ln>
         </p:spPr>
       </p:pic>
+      <p:sp>
+        <p:nvSpPr>
+          <p:cNvPr id="136" name="CustomShape 5"/>
+          <p:cNvSpPr/>
+          <p:nvPr/>
+        </p:nvSpPr>
+        <p:spPr>
+          <a:xfrm>
+            <a:off x="740160" y="2024640"/>
+            <a:ext cx="173880" cy="64800"/>
+          </a:xfrm>
+          <a:prstGeom prst="rect">
+            <a:avLst/>
+          </a:prstGeom>
+          <a:ln/>
+        </p:spPr>
+        <p:style>
+          <a:lnRef idx="2">
+            <a:schemeClr val="accent1">
+              <a:shade val="50000"/>
+            </a:schemeClr>
+          </a:lnRef>
+          <a:fillRef idx="1">
+            <a:schemeClr val="accent1"/>
+          </a:fillRef>
+          <a:effectRef idx="0">
+            <a:schemeClr val="accent1"/>
+          </a:effectRef>
+          <a:fontRef idx="minor"/>
+        </p:style>
+      </p:sp>
+      <p:sp>
+        <p:nvSpPr>
+          <p:cNvPr id="137" name="CustomShape 6"/>
+          <p:cNvSpPr/>
+          <p:nvPr/>
+        </p:nvSpPr>
+        <p:spPr>
+          <a:xfrm>
+            <a:off x="740160" y="3167280"/>
+            <a:ext cx="173880" cy="64800"/>
+          </a:xfrm>
+          <a:prstGeom prst="rect">
+            <a:avLst/>
+          </a:prstGeom>
+          <a:ln/>
+        </p:spPr>
+        <p:style>
+          <a:lnRef idx="2">
+            <a:schemeClr val="accent1">
+              <a:shade val="50000"/>
+            </a:schemeClr>
+          </a:lnRef>
+          <a:fillRef idx="1">
+            <a:schemeClr val="accent1"/>
+          </a:fillRef>
+          <a:effectRef idx="0">
+            <a:schemeClr val="accent1"/>
+          </a:effectRef>
+          <a:fontRef idx="minor"/>
+        </p:style>
+      </p:sp>
+      <p:sp>
+        <p:nvSpPr>
+          <p:cNvPr id="138" name="CustomShape 7"/>
+          <p:cNvSpPr/>
+          <p:nvPr/>
+        </p:nvSpPr>
+        <p:spPr>
+          <a:xfrm>
+            <a:off x="730080" y="4082040"/>
+            <a:ext cx="173880" cy="64800"/>
+          </a:xfrm>
+          <a:prstGeom prst="rect">
+            <a:avLst/>
+          </a:prstGeom>
+          <a:ln/>
+        </p:spPr>
+        <p:style>
+          <a:lnRef idx="2">
+            <a:schemeClr val="accent1">
+              <a:shade val="50000"/>
+            </a:schemeClr>
+          </a:lnRef>
+          <a:fillRef idx="1">
+            <a:schemeClr val="accent1"/>
+          </a:fillRef>
+          <a:effectRef idx="0">
+            <a:schemeClr val="accent1"/>
+          </a:effectRef>
+          <a:fontRef idx="minor"/>
+        </p:style>
+      </p:sp>
+      <p:sp>
+        <p:nvSpPr>
+          <p:cNvPr id="139" name="CustomShape 8"/>
+          <p:cNvSpPr/>
+          <p:nvPr/>
+        </p:nvSpPr>
+        <p:spPr>
+          <a:xfrm>
+            <a:off x="730080" y="4996440"/>
+            <a:ext cx="173880" cy="64800"/>
+          </a:xfrm>
+          <a:prstGeom prst="rect">
+            <a:avLst/>
+          </a:prstGeom>
+          <a:ln/>
+        </p:spPr>
+        <p:style>
+          <a:lnRef idx="2">
+            <a:schemeClr val="accent1">
+              <a:shade val="50000"/>
+            </a:schemeClr>
+          </a:lnRef>
+          <a:fillRef idx="1">
+            <a:schemeClr val="accent1"/>
+          </a:fillRef>
+          <a:effectRef idx="0">
+            <a:schemeClr val="accent1"/>
+          </a:effectRef>
+          <a:fontRef idx="minor"/>
+        </p:style>
+      </p:sp>
     </p:spTree>
   </p:cSld>
   <mc:AlternateContent>
@@ -7154,20 +7288,20 @@
       </p:grpSpPr>
       <p:sp>
         <p:nvSpPr>
-          <p:cNvPr id="188" name="CustomShape 1"/>
+          <p:cNvPr id="194" name="CustomShape 1"/>
           <p:cNvSpPr/>
           <p:nvPr/>
         </p:nvSpPr>
         <p:spPr>
           <a:xfrm>
             <a:off x="0" y="0"/>
-            <a:ext cx="6081840" cy="6857640"/>
+            <a:ext cx="12191760" cy="6857640"/>
           </a:xfrm>
           <a:prstGeom prst="rect">
             <a:avLst/>
           </a:prstGeom>
           <a:solidFill>
-            <a:schemeClr val="bg1"/>
+            <a:srgbClr val="ffffff"/>
           </a:solidFill>
           <a:ln>
             <a:noFill/>
@@ -7190,7 +7324,200 @@
       </p:sp>
       <p:sp>
         <p:nvSpPr>
-          <p:cNvPr id="189" name="CustomShape 2"/>
+          <p:cNvPr id="195" name="CustomShape 2"/>
+          <p:cNvSpPr/>
+          <p:nvPr/>
+        </p:nvSpPr>
+        <p:spPr>
+          <a:xfrm>
+            <a:off x="0" y="0"/>
+            <a:ext cx="2013120" cy="6857640"/>
+          </a:xfrm>
+          <a:prstGeom prst="rect">
+            <a:avLst/>
+          </a:prstGeom>
+          <a:solidFill>
+            <a:srgbClr val="764257"/>
+          </a:solidFill>
+          <a:ln>
+            <a:noFill/>
+          </a:ln>
+        </p:spPr>
+        <p:style>
+          <a:lnRef idx="2">
+            <a:schemeClr val="accent1">
+              <a:shade val="50000"/>
+            </a:schemeClr>
+          </a:lnRef>
+          <a:fillRef idx="1">
+            <a:schemeClr val="accent1"/>
+          </a:fillRef>
+          <a:effectRef idx="0">
+            <a:schemeClr val="accent1"/>
+          </a:effectRef>
+          <a:fontRef idx="minor"/>
+        </p:style>
+      </p:sp>
+      <p:sp>
+        <p:nvSpPr>
+          <p:cNvPr id="196" name="TextShape 3"/>
+          <p:cNvSpPr txBox="1"/>
+          <p:nvPr/>
+        </p:nvSpPr>
+        <p:spPr>
+          <a:xfrm>
+            <a:off x="640080" y="2074320"/>
+            <a:ext cx="2751840" cy="2709000"/>
+          </a:xfrm>
+          <a:prstGeom prst="rect">
+            <a:avLst/>
+          </a:prstGeom>
+          <a:solidFill>
+            <a:srgbClr val="262626"/>
+          </a:solidFill>
+          <a:ln w="174600">
+            <a:solidFill>
+              <a:srgbClr val="262626"/>
+            </a:solidFill>
+            <a:round/>
+          </a:ln>
+        </p:spPr>
+        <p:txBody>
+          <a:bodyPr anchor="ctr">
+            <a:normAutofit/>
+          </a:bodyPr>
+          <a:p>
+            <a:pPr algn="ctr">
+              <a:lnSpc>
+                <a:spcPct val="90000"/>
+              </a:lnSpc>
+            </a:pPr>
+            <a:r>
+              <a:rPr b="1" lang="en-US" sz="6600" spc="-1" strike="noStrike">
+                <a:solidFill>
+                  <a:srgbClr val="ed7d31"/>
+                </a:solidFill>
+                <a:latin typeface="Calibri Light"/>
+              </a:rPr>
+              <a:t>T</a:t>
+            </a:r>
+            <a:r>
+              <a:rPr b="1" lang="en-US" sz="2600" spc="-1" strike="noStrike">
+                <a:solidFill>
+                  <a:srgbClr val="4472c4"/>
+                </a:solidFill>
+                <a:latin typeface="Calibri Light"/>
+              </a:rPr>
+              <a:t>endances du marché</a:t>
+            </a:r>
+            <a:endParaRPr b="0" lang="en-US" sz="2600" spc="-1" strike="noStrike">
+              <a:solidFill>
+                <a:srgbClr val="000000"/>
+              </a:solidFill>
+              <a:latin typeface="Calibri"/>
+            </a:endParaRPr>
+          </a:p>
+        </p:txBody>
+      </p:sp>
+      <p:pic>
+        <p:nvPicPr>
+          <p:cNvPr id="197" name="Espace réservé du contenu 4" descr=""/>
+          <p:cNvPicPr/>
+          <p:nvPr/>
+        </p:nvPicPr>
+        <p:blipFill>
+          <a:blip r:embed="rId1"/>
+          <a:stretch/>
+        </p:blipFill>
+        <p:spPr>
+          <a:xfrm>
+            <a:off x="4995720" y="961920"/>
+            <a:ext cx="5273280" cy="4930560"/>
+          </a:xfrm>
+          <a:prstGeom prst="rect">
+            <a:avLst/>
+          </a:prstGeom>
+          <a:ln>
+            <a:noFill/>
+          </a:ln>
+        </p:spPr>
+      </p:pic>
+    </p:spTree>
+  </p:cSld>
+  <mc:AlternateContent>
+    <mc:Choice Requires="p14">
+      <p:transition spd="slow" p14:dur="2000"/>
+    </mc:Choice>
+    <mc:Fallback>
+      <p:transition spd="slow"/>
+    </mc:Fallback>
+  </mc:AlternateContent>
+</p:sld>
+</file>
+
+<file path=ppt/slides/slide11.xml><?xml version="1.0" encoding="utf-8"?>
+<p:sld xmlns:a="http://schemas.openxmlformats.org/drawingml/2006/main" xmlns:p="http://schemas.openxmlformats.org/presentationml/2006/main" xmlns:r="http://schemas.openxmlformats.org/officeDocument/2006/relationships" xmlns:p14="http://schemas.microsoft.com/office/powerpoint/2010/main" xmlns:p15="http://schemas.microsoft.com/office/powerpoint/2012/main" xmlns:mc="http://schemas.openxmlformats.org/markup-compatibility/2006">
+  <p:cSld>
+    <p:bg>
+      <p:bgPr>
+        <a:solidFill>
+          <a:srgbClr val="ffffff"/>
+        </a:solidFill>
+      </p:bgPr>
+    </p:bg>
+    <p:spTree>
+      <p:nvGrpSpPr>
+        <p:cNvPr id="1" name=""/>
+        <p:cNvGrpSpPr/>
+        <p:nvPr/>
+      </p:nvGrpSpPr>
+      <p:grpSpPr>
+        <a:xfrm>
+          <a:off x="0" y="0"/>
+          <a:ext cx="0" cy="0"/>
+          <a:chOff x="0" y="0"/>
+          <a:chExt cx="0" cy="0"/>
+        </a:xfrm>
+      </p:grpSpPr>
+      <p:sp>
+        <p:nvSpPr>
+          <p:cNvPr id="198" name="CustomShape 1"/>
+          <p:cNvSpPr/>
+          <p:nvPr/>
+        </p:nvSpPr>
+        <p:spPr>
+          <a:xfrm>
+            <a:off x="0" y="0"/>
+            <a:ext cx="6081840" cy="6857640"/>
+          </a:xfrm>
+          <a:prstGeom prst="rect">
+            <a:avLst/>
+          </a:prstGeom>
+          <a:solidFill>
+            <a:schemeClr val="bg1"/>
+          </a:solidFill>
+          <a:ln>
+            <a:noFill/>
+          </a:ln>
+        </p:spPr>
+        <p:style>
+          <a:lnRef idx="2">
+            <a:schemeClr val="accent1">
+              <a:shade val="50000"/>
+            </a:schemeClr>
+          </a:lnRef>
+          <a:fillRef idx="1">
+            <a:schemeClr val="accent1"/>
+          </a:fillRef>
+          <a:effectRef idx="0">
+            <a:schemeClr val="accent1"/>
+          </a:effectRef>
+          <a:fontRef idx="minor"/>
+        </p:style>
+      </p:sp>
+      <p:sp>
+        <p:nvSpPr>
+          <p:cNvPr id="199" name="CustomShape 2"/>
           <p:cNvSpPr/>
           <p:nvPr/>
         </p:nvSpPr>
@@ -7248,7 +7575,7 @@
       </p:sp>
       <p:pic>
         <p:nvPicPr>
-          <p:cNvPr id="190" name="Picture 12" descr=""/>
+          <p:cNvPr id="200" name="Picture 12" descr=""/>
           <p:cNvPicPr/>
           <p:nvPr/>
         </p:nvPicPr>
@@ -7271,7 +7598,7 @@
       </p:pic>
       <p:sp>
         <p:nvSpPr>
-          <p:cNvPr id="191" name="TextShape 3"/>
+          <p:cNvPr id="201" name="TextShape 3"/>
           <p:cNvSpPr txBox="1"/>
           <p:nvPr/>
         </p:nvSpPr>
@@ -7305,7 +7632,7 @@
                 </a:solidFill>
                 <a:latin typeface="Calibri Light"/>
               </a:rPr>
-              <a:t>Business Model</a:t>
+              <a:t>Tendances du marché</a:t>
             </a:r>
             <a:endParaRPr b="0" lang="en-US" sz="4400" spc="-1" strike="noStrike">
               <a:solidFill>
@@ -7318,7 +7645,1941 @@
       </p:sp>
       <p:graphicFrame>
         <p:nvGraphicFramePr>
-          <p:cNvPr id="192" name="Table 4"/>
+          <p:cNvPr id="202" name="Espace réservé du contenu 5"/>
+          <p:cNvGraphicFramePr/>
+          <p:nvPr/>
+        </p:nvGraphicFramePr>
+        <p:xfrm>
+          <a:off x="6091200" y="801720"/>
+          <a:ext cx="5304960" cy="5230440"/>
+        </p:xfrm>
+        <a:graphic>
+          <a:graphicData uri="http://schemas.openxmlformats.org/drawingml/2006/chart">
+            <c:chart xmlns:c="http://schemas.openxmlformats.org/drawingml/2006/chart" xmlns:r="http://schemas.openxmlformats.org/officeDocument/2006/relationships" r:id="rId2"/>
+          </a:graphicData>
+        </a:graphic>
+      </p:graphicFrame>
+      <p:pic>
+        <p:nvPicPr>
+          <p:cNvPr id="203" name="Image 9" descr=""/>
+          <p:cNvPicPr/>
+          <p:nvPr/>
+        </p:nvPicPr>
+        <p:blipFill>
+          <a:blip r:embed="rId3"/>
+          <a:stretch/>
+        </p:blipFill>
+        <p:spPr>
+          <a:xfrm>
+            <a:off x="9633960" y="5899680"/>
+            <a:ext cx="2428560" cy="842400"/>
+          </a:xfrm>
+          <a:prstGeom prst="rect">
+            <a:avLst/>
+          </a:prstGeom>
+          <a:ln>
+            <a:noFill/>
+          </a:ln>
+        </p:spPr>
+      </p:pic>
+    </p:spTree>
+  </p:cSld>
+  <mc:AlternateContent>
+    <mc:Choice Requires="p14">
+      <p:transition spd="slow" p14:dur="2000"/>
+    </mc:Choice>
+    <mc:Fallback>
+      <p:transition spd="slow"/>
+    </mc:Fallback>
+  </mc:AlternateContent>
+</p:sld>
+</file>
+
+<file path=ppt/slides/slide12.xml><?xml version="1.0" encoding="utf-8"?>
+<p:sld xmlns:a="http://schemas.openxmlformats.org/drawingml/2006/main" xmlns:p="http://schemas.openxmlformats.org/presentationml/2006/main" xmlns:r="http://schemas.openxmlformats.org/officeDocument/2006/relationships" xmlns:p14="http://schemas.microsoft.com/office/powerpoint/2010/main" xmlns:p15="http://schemas.microsoft.com/office/powerpoint/2012/main" xmlns:mc="http://schemas.openxmlformats.org/markup-compatibility/2006">
+  <p:cSld>
+    <p:bg>
+      <p:bgPr>
+        <a:solidFill>
+          <a:srgbClr val="ffffff"/>
+        </a:solidFill>
+      </p:bgPr>
+    </p:bg>
+    <p:spTree>
+      <p:nvGrpSpPr>
+        <p:cNvPr id="1" name=""/>
+        <p:cNvGrpSpPr/>
+        <p:nvPr/>
+      </p:nvGrpSpPr>
+      <p:grpSpPr>
+        <a:xfrm>
+          <a:off x="0" y="0"/>
+          <a:ext cx="0" cy="0"/>
+          <a:chOff x="0" y="0"/>
+          <a:chExt cx="0" cy="0"/>
+        </a:xfrm>
+      </p:grpSpPr>
+      <p:sp>
+        <p:nvSpPr>
+          <p:cNvPr id="204" name="CustomShape 1"/>
+          <p:cNvSpPr/>
+          <p:nvPr/>
+        </p:nvSpPr>
+        <p:spPr>
+          <a:xfrm>
+            <a:off x="0" y="0"/>
+            <a:ext cx="12191760" cy="6857640"/>
+          </a:xfrm>
+          <a:prstGeom prst="rect">
+            <a:avLst/>
+          </a:prstGeom>
+          <a:solidFill>
+            <a:srgbClr val="ffffff"/>
+          </a:solidFill>
+          <a:ln>
+            <a:noFill/>
+          </a:ln>
+        </p:spPr>
+        <p:style>
+          <a:lnRef idx="2">
+            <a:schemeClr val="accent1">
+              <a:shade val="50000"/>
+            </a:schemeClr>
+          </a:lnRef>
+          <a:fillRef idx="1">
+            <a:schemeClr val="accent1"/>
+          </a:fillRef>
+          <a:effectRef idx="0">
+            <a:schemeClr val="accent1"/>
+          </a:effectRef>
+          <a:fontRef idx="minor"/>
+        </p:style>
+      </p:sp>
+      <p:sp>
+        <p:nvSpPr>
+          <p:cNvPr id="205" name="CustomShape 2"/>
+          <p:cNvSpPr/>
+          <p:nvPr/>
+        </p:nvSpPr>
+        <p:spPr>
+          <a:xfrm>
+            <a:off x="0" y="0"/>
+            <a:ext cx="2013120" cy="6857640"/>
+          </a:xfrm>
+          <a:prstGeom prst="rect">
+            <a:avLst/>
+          </a:prstGeom>
+          <a:solidFill>
+            <a:srgbClr val="764257"/>
+          </a:solidFill>
+          <a:ln>
+            <a:noFill/>
+          </a:ln>
+        </p:spPr>
+        <p:style>
+          <a:lnRef idx="2">
+            <a:schemeClr val="accent1">
+              <a:shade val="50000"/>
+            </a:schemeClr>
+          </a:lnRef>
+          <a:fillRef idx="1">
+            <a:schemeClr val="accent1"/>
+          </a:fillRef>
+          <a:effectRef idx="0">
+            <a:schemeClr val="accent1"/>
+          </a:effectRef>
+          <a:fontRef idx="minor"/>
+        </p:style>
+      </p:sp>
+      <p:sp>
+        <p:nvSpPr>
+          <p:cNvPr id="206" name="TextShape 3"/>
+          <p:cNvSpPr txBox="1"/>
+          <p:nvPr/>
+        </p:nvSpPr>
+        <p:spPr>
+          <a:xfrm>
+            <a:off x="640080" y="2074320"/>
+            <a:ext cx="3060720" cy="2709000"/>
+          </a:xfrm>
+          <a:prstGeom prst="rect">
+            <a:avLst/>
+          </a:prstGeom>
+          <a:solidFill>
+            <a:srgbClr val="262626"/>
+          </a:solidFill>
+          <a:ln w="174600">
+            <a:solidFill>
+              <a:srgbClr val="262626"/>
+            </a:solidFill>
+            <a:round/>
+          </a:ln>
+        </p:spPr>
+        <p:txBody>
+          <a:bodyPr anchor="ctr">
+            <a:normAutofit/>
+          </a:bodyPr>
+          <a:p>
+            <a:pPr algn="ctr">
+              <a:lnSpc>
+                <a:spcPct val="90000"/>
+              </a:lnSpc>
+            </a:pPr>
+            <a:r>
+              <a:rPr b="1" lang="en-US" sz="6600" spc="-1" strike="noStrike">
+                <a:solidFill>
+                  <a:srgbClr val="ed7d31"/>
+                </a:solidFill>
+                <a:latin typeface="Calibri Light"/>
+              </a:rPr>
+              <a:t>C</a:t>
+            </a:r>
+            <a:r>
+              <a:rPr b="1" lang="en-US" sz="2600" spc="-1" strike="noStrike">
+                <a:solidFill>
+                  <a:srgbClr val="4472c4"/>
+                </a:solidFill>
+                <a:latin typeface="Calibri Light"/>
+              </a:rPr>
+              <a:t>oncurrence dans la secteur</a:t>
+            </a:r>
+            <a:endParaRPr b="0" lang="en-US" sz="2600" spc="-1" strike="noStrike">
+              <a:solidFill>
+                <a:srgbClr val="000000"/>
+              </a:solidFill>
+              <a:latin typeface="Calibri"/>
+            </a:endParaRPr>
+          </a:p>
+        </p:txBody>
+      </p:sp>
+      <p:pic>
+        <p:nvPicPr>
+          <p:cNvPr id="207" name="Espace réservé du contenu 4" descr=""/>
+          <p:cNvPicPr/>
+          <p:nvPr/>
+        </p:nvPicPr>
+        <p:blipFill>
+          <a:blip r:embed="rId1"/>
+          <a:stretch/>
+        </p:blipFill>
+        <p:spPr>
+          <a:xfrm>
+            <a:off x="4995720" y="961920"/>
+            <a:ext cx="5273280" cy="4930560"/>
+          </a:xfrm>
+          <a:prstGeom prst="rect">
+            <a:avLst/>
+          </a:prstGeom>
+          <a:ln>
+            <a:noFill/>
+          </a:ln>
+        </p:spPr>
+      </p:pic>
+    </p:spTree>
+  </p:cSld>
+  <mc:AlternateContent>
+    <mc:Choice Requires="p14">
+      <p:transition spd="slow" p14:dur="2000"/>
+    </mc:Choice>
+    <mc:Fallback>
+      <p:transition spd="slow"/>
+    </mc:Fallback>
+  </mc:AlternateContent>
+</p:sld>
+</file>
+
+<file path=ppt/slides/slide13.xml><?xml version="1.0" encoding="utf-8"?>
+<p:sld xmlns:a="http://schemas.openxmlformats.org/drawingml/2006/main" xmlns:p="http://schemas.openxmlformats.org/presentationml/2006/main" xmlns:r="http://schemas.openxmlformats.org/officeDocument/2006/relationships" xmlns:p14="http://schemas.microsoft.com/office/powerpoint/2010/main" xmlns:p15="http://schemas.microsoft.com/office/powerpoint/2012/main" xmlns:mc="http://schemas.openxmlformats.org/markup-compatibility/2006">
+  <p:cSld>
+    <p:bg>
+      <p:bgPr>
+        <a:solidFill>
+          <a:srgbClr val="ffffff"/>
+        </a:solidFill>
+      </p:bgPr>
+    </p:bg>
+    <p:spTree>
+      <p:nvGrpSpPr>
+        <p:cNvPr id="1" name=""/>
+        <p:cNvGrpSpPr/>
+        <p:nvPr/>
+      </p:nvGrpSpPr>
+      <p:grpSpPr>
+        <a:xfrm>
+          <a:off x="0" y="0"/>
+          <a:ext cx="0" cy="0"/>
+          <a:chOff x="0" y="0"/>
+          <a:chExt cx="0" cy="0"/>
+        </a:xfrm>
+      </p:grpSpPr>
+      <p:sp>
+        <p:nvSpPr>
+          <p:cNvPr id="208" name="CustomShape 1"/>
+          <p:cNvSpPr/>
+          <p:nvPr/>
+        </p:nvSpPr>
+        <p:spPr>
+          <a:xfrm>
+            <a:off x="0" y="0"/>
+            <a:ext cx="6081840" cy="6857640"/>
+          </a:xfrm>
+          <a:prstGeom prst="rect">
+            <a:avLst/>
+          </a:prstGeom>
+          <a:solidFill>
+            <a:schemeClr val="bg1"/>
+          </a:solidFill>
+          <a:ln>
+            <a:noFill/>
+          </a:ln>
+        </p:spPr>
+        <p:style>
+          <a:lnRef idx="2">
+            <a:schemeClr val="accent1">
+              <a:shade val="50000"/>
+            </a:schemeClr>
+          </a:lnRef>
+          <a:fillRef idx="1">
+            <a:schemeClr val="accent1"/>
+          </a:fillRef>
+          <a:effectRef idx="0">
+            <a:schemeClr val="accent1"/>
+          </a:effectRef>
+          <a:fontRef idx="minor"/>
+        </p:style>
+      </p:sp>
+      <p:sp>
+        <p:nvSpPr>
+          <p:cNvPr id="209" name="CustomShape 2"/>
+          <p:cNvSpPr/>
+          <p:nvPr/>
+        </p:nvSpPr>
+        <p:spPr>
+          <a:xfrm>
+            <a:off x="0" y="0"/>
+            <a:ext cx="12191760" cy="6857640"/>
+          </a:xfrm>
+          <a:prstGeom prst="rect">
+            <a:avLst/>
+          </a:prstGeom>
+          <a:gradFill rotWithShape="0">
+            <a:gsLst>
+              <a:gs pos="0">
+                <a:schemeClr val="accent1">
+                  <a:lumMod val="90000"/>
+                </a:schemeClr>
+              </a:gs>
+              <a:gs pos="25000">
+                <a:schemeClr val="accent1">
+                  <a:lumMod val="90000"/>
+                </a:schemeClr>
+              </a:gs>
+              <a:gs pos="94000">
+                <a:schemeClr val="bg2">
+                  <a:lumMod val="25000"/>
+                </a:schemeClr>
+              </a:gs>
+              <a:gs pos="100000">
+                <a:schemeClr val="bg2">
+                  <a:lumMod val="25000"/>
+                </a:schemeClr>
+              </a:gs>
+            </a:gsLst>
+            <a:lin ang="4200000"/>
+          </a:gradFill>
+          <a:ln>
+            <a:noFill/>
+          </a:ln>
+        </p:spPr>
+        <p:style>
+          <a:lnRef idx="2">
+            <a:schemeClr val="accent1">
+              <a:shade val="50000"/>
+            </a:schemeClr>
+          </a:lnRef>
+          <a:fillRef idx="1">
+            <a:schemeClr val="accent1"/>
+          </a:fillRef>
+          <a:effectRef idx="0">
+            <a:schemeClr val="accent1"/>
+          </a:effectRef>
+          <a:fontRef idx="minor"/>
+        </p:style>
+      </p:sp>
+      <p:pic>
+        <p:nvPicPr>
+          <p:cNvPr id="210" name="Picture 12" descr=""/>
+          <p:cNvPicPr/>
+          <p:nvPr/>
+        </p:nvPicPr>
+        <p:blipFill>
+          <a:blip r:embed="rId1"/>
+          <a:stretch/>
+        </p:blipFill>
+        <p:spPr>
+          <a:xfrm>
+            <a:off x="0" y="0"/>
+            <a:ext cx="12191760" cy="6857640"/>
+          </a:xfrm>
+          <a:prstGeom prst="rect">
+            <a:avLst/>
+          </a:prstGeom>
+          <a:ln>
+            <a:noFill/>
+          </a:ln>
+        </p:spPr>
+      </p:pic>
+      <p:sp>
+        <p:nvSpPr>
+          <p:cNvPr id="211" name="TextShape 3"/>
+          <p:cNvSpPr txBox="1"/>
+          <p:nvPr/>
+        </p:nvSpPr>
+        <p:spPr>
+          <a:xfrm>
+            <a:off x="640080" y="2053800"/>
+            <a:ext cx="3668760" cy="2759760"/>
+          </a:xfrm>
+          <a:prstGeom prst="rect">
+            <a:avLst/>
+          </a:prstGeom>
+          <a:noFill/>
+          <a:ln>
+            <a:noFill/>
+          </a:ln>
+        </p:spPr>
+        <p:txBody>
+          <a:bodyPr anchor="ctr">
+            <a:normAutofit/>
+          </a:bodyPr>
+          <a:p>
+            <a:pPr>
+              <a:lnSpc>
+                <a:spcPct val="90000"/>
+              </a:lnSpc>
+            </a:pPr>
+            <a:r>
+              <a:rPr b="0" lang="en-US" sz="4400" spc="-1" strike="noStrike">
+                <a:solidFill>
+                  <a:srgbClr val="ffffff"/>
+                </a:solidFill>
+                <a:latin typeface="Calibri Light"/>
+              </a:rPr>
+              <a:t>Concurrence dans le secteur </a:t>
+            </a:r>
+            <a:endParaRPr b="0" lang="en-US" sz="4400" spc="-1" strike="noStrike">
+              <a:solidFill>
+                <a:srgbClr val="000000"/>
+              </a:solidFill>
+              <a:latin typeface="Calibri"/>
+            </a:endParaRPr>
+          </a:p>
+        </p:txBody>
+      </p:sp>
+      <p:graphicFrame>
+        <p:nvGraphicFramePr>
+          <p:cNvPr id="212" name="Table 4"/>
+          <p:cNvGraphicFramePr/>
+          <p:nvPr/>
+        </p:nvGraphicFramePr>
+        <p:xfrm>
+          <a:off x="6091200" y="801720"/>
+          <a:ext cx="5304960" cy="4947480"/>
+        </p:xfrm>
+        <a:graphic>
+          <a:graphicData uri="http://schemas.openxmlformats.org/drawingml/2006/table">
+            <a:tbl>
+              <a:tblPr/>
+              <a:tblGrid>
+                <a:gridCol w="2652480"/>
+                <a:gridCol w="2652480"/>
+              </a:tblGrid>
+              <a:tr h="618120">
+                <a:tc>
+                  <a:tcPr marL="91440" marR="91440">
+                    <a:lnL w="12240">
+                      <a:solidFill>
+                        <a:srgbClr val="ffffff"/>
+                      </a:solidFill>
+                    </a:lnL>
+                    <a:lnR w="12240">
+                      <a:solidFill>
+                        <a:srgbClr val="ffffff"/>
+                      </a:solidFill>
+                    </a:lnR>
+                    <a:lnT w="12240">
+                      <a:solidFill>
+                        <a:srgbClr val="ffffff"/>
+                      </a:solidFill>
+                    </a:lnT>
+                    <a:lnB w="38160">
+                      <a:solidFill>
+                        <a:srgbClr val="ffffff"/>
+                      </a:solidFill>
+                    </a:lnB>
+                    <a:solidFill>
+                      <a:srgbClr val="5b9bd5"/>
+                    </a:solidFill>
+                  </a:tcPr>
+                </a:tc>
+                <a:tc>
+                  <a:tcPr marL="91440" marR="91440">
+                    <a:lnL w="12240">
+                      <a:solidFill>
+                        <a:srgbClr val="ffffff"/>
+                      </a:solidFill>
+                    </a:lnL>
+                    <a:lnR w="12240">
+                      <a:solidFill>
+                        <a:srgbClr val="ffffff"/>
+                      </a:solidFill>
+                    </a:lnR>
+                    <a:lnT w="12240">
+                      <a:solidFill>
+                        <a:srgbClr val="ffffff"/>
+                      </a:solidFill>
+                    </a:lnT>
+                    <a:lnB w="38160">
+                      <a:solidFill>
+                        <a:srgbClr val="ffffff"/>
+                      </a:solidFill>
+                    </a:lnB>
+                    <a:solidFill>
+                      <a:srgbClr val="5b9bd5"/>
+                    </a:solidFill>
+                  </a:tcPr>
+                </a:tc>
+              </a:tr>
+              <a:tr h="618120">
+                <a:tc>
+                  <a:tcPr marL="91440" marR="91440">
+                    <a:lnL w="12240">
+                      <a:solidFill>
+                        <a:srgbClr val="ffffff"/>
+                      </a:solidFill>
+                    </a:lnL>
+                    <a:lnR w="12240">
+                      <a:solidFill>
+                        <a:srgbClr val="ffffff"/>
+                      </a:solidFill>
+                    </a:lnR>
+                    <a:lnT w="12240">
+                      <a:solidFill>
+                        <a:srgbClr val="ffffff"/>
+                      </a:solidFill>
+                    </a:lnT>
+                    <a:lnB w="12240">
+                      <a:solidFill>
+                        <a:srgbClr val="ffffff"/>
+                      </a:solidFill>
+                    </a:lnB>
+                    <a:solidFill>
+                      <a:srgbClr val="d1deef"/>
+                    </a:solidFill>
+                  </a:tcPr>
+                </a:tc>
+                <a:tc>
+                  <a:txBody>
+                    <a:bodyPr>
+                      <a:noAutofit/>
+                    </a:bodyPr>
+                    <a:p>
+                      <a:pPr>
+                        <a:lnSpc>
+                          <a:spcPct val="100000"/>
+                        </a:lnSpc>
+                      </a:pPr>
+                      <a:r>
+                        <a:rPr b="0" lang="fr-FR" sz="1800" spc="-1" strike="noStrike">
+                          <a:solidFill>
+                            <a:srgbClr val="000000"/>
+                          </a:solidFill>
+                          <a:latin typeface="Calibri"/>
+                        </a:rPr>
+                        <a:t>Nombre d’acteurs croissants.</a:t>
+                      </a:r>
+                      <a:endParaRPr b="0" lang="fr-FR" sz="1800" spc="-1" strike="noStrike">
+                        <a:latin typeface="Arial"/>
+                      </a:endParaRPr>
+                    </a:p>
+                  </a:txBody>
+                  <a:tcPr marL="91440" marR="91440">
+                    <a:lnL w="12240">
+                      <a:solidFill>
+                        <a:srgbClr val="ffffff"/>
+                      </a:solidFill>
+                    </a:lnL>
+                    <a:lnR w="12240">
+                      <a:solidFill>
+                        <a:srgbClr val="ffffff"/>
+                      </a:solidFill>
+                    </a:lnR>
+                    <a:lnT w="12240">
+                      <a:solidFill>
+                        <a:srgbClr val="ffffff"/>
+                      </a:solidFill>
+                    </a:lnT>
+                    <a:lnB w="12240">
+                      <a:solidFill>
+                        <a:srgbClr val="ffffff"/>
+                      </a:solidFill>
+                    </a:lnB>
+                    <a:solidFill>
+                      <a:srgbClr val="d1deef"/>
+                    </a:solidFill>
+                  </a:tcPr>
+                </a:tc>
+              </a:tr>
+              <a:tr h="618120">
+                <a:tc>
+                  <a:txBody>
+                    <a:bodyPr>
+                      <a:noAutofit/>
+                    </a:bodyPr>
+                    <a:p>
+                      <a:pPr>
+                        <a:lnSpc>
+                          <a:spcPct val="100000"/>
+                        </a:lnSpc>
+                      </a:pPr>
+                      <a:r>
+                        <a:rPr b="0" lang="fr-FR" sz="1800" spc="-1" strike="noStrike">
+                          <a:solidFill>
+                            <a:srgbClr val="000000"/>
+                          </a:solidFill>
+                          <a:latin typeface="Calibri"/>
+                        </a:rPr>
+                        <a:t>Marché émergent.</a:t>
+                      </a:r>
+                      <a:endParaRPr b="0" lang="fr-FR" sz="1800" spc="-1" strike="noStrike">
+                        <a:latin typeface="Arial"/>
+                      </a:endParaRPr>
+                    </a:p>
+                  </a:txBody>
+                  <a:tcPr marL="91440" marR="91440">
+                    <a:lnL w="12240">
+                      <a:solidFill>
+                        <a:srgbClr val="ffffff"/>
+                      </a:solidFill>
+                    </a:lnL>
+                    <a:lnR w="12240">
+                      <a:solidFill>
+                        <a:srgbClr val="ffffff"/>
+                      </a:solidFill>
+                    </a:lnR>
+                    <a:lnT w="12240">
+                      <a:solidFill>
+                        <a:srgbClr val="ffffff"/>
+                      </a:solidFill>
+                    </a:lnT>
+                    <a:lnB w="12240">
+                      <a:solidFill>
+                        <a:srgbClr val="ffffff"/>
+                      </a:solidFill>
+                    </a:lnB>
+                    <a:solidFill>
+                      <a:srgbClr val="e9eff7"/>
+                    </a:solidFill>
+                  </a:tcPr>
+                </a:tc>
+                <a:tc>
+                  <a:tcPr marL="91440" marR="91440">
+                    <a:lnL w="12240">
+                      <a:solidFill>
+                        <a:srgbClr val="ffffff"/>
+                      </a:solidFill>
+                    </a:lnL>
+                    <a:lnR w="12240">
+                      <a:solidFill>
+                        <a:srgbClr val="ffffff"/>
+                      </a:solidFill>
+                    </a:lnR>
+                    <a:lnT w="12240">
+                      <a:solidFill>
+                        <a:srgbClr val="ffffff"/>
+                      </a:solidFill>
+                    </a:lnT>
+                    <a:lnB w="12240">
+                      <a:solidFill>
+                        <a:srgbClr val="ffffff"/>
+                      </a:solidFill>
+                    </a:lnB>
+                    <a:solidFill>
+                      <a:srgbClr val="e9eff7"/>
+                    </a:solidFill>
+                  </a:tcPr>
+                </a:tc>
+              </a:tr>
+              <a:tr h="618120">
+                <a:tc>
+                  <a:txBody>
+                    <a:bodyPr>
+                      <a:noAutofit/>
+                    </a:bodyPr>
+                    <a:p>
+                      <a:pPr>
+                        <a:lnSpc>
+                          <a:spcPct val="100000"/>
+                        </a:lnSpc>
+                      </a:pPr>
+                      <a:r>
+                        <a:rPr b="0" lang="fr-FR" sz="1800" spc="-1" strike="noStrike">
+                          <a:solidFill>
+                            <a:srgbClr val="000000"/>
+                          </a:solidFill>
+                          <a:latin typeface="Calibri"/>
+                        </a:rPr>
+                        <a:t>Solutions novatrices et inédites.</a:t>
+                      </a:r>
+                      <a:endParaRPr b="0" lang="fr-FR" sz="1800" spc="-1" strike="noStrike">
+                        <a:latin typeface="Arial"/>
+                      </a:endParaRPr>
+                    </a:p>
+                  </a:txBody>
+                  <a:tcPr marL="91440" marR="91440">
+                    <a:lnL w="12240">
+                      <a:solidFill>
+                        <a:srgbClr val="ffffff"/>
+                      </a:solidFill>
+                    </a:lnL>
+                    <a:lnR w="12240">
+                      <a:solidFill>
+                        <a:srgbClr val="ffffff"/>
+                      </a:solidFill>
+                    </a:lnR>
+                    <a:lnT w="12240">
+                      <a:solidFill>
+                        <a:srgbClr val="ffffff"/>
+                      </a:solidFill>
+                    </a:lnT>
+                    <a:lnB w="12240">
+                      <a:solidFill>
+                        <a:srgbClr val="ffffff"/>
+                      </a:solidFill>
+                    </a:lnB>
+                    <a:solidFill>
+                      <a:srgbClr val="d1deef"/>
+                    </a:solidFill>
+                  </a:tcPr>
+                </a:tc>
+                <a:tc>
+                  <a:tcPr marL="91440" marR="91440">
+                    <a:lnL w="12240">
+                      <a:solidFill>
+                        <a:srgbClr val="ffffff"/>
+                      </a:solidFill>
+                    </a:lnL>
+                    <a:lnR w="12240">
+                      <a:solidFill>
+                        <a:srgbClr val="ffffff"/>
+                      </a:solidFill>
+                    </a:lnR>
+                    <a:lnT w="12240">
+                      <a:solidFill>
+                        <a:srgbClr val="ffffff"/>
+                      </a:solidFill>
+                    </a:lnT>
+                    <a:lnB w="12240">
+                      <a:solidFill>
+                        <a:srgbClr val="ffffff"/>
+                      </a:solidFill>
+                    </a:lnB>
+                    <a:solidFill>
+                      <a:srgbClr val="d1deef"/>
+                    </a:solidFill>
+                  </a:tcPr>
+                </a:tc>
+              </a:tr>
+              <a:tr h="618120">
+                <a:tc>
+                  <a:tcPr marL="91440" marR="91440">
+                    <a:lnL w="12240">
+                      <a:solidFill>
+                        <a:srgbClr val="ffffff"/>
+                      </a:solidFill>
+                    </a:lnL>
+                    <a:lnR w="12240">
+                      <a:solidFill>
+                        <a:srgbClr val="ffffff"/>
+                      </a:solidFill>
+                    </a:lnR>
+                    <a:lnT w="12240">
+                      <a:solidFill>
+                        <a:srgbClr val="ffffff"/>
+                      </a:solidFill>
+                    </a:lnT>
+                    <a:lnB w="12240">
+                      <a:solidFill>
+                        <a:srgbClr val="ffffff"/>
+                      </a:solidFill>
+                    </a:lnB>
+                    <a:solidFill>
+                      <a:srgbClr val="e9eff7"/>
+                    </a:solidFill>
+                  </a:tcPr>
+                </a:tc>
+                <a:tc>
+                  <a:txBody>
+                    <a:bodyPr>
+                      <a:noAutofit/>
+                    </a:bodyPr>
+                    <a:p>
+                      <a:pPr>
+                        <a:lnSpc>
+                          <a:spcPct val="100000"/>
+                        </a:lnSpc>
+                      </a:pPr>
+                      <a:r>
+                        <a:rPr b="0" lang="fr-FR" sz="1800" spc="-1" strike="noStrike">
+                          <a:solidFill>
+                            <a:srgbClr val="000000"/>
+                          </a:solidFill>
+                          <a:latin typeface="Calibri"/>
+                        </a:rPr>
+                        <a:t>Réactivité du marché.</a:t>
+                      </a:r>
+                      <a:endParaRPr b="0" lang="fr-FR" sz="1800" spc="-1" strike="noStrike">
+                        <a:latin typeface="Arial"/>
+                      </a:endParaRPr>
+                    </a:p>
+                  </a:txBody>
+                  <a:tcPr marL="91440" marR="91440">
+                    <a:lnL w="12240">
+                      <a:solidFill>
+                        <a:srgbClr val="ffffff"/>
+                      </a:solidFill>
+                    </a:lnL>
+                    <a:lnR w="12240">
+                      <a:solidFill>
+                        <a:srgbClr val="ffffff"/>
+                      </a:solidFill>
+                    </a:lnR>
+                    <a:lnT w="12240">
+                      <a:solidFill>
+                        <a:srgbClr val="ffffff"/>
+                      </a:solidFill>
+                    </a:lnT>
+                    <a:lnB w="12240">
+                      <a:solidFill>
+                        <a:srgbClr val="ffffff"/>
+                      </a:solidFill>
+                    </a:lnB>
+                    <a:solidFill>
+                      <a:srgbClr val="e9eff7"/>
+                    </a:solidFill>
+                  </a:tcPr>
+                </a:tc>
+              </a:tr>
+              <a:tr h="618120">
+                <a:tc>
+                  <a:txBody>
+                    <a:bodyPr>
+                      <a:noAutofit/>
+                    </a:bodyPr>
+                    <a:p>
+                      <a:pPr>
+                        <a:lnSpc>
+                          <a:spcPct val="100000"/>
+                        </a:lnSpc>
+                      </a:pPr>
+                      <a:r>
+                        <a:rPr b="0" lang="fr-FR" sz="1800" spc="-1" strike="noStrike">
+                          <a:solidFill>
+                            <a:srgbClr val="000000"/>
+                          </a:solidFill>
+                          <a:latin typeface="Calibri"/>
+                        </a:rPr>
+                        <a:t>Marché demandeur à la croissance exponentielle.</a:t>
+                      </a:r>
+                      <a:endParaRPr b="0" lang="fr-FR" sz="1800" spc="-1" strike="noStrike">
+                        <a:latin typeface="Arial"/>
+                      </a:endParaRPr>
+                    </a:p>
+                  </a:txBody>
+                  <a:tcPr marL="91440" marR="91440">
+                    <a:lnL w="12240">
+                      <a:solidFill>
+                        <a:srgbClr val="ffffff"/>
+                      </a:solidFill>
+                    </a:lnL>
+                    <a:lnR w="12240">
+                      <a:solidFill>
+                        <a:srgbClr val="ffffff"/>
+                      </a:solidFill>
+                    </a:lnR>
+                    <a:lnT w="12240">
+                      <a:solidFill>
+                        <a:srgbClr val="ffffff"/>
+                      </a:solidFill>
+                    </a:lnT>
+                    <a:lnB w="12240">
+                      <a:solidFill>
+                        <a:srgbClr val="ffffff"/>
+                      </a:solidFill>
+                    </a:lnB>
+                    <a:solidFill>
+                      <a:srgbClr val="d1deef"/>
+                    </a:solidFill>
+                  </a:tcPr>
+                </a:tc>
+                <a:tc>
+                  <a:tcPr marL="91440" marR="91440">
+                    <a:lnL w="12240">
+                      <a:solidFill>
+                        <a:srgbClr val="ffffff"/>
+                      </a:solidFill>
+                    </a:lnL>
+                    <a:lnR w="12240">
+                      <a:solidFill>
+                        <a:srgbClr val="ffffff"/>
+                      </a:solidFill>
+                    </a:lnR>
+                    <a:lnT w="12240">
+                      <a:solidFill>
+                        <a:srgbClr val="ffffff"/>
+                      </a:solidFill>
+                    </a:lnT>
+                    <a:lnB w="12240">
+                      <a:solidFill>
+                        <a:srgbClr val="ffffff"/>
+                      </a:solidFill>
+                    </a:lnB>
+                    <a:solidFill>
+                      <a:srgbClr val="d1deef"/>
+                    </a:solidFill>
+                  </a:tcPr>
+                </a:tc>
+              </a:tr>
+              <a:tr h="618120">
+                <a:tc>
+                  <a:tcPr marL="91440" marR="91440">
+                    <a:lnL w="12240">
+                      <a:solidFill>
+                        <a:srgbClr val="ffffff"/>
+                      </a:solidFill>
+                    </a:lnL>
+                    <a:lnR w="12240">
+                      <a:solidFill>
+                        <a:srgbClr val="ffffff"/>
+                      </a:solidFill>
+                    </a:lnR>
+                    <a:lnT w="12240">
+                      <a:solidFill>
+                        <a:srgbClr val="ffffff"/>
+                      </a:solidFill>
+                    </a:lnT>
+                    <a:lnB w="12240">
+                      <a:solidFill>
+                        <a:srgbClr val="ffffff"/>
+                      </a:solidFill>
+                    </a:lnB>
+                    <a:solidFill>
+                      <a:srgbClr val="e9eff7"/>
+                    </a:solidFill>
+                  </a:tcPr>
+                </a:tc>
+                <a:tc>
+                  <a:txBody>
+                    <a:bodyPr>
+                      <a:noAutofit/>
+                    </a:bodyPr>
+                    <a:p>
+                      <a:pPr>
+                        <a:lnSpc>
+                          <a:spcPct val="100000"/>
+                        </a:lnSpc>
+                      </a:pPr>
+                      <a:r>
+                        <a:rPr b="0" lang="fr-FR" sz="1800" spc="-1" strike="noStrike">
+                          <a:solidFill>
+                            <a:srgbClr val="000000"/>
+                          </a:solidFill>
+                          <a:latin typeface="Calibri"/>
+                        </a:rPr>
+                        <a:t>Mise en place longue et coûteuse.</a:t>
+                      </a:r>
+                      <a:endParaRPr b="0" lang="fr-FR" sz="1800" spc="-1" strike="noStrike">
+                        <a:latin typeface="Arial"/>
+                      </a:endParaRPr>
+                    </a:p>
+                  </a:txBody>
+                  <a:tcPr marL="91440" marR="91440">
+                    <a:lnL w="12240">
+                      <a:solidFill>
+                        <a:srgbClr val="ffffff"/>
+                      </a:solidFill>
+                    </a:lnL>
+                    <a:lnR w="12240">
+                      <a:solidFill>
+                        <a:srgbClr val="ffffff"/>
+                      </a:solidFill>
+                    </a:lnR>
+                    <a:lnT w="12240">
+                      <a:solidFill>
+                        <a:srgbClr val="ffffff"/>
+                      </a:solidFill>
+                    </a:lnT>
+                    <a:lnB w="12240">
+                      <a:solidFill>
+                        <a:srgbClr val="ffffff"/>
+                      </a:solidFill>
+                    </a:lnB>
+                    <a:solidFill>
+                      <a:srgbClr val="e9eff7"/>
+                    </a:solidFill>
+                  </a:tcPr>
+                </a:tc>
+              </a:tr>
+              <a:tr h="620640">
+                <a:tc>
+                  <a:txBody>
+                    <a:bodyPr>
+                      <a:noAutofit/>
+                    </a:bodyPr>
+                    <a:p>
+                      <a:pPr>
+                        <a:lnSpc>
+                          <a:spcPct val="100000"/>
+                        </a:lnSpc>
+                      </a:pPr>
+                      <a:r>
+                        <a:rPr b="0" lang="fr-FR" sz="1800" spc="-1" strike="noStrike">
+                          <a:solidFill>
+                            <a:srgbClr val="000000"/>
+                          </a:solidFill>
+                          <a:latin typeface="Calibri"/>
+                        </a:rPr>
+                        <a:t>Augmentation du choix des voyagistes.</a:t>
+                      </a:r>
+                      <a:endParaRPr b="0" lang="fr-FR" sz="1800" spc="-1" strike="noStrike">
+                        <a:latin typeface="Arial"/>
+                      </a:endParaRPr>
+                    </a:p>
+                  </a:txBody>
+                  <a:tcPr marL="91440" marR="91440">
+                    <a:lnL w="12240">
+                      <a:solidFill>
+                        <a:srgbClr val="ffffff"/>
+                      </a:solidFill>
+                    </a:lnL>
+                    <a:lnR w="12240">
+                      <a:solidFill>
+                        <a:srgbClr val="ffffff"/>
+                      </a:solidFill>
+                    </a:lnR>
+                    <a:lnT w="12240">
+                      <a:solidFill>
+                        <a:srgbClr val="ffffff"/>
+                      </a:solidFill>
+                    </a:lnT>
+                    <a:lnB w="12240">
+                      <a:solidFill>
+                        <a:srgbClr val="ffffff"/>
+                      </a:solidFill>
+                    </a:lnB>
+                    <a:solidFill>
+                      <a:srgbClr val="d1deef"/>
+                    </a:solidFill>
+                  </a:tcPr>
+                </a:tc>
+                <a:tc>
+                  <a:tcPr marL="91440" marR="91440">
+                    <a:lnL w="12240">
+                      <a:solidFill>
+                        <a:srgbClr val="ffffff"/>
+                      </a:solidFill>
+                    </a:lnL>
+                    <a:lnR w="12240">
+                      <a:solidFill>
+                        <a:srgbClr val="ffffff"/>
+                      </a:solidFill>
+                    </a:lnR>
+                    <a:lnT w="12240">
+                      <a:solidFill>
+                        <a:srgbClr val="ffffff"/>
+                      </a:solidFill>
+                    </a:lnT>
+                    <a:lnB w="12240">
+                      <a:solidFill>
+                        <a:srgbClr val="ffffff"/>
+                      </a:solidFill>
+                    </a:lnB>
+                    <a:solidFill>
+                      <a:srgbClr val="d1deef"/>
+                    </a:solidFill>
+                  </a:tcPr>
+                </a:tc>
+              </a:tr>
+            </a:tbl>
+          </a:graphicData>
+        </a:graphic>
+      </p:graphicFrame>
+      <p:sp>
+        <p:nvSpPr>
+          <p:cNvPr id="213" name="CustomShape 5"/>
+          <p:cNvSpPr/>
+          <p:nvPr/>
+        </p:nvSpPr>
+        <p:spPr>
+          <a:xfrm>
+            <a:off x="7095600" y="851760"/>
+            <a:ext cx="600840" cy="513360"/>
+          </a:xfrm>
+          <a:prstGeom prst="mathPlus">
+            <a:avLst>
+              <a:gd name="adj1" fmla="val 23520"/>
+            </a:avLst>
+          </a:prstGeom>
+          <a:solidFill>
+            <a:schemeClr val="accent6"/>
+          </a:solidFill>
+          <a:ln/>
+        </p:spPr>
+        <p:style>
+          <a:lnRef idx="2">
+            <a:schemeClr val="accent1">
+              <a:shade val="50000"/>
+            </a:schemeClr>
+          </a:lnRef>
+          <a:fillRef idx="1">
+            <a:schemeClr val="accent1"/>
+          </a:fillRef>
+          <a:effectRef idx="0">
+            <a:schemeClr val="accent1"/>
+          </a:effectRef>
+          <a:fontRef idx="minor"/>
+        </p:style>
+      </p:sp>
+      <p:sp>
+        <p:nvSpPr>
+          <p:cNvPr id="214" name="CustomShape 6"/>
+          <p:cNvSpPr/>
+          <p:nvPr/>
+        </p:nvSpPr>
+        <p:spPr>
+          <a:xfrm>
+            <a:off x="9729360" y="864360"/>
+            <a:ext cx="600840" cy="488160"/>
+          </a:xfrm>
+          <a:prstGeom prst="mathMinus">
+            <a:avLst>
+              <a:gd name="adj1" fmla="val 23520"/>
+            </a:avLst>
+          </a:prstGeom>
+          <a:solidFill>
+            <a:srgbClr val="ff0000"/>
+          </a:solidFill>
+          <a:ln/>
+        </p:spPr>
+        <p:style>
+          <a:lnRef idx="2">
+            <a:schemeClr val="accent1">
+              <a:shade val="50000"/>
+            </a:schemeClr>
+          </a:lnRef>
+          <a:fillRef idx="1">
+            <a:schemeClr val="accent1"/>
+          </a:fillRef>
+          <a:effectRef idx="0">
+            <a:schemeClr val="accent1"/>
+          </a:effectRef>
+          <a:fontRef idx="minor"/>
+        </p:style>
+      </p:sp>
+      <p:pic>
+        <p:nvPicPr>
+          <p:cNvPr id="215" name="Image 9" descr=""/>
+          <p:cNvPicPr/>
+          <p:nvPr/>
+        </p:nvPicPr>
+        <p:blipFill>
+          <a:blip r:embed="rId2"/>
+          <a:stretch/>
+        </p:blipFill>
+        <p:spPr>
+          <a:xfrm>
+            <a:off x="8967960" y="5973120"/>
+            <a:ext cx="2428560" cy="768960"/>
+          </a:xfrm>
+          <a:prstGeom prst="rect">
+            <a:avLst/>
+          </a:prstGeom>
+          <a:ln>
+            <a:noFill/>
+          </a:ln>
+        </p:spPr>
+      </p:pic>
+    </p:spTree>
+  </p:cSld>
+  <mc:AlternateContent>
+    <mc:Choice Requires="p14">
+      <p:transition spd="slow" p14:dur="2000"/>
+    </mc:Choice>
+    <mc:Fallback>
+      <p:transition spd="slow"/>
+    </mc:Fallback>
+  </mc:AlternateContent>
+</p:sld>
+</file>
+
+<file path=ppt/slides/slide14.xml><?xml version="1.0" encoding="utf-8"?>
+<p:sld xmlns:a="http://schemas.openxmlformats.org/drawingml/2006/main" xmlns:p="http://schemas.openxmlformats.org/presentationml/2006/main" xmlns:r="http://schemas.openxmlformats.org/officeDocument/2006/relationships" xmlns:p14="http://schemas.microsoft.com/office/powerpoint/2010/main" xmlns:p15="http://schemas.microsoft.com/office/powerpoint/2012/main" xmlns:mc="http://schemas.openxmlformats.org/markup-compatibility/2006">
+  <p:cSld>
+    <p:bg>
+      <p:bgPr>
+        <a:solidFill>
+          <a:srgbClr val="ffffff"/>
+        </a:solidFill>
+      </p:bgPr>
+    </p:bg>
+    <p:spTree>
+      <p:nvGrpSpPr>
+        <p:cNvPr id="1" name=""/>
+        <p:cNvGrpSpPr/>
+        <p:nvPr/>
+      </p:nvGrpSpPr>
+      <p:grpSpPr>
+        <a:xfrm>
+          <a:off x="0" y="0"/>
+          <a:ext cx="0" cy="0"/>
+          <a:chOff x="0" y="0"/>
+          <a:chExt cx="0" cy="0"/>
+        </a:xfrm>
+      </p:grpSpPr>
+      <p:sp>
+        <p:nvSpPr>
+          <p:cNvPr id="216" name="CustomShape 1"/>
+          <p:cNvSpPr/>
+          <p:nvPr/>
+        </p:nvSpPr>
+        <p:spPr>
+          <a:xfrm>
+            <a:off x="0" y="0"/>
+            <a:ext cx="12191760" cy="6857640"/>
+          </a:xfrm>
+          <a:prstGeom prst="rect">
+            <a:avLst/>
+          </a:prstGeom>
+          <a:solidFill>
+            <a:schemeClr val="tx1">
+              <a:lumMod val="75000"/>
+              <a:lumOff val="25000"/>
+            </a:schemeClr>
+          </a:solidFill>
+          <a:ln>
+            <a:noFill/>
+          </a:ln>
+        </p:spPr>
+        <p:style>
+          <a:lnRef idx="2">
+            <a:schemeClr val="accent1">
+              <a:shade val="50000"/>
+            </a:schemeClr>
+          </a:lnRef>
+          <a:fillRef idx="1">
+            <a:schemeClr val="accent1"/>
+          </a:fillRef>
+          <a:effectRef idx="0">
+            <a:schemeClr val="accent1"/>
+          </a:effectRef>
+          <a:fontRef idx="minor"/>
+        </p:style>
+      </p:sp>
+      <p:sp>
+        <p:nvSpPr>
+          <p:cNvPr id="217" name="TextShape 2"/>
+          <p:cNvSpPr txBox="1"/>
+          <p:nvPr/>
+        </p:nvSpPr>
+        <p:spPr>
+          <a:xfrm>
+            <a:off x="6357960" y="1398960"/>
+            <a:ext cx="5090400" cy="2029680"/>
+          </a:xfrm>
+          <a:prstGeom prst="rect">
+            <a:avLst/>
+          </a:prstGeom>
+          <a:noFill/>
+          <a:ln>
+            <a:noFill/>
+          </a:ln>
+        </p:spPr>
+        <p:txBody>
+          <a:bodyPr anchor="b">
+            <a:normAutofit/>
+          </a:bodyPr>
+          <a:p>
+            <a:pPr>
+              <a:lnSpc>
+                <a:spcPct val="90000"/>
+              </a:lnSpc>
+            </a:pPr>
+            <a:r>
+              <a:rPr b="0" lang="en-US" sz="6000" spc="-1" strike="noStrike">
+                <a:solidFill>
+                  <a:srgbClr val="ffffff"/>
+                </a:solidFill>
+                <a:latin typeface="Calibri Light"/>
+              </a:rPr>
+              <a:t>Stratégie </a:t>
+            </a:r>
+            <a:endParaRPr b="0" lang="en-US" sz="6000" spc="-1" strike="noStrike">
+              <a:solidFill>
+                <a:srgbClr val="000000"/>
+              </a:solidFill>
+              <a:latin typeface="Calibri"/>
+            </a:endParaRPr>
+          </a:p>
+        </p:txBody>
+      </p:sp>
+      <p:sp>
+        <p:nvSpPr>
+          <p:cNvPr id="218" name="CustomShape 3"/>
+          <p:cNvSpPr/>
+          <p:nvPr/>
+        </p:nvSpPr>
+        <p:spPr>
+          <a:xfrm flipH="1">
+            <a:off x="0" y="0"/>
+            <a:ext cx="6172560" cy="6857640"/>
+          </a:xfrm>
+          <a:custGeom>
+            <a:avLst/>
+            <a:gdLst/>
+            <a:ahLst/>
+            <a:rect l="l" t="t" r="r" b="b"/>
+            <a:pathLst>
+              <a:path w="6172782" h="6858000">
+                <a:moveTo>
+                  <a:pt x="6172782" y="0"/>
+                </a:moveTo>
+                <a:lnTo>
+                  <a:pt x="69075" y="0"/>
+                </a:lnTo>
+                <a:lnTo>
+                  <a:pt x="35131" y="267128"/>
+                </a:lnTo>
+                <a:cubicBezTo>
+                  <a:pt x="11901" y="495874"/>
+                  <a:pt x="0" y="727970"/>
+                  <a:pt x="0" y="962845"/>
+                </a:cubicBezTo>
+                <a:cubicBezTo>
+                  <a:pt x="0" y="3429034"/>
+                  <a:pt x="1312002" y="5588789"/>
+                  <a:pt x="3276103" y="6782205"/>
+                </a:cubicBezTo>
+                <a:lnTo>
+                  <a:pt x="3407923" y="6858000"/>
+                </a:lnTo>
+                <a:lnTo>
+                  <a:pt x="6172782" y="6858000"/>
+                </a:lnTo>
+                <a:close/>
+              </a:path>
+            </a:pathLst>
+          </a:custGeom>
+          <a:solidFill>
+            <a:schemeClr val="bg1">
+              <a:alpha val="80000"/>
+            </a:schemeClr>
+          </a:solidFill>
+          <a:ln>
+            <a:noFill/>
+          </a:ln>
+        </p:spPr>
+        <p:style>
+          <a:lnRef idx="2">
+            <a:schemeClr val="accent1">
+              <a:shade val="50000"/>
+            </a:schemeClr>
+          </a:lnRef>
+          <a:fillRef idx="1">
+            <a:schemeClr val="accent1"/>
+          </a:fillRef>
+          <a:effectRef idx="0">
+            <a:schemeClr val="accent1"/>
+          </a:effectRef>
+          <a:fontRef idx="minor"/>
+        </p:style>
+      </p:sp>
+      <p:sp>
+        <p:nvSpPr>
+          <p:cNvPr id="219" name="CustomShape 4"/>
+          <p:cNvSpPr/>
+          <p:nvPr/>
+        </p:nvSpPr>
+        <p:spPr>
+          <a:xfrm>
+            <a:off x="0" y="0"/>
+            <a:ext cx="6023880" cy="6857640"/>
+          </a:xfrm>
+          <a:custGeom>
+            <a:avLst/>
+            <a:gdLst/>
+            <a:ahLst/>
+            <a:rect l="l" t="t" r="r" b="b"/>
+            <a:pathLst>
+              <a:path w="6024154" h="6858000">
+                <a:moveTo>
+                  <a:pt x="0" y="0"/>
+                </a:moveTo>
+                <a:lnTo>
+                  <a:pt x="5953780" y="0"/>
+                </a:lnTo>
+                <a:lnTo>
+                  <a:pt x="5989880" y="284091"/>
+                </a:lnTo>
+                <a:cubicBezTo>
+                  <a:pt x="6012544" y="507260"/>
+                  <a:pt x="6024154" y="733696"/>
+                  <a:pt x="6024154" y="962844"/>
+                </a:cubicBezTo>
+                <a:cubicBezTo>
+                  <a:pt x="6024154" y="3483472"/>
+                  <a:pt x="4619336" y="5675986"/>
+                  <a:pt x="2549934" y="6800152"/>
+                </a:cubicBezTo>
+                <a:lnTo>
+                  <a:pt x="2436987" y="6858000"/>
+                </a:lnTo>
+                <a:lnTo>
+                  <a:pt x="0" y="6858000"/>
+                </a:lnTo>
+                <a:close/>
+              </a:path>
+            </a:pathLst>
+          </a:custGeom>
+          <a:solidFill>
+            <a:schemeClr val="bg1"/>
+          </a:solidFill>
+          <a:ln>
+            <a:noFill/>
+          </a:ln>
+        </p:spPr>
+        <p:style>
+          <a:lnRef idx="2">
+            <a:schemeClr val="accent1">
+              <a:shade val="50000"/>
+            </a:schemeClr>
+          </a:lnRef>
+          <a:fillRef idx="1">
+            <a:schemeClr val="accent1"/>
+          </a:fillRef>
+          <a:effectRef idx="0">
+            <a:schemeClr val="accent1"/>
+          </a:effectRef>
+          <a:fontRef idx="minor"/>
+        </p:style>
+      </p:sp>
+      <p:pic>
+        <p:nvPicPr>
+          <p:cNvPr id="220" name="Image 6" descr=""/>
+          <p:cNvPicPr/>
+          <p:nvPr/>
+        </p:nvPicPr>
+        <p:blipFill>
+          <a:blip r:embed="rId1"/>
+          <a:stretch/>
+        </p:blipFill>
+        <p:spPr>
+          <a:xfrm>
+            <a:off x="0" y="18360"/>
+            <a:ext cx="4872240" cy="4565160"/>
+          </a:xfrm>
+          <a:prstGeom prst="rect">
+            <a:avLst/>
+          </a:prstGeom>
+          <a:ln>
+            <a:noFill/>
+          </a:ln>
+        </p:spPr>
+      </p:pic>
+      <p:pic>
+        <p:nvPicPr>
+          <p:cNvPr id="221" name="Image 8" descr=""/>
+          <p:cNvPicPr/>
+          <p:nvPr/>
+        </p:nvPicPr>
+        <p:blipFill>
+          <a:blip r:embed="rId2"/>
+          <a:stretch/>
+        </p:blipFill>
+        <p:spPr>
+          <a:xfrm>
+            <a:off x="214200" y="5862240"/>
+            <a:ext cx="2428560" cy="842400"/>
+          </a:xfrm>
+          <a:prstGeom prst="rect">
+            <a:avLst/>
+          </a:prstGeom>
+          <a:ln>
+            <a:noFill/>
+          </a:ln>
+        </p:spPr>
+      </p:pic>
+    </p:spTree>
+  </p:cSld>
+  <mc:AlternateContent>
+    <mc:Choice Requires="p14">
+      <p:transition spd="slow" p14:dur="2000"/>
+    </mc:Choice>
+    <mc:Fallback>
+      <p:transition spd="slow"/>
+    </mc:Fallback>
+  </mc:AlternateContent>
+  <p:timing>
+    <p:tnLst>
+      <p:par>
+        <p:cTn id="25" dur="indefinite" restart="never" nodeType="tmRoot">
+          <p:childTnLst>
+            <p:seq>
+              <p:cTn id="26" dur="indefinite" nodeType="mainSeq">
+                <p:childTnLst>
+                  <p:par>
+                    <p:cTn id="27" fill="hold">
+                      <p:stCondLst>
+                        <p:cond delay="indefinite"/>
+                      </p:stCondLst>
+                      <p:childTnLst>
+                        <p:par>
+                          <p:cTn id="28" fill="hold">
+                            <p:stCondLst>
+                              <p:cond delay="0"/>
+                            </p:stCondLst>
+                            <p:childTnLst>
+                              <p:par>
+                                <p:cTn id="29" nodeType="clickEffect" fill="hold" presetClass="emph" presetID="26">
+                                  <p:stCondLst>
+                                    <p:cond delay="0"/>
+                                  </p:stCondLst>
+                                  <p:childTnLst>
+                                    <p:animEffect filter="fade" transition="out">
+                                      <p:cBhvr additive="repl">
+                                        <p:cTn id="30" dur="500"/>
+                                        <p:tgtEl>
+                                          <p:spTgt spid="217"/>
+                                        </p:tgtEl>
+                                      </p:cBhvr>
+                                    </p:animEffect>
+                                  </p:childTnLst>
+                                </p:cTn>
+                              </p:par>
+                            </p:childTnLst>
+                          </p:cTn>
+                        </p:par>
+                      </p:childTnLst>
+                    </p:cTn>
+                  </p:par>
+                </p:childTnLst>
+              </p:cTn>
+              <p:prevCondLst>
+                <p:cond delay="0" evt="onPrev">
+                  <p:tgtEl>
+                    <p:sldTgt/>
+                  </p:tgtEl>
+                </p:cond>
+              </p:prevCondLst>
+              <p:nextCondLst>
+                <p:cond delay="0" evt="onNext">
+                  <p:tgtEl>
+                    <p:sldTgt/>
+                  </p:tgtEl>
+                </p:cond>
+              </p:nextCondLst>
+            </p:seq>
+          </p:childTnLst>
+        </p:cTn>
+      </p:par>
+    </p:tnLst>
+  </p:timing>
+</p:sld>
+</file>
+
+<file path=ppt/slides/slide15.xml><?xml version="1.0" encoding="utf-8"?>
+<p:sld xmlns:a="http://schemas.openxmlformats.org/drawingml/2006/main" xmlns:p="http://schemas.openxmlformats.org/presentationml/2006/main" xmlns:r="http://schemas.openxmlformats.org/officeDocument/2006/relationships" xmlns:p14="http://schemas.microsoft.com/office/powerpoint/2010/main" xmlns:p15="http://schemas.microsoft.com/office/powerpoint/2012/main" xmlns:mc="http://schemas.openxmlformats.org/markup-compatibility/2006">
+  <p:cSld>
+    <p:bg>
+      <p:bgPr>
+        <a:solidFill>
+          <a:srgbClr val="ffffff"/>
+        </a:solidFill>
+      </p:bgPr>
+    </p:bg>
+    <p:spTree>
+      <p:nvGrpSpPr>
+        <p:cNvPr id="1" name=""/>
+        <p:cNvGrpSpPr/>
+        <p:nvPr/>
+      </p:nvGrpSpPr>
+      <p:grpSpPr>
+        <a:xfrm>
+          <a:off x="0" y="0"/>
+          <a:ext cx="0" cy="0"/>
+          <a:chOff x="0" y="0"/>
+          <a:chExt cx="0" cy="0"/>
+        </a:xfrm>
+      </p:grpSpPr>
+      <p:sp>
+        <p:nvSpPr>
+          <p:cNvPr id="222" name="CustomShape 1"/>
+          <p:cNvSpPr/>
+          <p:nvPr/>
+        </p:nvSpPr>
+        <p:spPr>
+          <a:xfrm>
+            <a:off x="0" y="0"/>
+            <a:ext cx="12191760" cy="6857640"/>
+          </a:xfrm>
+          <a:prstGeom prst="rect">
+            <a:avLst/>
+          </a:prstGeom>
+          <a:solidFill>
+            <a:srgbClr val="ffffff"/>
+          </a:solidFill>
+          <a:ln>
+            <a:noFill/>
+          </a:ln>
+        </p:spPr>
+        <p:style>
+          <a:lnRef idx="2">
+            <a:schemeClr val="accent1">
+              <a:shade val="50000"/>
+            </a:schemeClr>
+          </a:lnRef>
+          <a:fillRef idx="1">
+            <a:schemeClr val="accent1"/>
+          </a:fillRef>
+          <a:effectRef idx="0">
+            <a:schemeClr val="accent1"/>
+          </a:effectRef>
+          <a:fontRef idx="minor"/>
+        </p:style>
+      </p:sp>
+      <p:sp>
+        <p:nvSpPr>
+          <p:cNvPr id="223" name="CustomShape 2"/>
+          <p:cNvSpPr/>
+          <p:nvPr/>
+        </p:nvSpPr>
+        <p:spPr>
+          <a:xfrm>
+            <a:off x="0" y="0"/>
+            <a:ext cx="2013120" cy="6857640"/>
+          </a:xfrm>
+          <a:prstGeom prst="rect">
+            <a:avLst/>
+          </a:prstGeom>
+          <a:solidFill>
+            <a:srgbClr val="764257"/>
+          </a:solidFill>
+          <a:ln>
+            <a:noFill/>
+          </a:ln>
+        </p:spPr>
+        <p:style>
+          <a:lnRef idx="2">
+            <a:schemeClr val="accent1">
+              <a:shade val="50000"/>
+            </a:schemeClr>
+          </a:lnRef>
+          <a:fillRef idx="1">
+            <a:schemeClr val="accent1"/>
+          </a:fillRef>
+          <a:effectRef idx="0">
+            <a:schemeClr val="accent1"/>
+          </a:effectRef>
+          <a:fontRef idx="minor"/>
+        </p:style>
+      </p:sp>
+      <p:sp>
+        <p:nvSpPr>
+          <p:cNvPr id="224" name="TextShape 3"/>
+          <p:cNvSpPr txBox="1"/>
+          <p:nvPr/>
+        </p:nvSpPr>
+        <p:spPr>
+          <a:xfrm>
+            <a:off x="640080" y="2074320"/>
+            <a:ext cx="2751840" cy="2709000"/>
+          </a:xfrm>
+          <a:prstGeom prst="rect">
+            <a:avLst/>
+          </a:prstGeom>
+          <a:solidFill>
+            <a:srgbClr val="262626"/>
+          </a:solidFill>
+          <a:ln w="174600">
+            <a:solidFill>
+              <a:srgbClr val="262626"/>
+            </a:solidFill>
+            <a:round/>
+          </a:ln>
+        </p:spPr>
+        <p:txBody>
+          <a:bodyPr anchor="ctr">
+            <a:normAutofit/>
+          </a:bodyPr>
+          <a:p>
+            <a:pPr algn="ctr">
+              <a:lnSpc>
+                <a:spcPct val="90000"/>
+              </a:lnSpc>
+            </a:pPr>
+            <a:r>
+              <a:rPr b="1" lang="en-US" sz="6600" spc="-1" strike="noStrike">
+                <a:solidFill>
+                  <a:srgbClr val="ed7d31"/>
+                </a:solidFill>
+                <a:latin typeface="Calibri Light"/>
+              </a:rPr>
+              <a:t>M</a:t>
+            </a:r>
+            <a:r>
+              <a:rPr b="1" lang="en-US" sz="2600" spc="-1" strike="noStrike">
+                <a:solidFill>
+                  <a:srgbClr val="4472c4"/>
+                </a:solidFill>
+                <a:latin typeface="Calibri Light"/>
+              </a:rPr>
+              <a:t>odèle d’affaires</a:t>
+            </a:r>
+            <a:endParaRPr b="0" lang="en-US" sz="2600" spc="-1" strike="noStrike">
+              <a:solidFill>
+                <a:srgbClr val="000000"/>
+              </a:solidFill>
+              <a:latin typeface="Calibri"/>
+            </a:endParaRPr>
+          </a:p>
+        </p:txBody>
+      </p:sp>
+      <p:pic>
+        <p:nvPicPr>
+          <p:cNvPr id="225" name="Espace réservé du contenu 4" descr=""/>
+          <p:cNvPicPr/>
+          <p:nvPr/>
+        </p:nvPicPr>
+        <p:blipFill>
+          <a:blip r:embed="rId1"/>
+          <a:stretch/>
+        </p:blipFill>
+        <p:spPr>
+          <a:xfrm>
+            <a:off x="4995720" y="961920"/>
+            <a:ext cx="5273280" cy="4930560"/>
+          </a:xfrm>
+          <a:prstGeom prst="rect">
+            <a:avLst/>
+          </a:prstGeom>
+          <a:ln>
+            <a:noFill/>
+          </a:ln>
+        </p:spPr>
+      </p:pic>
+    </p:spTree>
+  </p:cSld>
+  <mc:AlternateContent>
+    <mc:Choice Requires="p14">
+      <p:transition spd="slow" p14:dur="2000"/>
+    </mc:Choice>
+    <mc:Fallback>
+      <p:transition spd="slow"/>
+    </mc:Fallback>
+  </mc:AlternateContent>
+</p:sld>
+</file>
+
+<file path=ppt/slides/slide16.xml><?xml version="1.0" encoding="utf-8"?>
+<p:sld xmlns:a="http://schemas.openxmlformats.org/drawingml/2006/main" xmlns:p="http://schemas.openxmlformats.org/presentationml/2006/main" xmlns:r="http://schemas.openxmlformats.org/officeDocument/2006/relationships" xmlns:p14="http://schemas.microsoft.com/office/powerpoint/2010/main" xmlns:p15="http://schemas.microsoft.com/office/powerpoint/2012/main" xmlns:mc="http://schemas.openxmlformats.org/markup-compatibility/2006">
+  <p:cSld>
+    <p:bg>
+      <p:bgPr>
+        <a:solidFill>
+          <a:srgbClr val="ffffff"/>
+        </a:solidFill>
+      </p:bgPr>
+    </p:bg>
+    <p:spTree>
+      <p:nvGrpSpPr>
+        <p:cNvPr id="1" name=""/>
+        <p:cNvGrpSpPr/>
+        <p:nvPr/>
+      </p:nvGrpSpPr>
+      <p:grpSpPr>
+        <a:xfrm>
+          <a:off x="0" y="0"/>
+          <a:ext cx="0" cy="0"/>
+          <a:chOff x="0" y="0"/>
+          <a:chExt cx="0" cy="0"/>
+        </a:xfrm>
+      </p:grpSpPr>
+      <p:sp>
+        <p:nvSpPr>
+          <p:cNvPr id="226" name="CustomShape 1"/>
+          <p:cNvSpPr/>
+          <p:nvPr/>
+        </p:nvSpPr>
+        <p:spPr>
+          <a:xfrm>
+            <a:off x="0" y="0"/>
+            <a:ext cx="6081840" cy="6857640"/>
+          </a:xfrm>
+          <a:prstGeom prst="rect">
+            <a:avLst/>
+          </a:prstGeom>
+          <a:solidFill>
+            <a:schemeClr val="bg1"/>
+          </a:solidFill>
+          <a:ln>
+            <a:noFill/>
+          </a:ln>
+        </p:spPr>
+        <p:style>
+          <a:lnRef idx="2">
+            <a:schemeClr val="accent1">
+              <a:shade val="50000"/>
+            </a:schemeClr>
+          </a:lnRef>
+          <a:fillRef idx="1">
+            <a:schemeClr val="accent1"/>
+          </a:fillRef>
+          <a:effectRef idx="0">
+            <a:schemeClr val="accent1"/>
+          </a:effectRef>
+          <a:fontRef idx="minor"/>
+        </p:style>
+      </p:sp>
+      <p:sp>
+        <p:nvSpPr>
+          <p:cNvPr id="227" name="CustomShape 2"/>
+          <p:cNvSpPr/>
+          <p:nvPr/>
+        </p:nvSpPr>
+        <p:spPr>
+          <a:xfrm>
+            <a:off x="0" y="0"/>
+            <a:ext cx="12191760" cy="6857640"/>
+          </a:xfrm>
+          <a:prstGeom prst="rect">
+            <a:avLst/>
+          </a:prstGeom>
+          <a:gradFill rotWithShape="0">
+            <a:gsLst>
+              <a:gs pos="0">
+                <a:schemeClr val="accent1">
+                  <a:lumMod val="90000"/>
+                </a:schemeClr>
+              </a:gs>
+              <a:gs pos="25000">
+                <a:schemeClr val="accent1">
+                  <a:lumMod val="90000"/>
+                </a:schemeClr>
+              </a:gs>
+              <a:gs pos="94000">
+                <a:schemeClr val="bg2">
+                  <a:lumMod val="25000"/>
+                </a:schemeClr>
+              </a:gs>
+              <a:gs pos="100000">
+                <a:schemeClr val="bg2">
+                  <a:lumMod val="25000"/>
+                </a:schemeClr>
+              </a:gs>
+            </a:gsLst>
+            <a:lin ang="4200000"/>
+          </a:gradFill>
+          <a:ln>
+            <a:noFill/>
+          </a:ln>
+        </p:spPr>
+        <p:style>
+          <a:lnRef idx="2">
+            <a:schemeClr val="accent1">
+              <a:shade val="50000"/>
+            </a:schemeClr>
+          </a:lnRef>
+          <a:fillRef idx="1">
+            <a:schemeClr val="accent1"/>
+          </a:fillRef>
+          <a:effectRef idx="0">
+            <a:schemeClr val="accent1"/>
+          </a:effectRef>
+          <a:fontRef idx="minor"/>
+        </p:style>
+      </p:sp>
+      <p:pic>
+        <p:nvPicPr>
+          <p:cNvPr id="228" name="Picture 12" descr=""/>
+          <p:cNvPicPr/>
+          <p:nvPr/>
+        </p:nvPicPr>
+        <p:blipFill>
+          <a:blip r:embed="rId1"/>
+          <a:stretch/>
+        </p:blipFill>
+        <p:spPr>
+          <a:xfrm>
+            <a:off x="0" y="0"/>
+            <a:ext cx="12191760" cy="6857640"/>
+          </a:xfrm>
+          <a:prstGeom prst="rect">
+            <a:avLst/>
+          </a:prstGeom>
+          <a:ln>
+            <a:noFill/>
+          </a:ln>
+        </p:spPr>
+      </p:pic>
+      <p:sp>
+        <p:nvSpPr>
+          <p:cNvPr id="229" name="TextShape 3"/>
+          <p:cNvSpPr txBox="1"/>
+          <p:nvPr/>
+        </p:nvSpPr>
+        <p:spPr>
+          <a:xfrm>
+            <a:off x="640080" y="2053800"/>
+            <a:ext cx="3668760" cy="2759760"/>
+          </a:xfrm>
+          <a:prstGeom prst="rect">
+            <a:avLst/>
+          </a:prstGeom>
+          <a:noFill/>
+          <a:ln>
+            <a:noFill/>
+          </a:ln>
+        </p:spPr>
+        <p:txBody>
+          <a:bodyPr anchor="ctr">
+            <a:normAutofit/>
+          </a:bodyPr>
+          <a:p>
+            <a:pPr>
+              <a:lnSpc>
+                <a:spcPct val="90000"/>
+              </a:lnSpc>
+            </a:pPr>
+            <a:r>
+              <a:rPr b="0" lang="en-US" sz="4400" spc="-1" strike="noStrike">
+                <a:solidFill>
+                  <a:srgbClr val="ffffff"/>
+                </a:solidFill>
+                <a:latin typeface="Calibri Light"/>
+              </a:rPr>
+              <a:t>Modèle d’affaires</a:t>
+            </a:r>
+            <a:endParaRPr b="0" lang="en-US" sz="4400" spc="-1" strike="noStrike">
+              <a:solidFill>
+                <a:srgbClr val="000000"/>
+              </a:solidFill>
+              <a:latin typeface="Calibri"/>
+            </a:endParaRPr>
+          </a:p>
+        </p:txBody>
+      </p:sp>
+      <p:graphicFrame>
+        <p:nvGraphicFramePr>
+          <p:cNvPr id="230" name="Table 4"/>
           <p:cNvGraphicFramePr/>
           <p:nvPr/>
         </p:nvGraphicFramePr>
@@ -7509,7 +9770,7 @@
                           </a:solidFill>
                           <a:latin typeface="Calibri"/>
                         </a:rPr>
-                        <a:t>Offre Basic</a:t>
+                        <a:t>Offre Basique</a:t>
                       </a:r>
                       <a:endParaRPr b="0" lang="fr-FR" sz="1800" spc="-1" strike="noStrike">
                         <a:latin typeface="Arial"/>
@@ -7702,7 +9963,7 @@
                           </a:solidFill>
                           <a:latin typeface="Calibri"/>
                         </a:rPr>
-                        <a:t>Processus réservation</a:t>
+                        <a:t>Processus réservation.</a:t>
                       </a:r>
                       <a:endParaRPr b="0" lang="fr-FR" sz="1800" spc="-1" strike="noStrike">
                         <a:latin typeface="Arial"/>
@@ -7753,7 +10014,7 @@
                           </a:solidFill>
                           <a:latin typeface="Calibri"/>
                         </a:rPr>
-                        <a:t>Solution A + Processus paiement sécurisé</a:t>
+                        <a:t>Solution A + Processus paiement sécurisé.</a:t>
                       </a:r>
                       <a:endParaRPr b="0" lang="fr-FR" sz="1800" spc="-1" strike="noStrike">
                         <a:latin typeface="Arial"/>
@@ -7804,7 +10065,7 @@
                           </a:solidFill>
                           <a:latin typeface="Calibri"/>
                         </a:rPr>
-                        <a:t>Solution A + Solution B + Comptabilité Agences de voyages</a:t>
+                        <a:t>Solution A + Solution B + Comptabilité Agences de voyages.</a:t>
                       </a:r>
                       <a:endParaRPr b="0" lang="fr-FR" sz="1800" spc="-1" strike="noStrike">
                         <a:latin typeface="Arial"/>
@@ -8224,7 +10485,7 @@
                           </a:solidFill>
                           <a:latin typeface="Calibri"/>
                         </a:rPr>
-                        <a:t>Engagement 6 mois</a:t>
+                        <a:t>Engagement 6 Mois.</a:t>
                       </a:r>
                       <a:endParaRPr b="0" lang="fr-FR" sz="1800" spc="-1" strike="noStrike">
                         <a:latin typeface="Arial"/>
@@ -8294,7 +10555,7 @@
                           </a:solidFill>
                           <a:latin typeface="Calibri"/>
                         </a:rPr>
-                        <a:t>mois</a:t>
+                        <a:t>Mois.</a:t>
                       </a:r>
                       <a:endParaRPr b="0" lang="fr-FR" sz="1800" spc="-1" strike="noStrike">
                         <a:latin typeface="Arial"/>
@@ -8364,7 +10625,7 @@
                           </a:solidFill>
                           <a:latin typeface="Calibri"/>
                         </a:rPr>
-                        <a:t>mois</a:t>
+                        <a:t>Mois.</a:t>
                       </a:r>
                       <a:endParaRPr b="0" lang="fr-FR" sz="1800" spc="-1" strike="noStrike">
                         <a:latin typeface="Arial"/>
@@ -8404,7 +10665,7 @@
       </p:graphicFrame>
       <p:pic>
         <p:nvPicPr>
-          <p:cNvPr id="193" name="Image 11" descr=""/>
+          <p:cNvPr id="231" name="Image 11" descr=""/>
           <p:cNvPicPr/>
           <p:nvPr/>
         </p:nvPicPr>
@@ -8438,7 +10699,7 @@
 </p:sld>
 </file>
 
-<file path=ppt/slides/slide11.xml><?xml version="1.0" encoding="utf-8"?>
+<file path=ppt/slides/slide17.xml><?xml version="1.0" encoding="utf-8"?>
 <p:sld xmlns:a="http://schemas.openxmlformats.org/drawingml/2006/main" xmlns:p="http://schemas.openxmlformats.org/presentationml/2006/main" xmlns:r="http://schemas.openxmlformats.org/officeDocument/2006/relationships" xmlns:p14="http://schemas.microsoft.com/office/powerpoint/2010/main" xmlns:p15="http://schemas.microsoft.com/office/powerpoint/2012/main" xmlns:mc="http://schemas.openxmlformats.org/markup-compatibility/2006">
   <p:cSld>
     <p:bg>
@@ -8464,20 +10725,20 @@
       </p:grpSpPr>
       <p:sp>
         <p:nvSpPr>
-          <p:cNvPr id="194" name="CustomShape 1"/>
+          <p:cNvPr id="232" name="CustomShape 1"/>
           <p:cNvSpPr/>
           <p:nvPr/>
         </p:nvSpPr>
         <p:spPr>
           <a:xfrm>
             <a:off x="0" y="0"/>
-            <a:ext cx="6081840" cy="6857640"/>
+            <a:ext cx="12191760" cy="6857640"/>
           </a:xfrm>
           <a:prstGeom prst="rect">
             <a:avLst/>
           </a:prstGeom>
           <a:solidFill>
-            <a:schemeClr val="bg1"/>
+            <a:srgbClr val="ffffff"/>
           </a:solidFill>
           <a:ln>
             <a:noFill/>
@@ -8500,7 +10761,200 @@
       </p:sp>
       <p:sp>
         <p:nvSpPr>
-          <p:cNvPr id="195" name="CustomShape 2"/>
+          <p:cNvPr id="233" name="CustomShape 2"/>
+          <p:cNvSpPr/>
+          <p:nvPr/>
+        </p:nvSpPr>
+        <p:spPr>
+          <a:xfrm>
+            <a:off x="0" y="0"/>
+            <a:ext cx="2013120" cy="6857640"/>
+          </a:xfrm>
+          <a:prstGeom prst="rect">
+            <a:avLst/>
+          </a:prstGeom>
+          <a:solidFill>
+            <a:srgbClr val="764257"/>
+          </a:solidFill>
+          <a:ln>
+            <a:noFill/>
+          </a:ln>
+        </p:spPr>
+        <p:style>
+          <a:lnRef idx="2">
+            <a:schemeClr val="accent1">
+              <a:shade val="50000"/>
+            </a:schemeClr>
+          </a:lnRef>
+          <a:fillRef idx="1">
+            <a:schemeClr val="accent1"/>
+          </a:fillRef>
+          <a:effectRef idx="0">
+            <a:schemeClr val="accent1"/>
+          </a:effectRef>
+          <a:fontRef idx="minor"/>
+        </p:style>
+      </p:sp>
+      <p:sp>
+        <p:nvSpPr>
+          <p:cNvPr id="234" name="TextShape 3"/>
+          <p:cNvSpPr txBox="1"/>
+          <p:nvPr/>
+        </p:nvSpPr>
+        <p:spPr>
+          <a:xfrm>
+            <a:off x="640080" y="2074320"/>
+            <a:ext cx="2751840" cy="2709000"/>
+          </a:xfrm>
+          <a:prstGeom prst="rect">
+            <a:avLst/>
+          </a:prstGeom>
+          <a:solidFill>
+            <a:srgbClr val="262626"/>
+          </a:solidFill>
+          <a:ln w="174600">
+            <a:solidFill>
+              <a:srgbClr val="262626"/>
+            </a:solidFill>
+            <a:round/>
+          </a:ln>
+        </p:spPr>
+        <p:txBody>
+          <a:bodyPr anchor="ctr">
+            <a:normAutofit/>
+          </a:bodyPr>
+          <a:p>
+            <a:pPr algn="ctr">
+              <a:lnSpc>
+                <a:spcPct val="90000"/>
+              </a:lnSpc>
+            </a:pPr>
+            <a:r>
+              <a:rPr b="1" lang="en-US" sz="6600" spc="-1" strike="noStrike">
+                <a:solidFill>
+                  <a:srgbClr val="ed7d31"/>
+                </a:solidFill>
+                <a:latin typeface="Calibri Light"/>
+              </a:rPr>
+              <a:t>S</a:t>
+            </a:r>
+            <a:r>
+              <a:rPr b="1" lang="en-US" sz="2600" spc="-1" strike="noStrike">
+                <a:solidFill>
+                  <a:srgbClr val="4472c4"/>
+                </a:solidFill>
+                <a:latin typeface="Calibri Light"/>
+              </a:rPr>
+              <a:t>tratégie marketing</a:t>
+            </a:r>
+            <a:endParaRPr b="0" lang="en-US" sz="2600" spc="-1" strike="noStrike">
+              <a:solidFill>
+                <a:srgbClr val="000000"/>
+              </a:solidFill>
+              <a:latin typeface="Calibri"/>
+            </a:endParaRPr>
+          </a:p>
+        </p:txBody>
+      </p:sp>
+      <p:pic>
+        <p:nvPicPr>
+          <p:cNvPr id="235" name="Espace réservé du contenu 4" descr=""/>
+          <p:cNvPicPr/>
+          <p:nvPr/>
+        </p:nvPicPr>
+        <p:blipFill>
+          <a:blip r:embed="rId1"/>
+          <a:stretch/>
+        </p:blipFill>
+        <p:spPr>
+          <a:xfrm>
+            <a:off x="4995720" y="961920"/>
+            <a:ext cx="5273280" cy="4930560"/>
+          </a:xfrm>
+          <a:prstGeom prst="rect">
+            <a:avLst/>
+          </a:prstGeom>
+          <a:ln>
+            <a:noFill/>
+          </a:ln>
+        </p:spPr>
+      </p:pic>
+    </p:spTree>
+  </p:cSld>
+  <mc:AlternateContent>
+    <mc:Choice Requires="p14">
+      <p:transition spd="slow" p14:dur="2000"/>
+    </mc:Choice>
+    <mc:Fallback>
+      <p:transition spd="slow"/>
+    </mc:Fallback>
+  </mc:AlternateContent>
+</p:sld>
+</file>
+
+<file path=ppt/slides/slide18.xml><?xml version="1.0" encoding="utf-8"?>
+<p:sld xmlns:a="http://schemas.openxmlformats.org/drawingml/2006/main" xmlns:p="http://schemas.openxmlformats.org/presentationml/2006/main" xmlns:r="http://schemas.openxmlformats.org/officeDocument/2006/relationships" xmlns:p14="http://schemas.microsoft.com/office/powerpoint/2010/main" xmlns:p15="http://schemas.microsoft.com/office/powerpoint/2012/main" xmlns:mc="http://schemas.openxmlformats.org/markup-compatibility/2006">
+  <p:cSld>
+    <p:bg>
+      <p:bgPr>
+        <a:solidFill>
+          <a:srgbClr val="ffffff"/>
+        </a:solidFill>
+      </p:bgPr>
+    </p:bg>
+    <p:spTree>
+      <p:nvGrpSpPr>
+        <p:cNvPr id="1" name=""/>
+        <p:cNvGrpSpPr/>
+        <p:nvPr/>
+      </p:nvGrpSpPr>
+      <p:grpSpPr>
+        <a:xfrm>
+          <a:off x="0" y="0"/>
+          <a:ext cx="0" cy="0"/>
+          <a:chOff x="0" y="0"/>
+          <a:chExt cx="0" cy="0"/>
+        </a:xfrm>
+      </p:grpSpPr>
+      <p:sp>
+        <p:nvSpPr>
+          <p:cNvPr id="236" name="CustomShape 1"/>
+          <p:cNvSpPr/>
+          <p:nvPr/>
+        </p:nvSpPr>
+        <p:spPr>
+          <a:xfrm>
+            <a:off x="0" y="0"/>
+            <a:ext cx="6081840" cy="6857640"/>
+          </a:xfrm>
+          <a:prstGeom prst="rect">
+            <a:avLst/>
+          </a:prstGeom>
+          <a:solidFill>
+            <a:schemeClr val="bg1"/>
+          </a:solidFill>
+          <a:ln>
+            <a:noFill/>
+          </a:ln>
+        </p:spPr>
+        <p:style>
+          <a:lnRef idx="2">
+            <a:schemeClr val="accent1">
+              <a:shade val="50000"/>
+            </a:schemeClr>
+          </a:lnRef>
+          <a:fillRef idx="1">
+            <a:schemeClr val="accent1"/>
+          </a:fillRef>
+          <a:effectRef idx="0">
+            <a:schemeClr val="accent1"/>
+          </a:effectRef>
+          <a:fontRef idx="minor"/>
+        </p:style>
+      </p:sp>
+      <p:sp>
+        <p:nvSpPr>
+          <p:cNvPr id="237" name="CustomShape 2"/>
           <p:cNvSpPr/>
           <p:nvPr/>
         </p:nvSpPr>
@@ -8558,7 +11012,7 @@
       </p:sp>
       <p:pic>
         <p:nvPicPr>
-          <p:cNvPr id="196" name="Picture 12" descr=""/>
+          <p:cNvPr id="238" name="Picture 12" descr=""/>
           <p:cNvPicPr/>
           <p:nvPr/>
         </p:nvPicPr>
@@ -8581,7 +11035,7 @@
       </p:pic>
       <p:sp>
         <p:nvSpPr>
-          <p:cNvPr id="197" name="TextShape 3"/>
+          <p:cNvPr id="239" name="TextShape 3"/>
           <p:cNvSpPr txBox="1"/>
           <p:nvPr/>
         </p:nvSpPr>
@@ -8628,7 +11082,7 @@
       </p:sp>
       <p:sp>
         <p:nvSpPr>
-          <p:cNvPr id="198" name="TextShape 4"/>
+          <p:cNvPr id="240" name="TextShape 4"/>
           <p:cNvSpPr txBox="1"/>
           <p:nvPr/>
         </p:nvSpPr>
@@ -8700,7 +11154,7 @@
               </a:spcBef>
             </a:pPr>
             <a:r>
-              <a:rPr b="0" lang="en-US" sz="2000" spc="-1" strike="noStrike">
+              <a:rPr b="1" lang="en-US" sz="2000" spc="-1" strike="noStrike">
                 <a:solidFill>
                   <a:srgbClr val="808080"/>
                 </a:solidFill>
@@ -8715,7 +11169,16 @@
                 </a:solidFill>
                 <a:latin typeface="Calibri"/>
               </a:rPr>
-              <a:t> aux salon du tourisme et concours Tour Mag.</a:t>
+              <a:t> </a:t>
+            </a:r>
+            <a:r>
+              <a:rPr b="0" lang="en-US" sz="2000" spc="-1" strike="noStrike">
+                <a:solidFill>
+                  <a:srgbClr val="4472c4"/>
+                </a:solidFill>
+                <a:latin typeface="Calibri"/>
+              </a:rPr>
+              <a:t>aux salon du tourisme et concours Tour Mag.</a:t>
             </a:r>
             <a:endParaRPr b="0" lang="en-US" sz="2000" spc="-1" strike="noStrike">
               <a:solidFill>
@@ -8734,7 +11197,7 @@
               </a:spcBef>
             </a:pPr>
             <a:r>
-              <a:rPr b="0" lang="en-US" sz="2000" spc="-1" strike="noStrike">
+              <a:rPr b="1" lang="en-US" sz="2000" spc="-1" strike="noStrike">
                 <a:solidFill>
                   <a:srgbClr val="808080"/>
                 </a:solidFill>
@@ -8749,12 +11212,21 @@
                 </a:solidFill>
                 <a:latin typeface="Calibri"/>
               </a:rPr>
-              <a:t> notre présence sur les réseaux sociaux. (</a:t>
+              <a:t> </a:t>
+            </a:r>
+            <a:r>
+              <a:rPr b="0" lang="en-US" sz="2000" spc="-1" strike="noStrike">
+                <a:solidFill>
+                  <a:srgbClr val="4472c4"/>
+                </a:solidFill>
+                <a:latin typeface="Calibri"/>
+              </a:rPr>
+              <a:t>notre présence sur les réseaux sociaux. (</a:t>
             </a:r>
             <a:r>
               <a:rPr b="0" i="1" lang="en-US" sz="2000" spc="-1" strike="noStrike" u="sng">
                 <a:solidFill>
-                  <a:srgbClr val="000000"/>
+                  <a:srgbClr val="4472c4"/>
                 </a:solidFill>
                 <a:uFillTx/>
                 <a:latin typeface="Calibri"/>
@@ -8764,7 +11236,7 @@
             <a:r>
               <a:rPr b="0" lang="en-US" sz="2000" spc="-1" strike="noStrike">
                 <a:solidFill>
-                  <a:srgbClr val="000000"/>
+                  <a:srgbClr val="4472c4"/>
                 </a:solidFill>
                 <a:latin typeface="Calibri"/>
               </a:rPr>
@@ -8787,7 +11259,7 @@
               </a:spcBef>
             </a:pPr>
             <a:r>
-              <a:rPr b="0" lang="en-US" sz="2000" spc="-1" strike="noStrike">
+              <a:rPr b="1" lang="en-US" sz="2000" spc="-1" strike="noStrike">
                 <a:solidFill>
                   <a:srgbClr val="808080"/>
                 </a:solidFill>
@@ -8802,7 +11274,16 @@
                 </a:solidFill>
                 <a:latin typeface="Calibri"/>
               </a:rPr>
-              <a:t> une solution d’emailing.</a:t>
+              <a:t> </a:t>
+            </a:r>
+            <a:r>
+              <a:rPr b="0" lang="en-US" sz="2000" spc="-1" strike="noStrike">
+                <a:solidFill>
+                  <a:srgbClr val="4472c4"/>
+                </a:solidFill>
+                <a:latin typeface="Calibri"/>
+              </a:rPr>
+              <a:t>une solution d’emailing.</a:t>
             </a:r>
             <a:endParaRPr b="0" lang="en-US" sz="2000" spc="-1" strike="noStrike">
               <a:solidFill>
@@ -8821,7 +11302,7 @@
               </a:spcBef>
             </a:pPr>
             <a:r>
-              <a:rPr b="0" lang="en-US" sz="2000" spc="-1" strike="noStrike">
+              <a:rPr b="1" lang="en-US" sz="2000" spc="-1" strike="noStrike">
                 <a:solidFill>
                   <a:srgbClr val="808080"/>
                 </a:solidFill>
@@ -8836,7 +11317,16 @@
                 </a:solidFill>
                 <a:latin typeface="Calibri"/>
               </a:rPr>
-              <a:t> de newsletters.</a:t>
+              <a:t> </a:t>
+            </a:r>
+            <a:r>
+              <a:rPr b="0" lang="en-US" sz="2000" spc="-1" strike="noStrike">
+                <a:solidFill>
+                  <a:srgbClr val="4472c4"/>
+                </a:solidFill>
+                <a:latin typeface="Calibri"/>
+              </a:rPr>
+              <a:t>de newsletters.</a:t>
             </a:r>
             <a:endParaRPr b="0" lang="en-US" sz="2000" spc="-1" strike="noStrike">
               <a:solidFill>
@@ -8855,7 +11345,7 @@
               </a:spcBef>
             </a:pPr>
             <a:r>
-              <a:rPr b="0" lang="en-US" sz="2000" spc="-1" strike="noStrike">
+              <a:rPr b="1" lang="en-US" sz="2000" spc="-1" strike="noStrike">
                 <a:solidFill>
                   <a:srgbClr val="808080"/>
                 </a:solidFill>
@@ -8870,12 +11360,21 @@
                 </a:solidFill>
                 <a:latin typeface="Calibri"/>
               </a:rPr>
-              <a:t> du site de téléchargement du logiciel. (</a:t>
+              <a:t> </a:t>
+            </a:r>
+            <a:r>
+              <a:rPr b="0" lang="en-US" sz="2000" spc="-1" strike="noStrike">
+                <a:solidFill>
+                  <a:srgbClr val="4472c4"/>
+                </a:solidFill>
+                <a:latin typeface="Calibri"/>
+              </a:rPr>
+              <a:t>du site de téléchargement du logiciel. (</a:t>
             </a:r>
             <a:r>
               <a:rPr b="0" i="1" lang="en-US" sz="2000" spc="-1" strike="noStrike" u="sng">
                 <a:solidFill>
-                  <a:srgbClr val="000000"/>
+                  <a:srgbClr val="4472c4"/>
                 </a:solidFill>
                 <a:uFillTx/>
                 <a:latin typeface="Calibri"/>
@@ -8885,7 +11384,7 @@
             <a:r>
               <a:rPr b="0" lang="en-US" sz="2000" spc="-1" strike="noStrike">
                 <a:solidFill>
-                  <a:srgbClr val="000000"/>
+                  <a:srgbClr val="4472c4"/>
                 </a:solidFill>
                 <a:latin typeface="Calibri"/>
               </a:rPr>
@@ -8908,7 +11407,7 @@
               </a:spcBef>
             </a:pPr>
             <a:r>
-              <a:rPr b="0" lang="en-US" sz="2000" spc="-1" strike="noStrike">
+              <a:rPr b="1" lang="en-US" sz="2000" spc="-1" strike="noStrike">
                 <a:solidFill>
                   <a:srgbClr val="808080"/>
                 </a:solidFill>
@@ -8923,7 +11422,16 @@
                 </a:solidFill>
                 <a:latin typeface="Calibri"/>
               </a:rPr>
-              <a:t> un contenu régulier et personnalisé des actualités et mises à jour du logiciel sur les forums, sites d’actualités de logiciels du Tourisme.</a:t>
+              <a:t> </a:t>
+            </a:r>
+            <a:r>
+              <a:rPr b="0" lang="en-US" sz="2000" spc="-1" strike="noStrike">
+                <a:solidFill>
+                  <a:srgbClr val="4472c4"/>
+                </a:solidFill>
+                <a:latin typeface="Calibri"/>
+              </a:rPr>
+              <a:t>un contenu régulier et personnalisé des actualités et mises à jour du logiciel sur les forums, sites d’actualités de logiciels du Tourisme.</a:t>
             </a:r>
             <a:endParaRPr b="0" lang="en-US" sz="2000" spc="-1" strike="noStrike">
               <a:solidFill>
@@ -8984,7 +11492,7 @@
       </p:sp>
       <p:pic>
         <p:nvPicPr>
-          <p:cNvPr id="199" name="Image 6" descr=""/>
+          <p:cNvPr id="241" name="Image 6" descr=""/>
           <p:cNvPicPr/>
           <p:nvPr/>
         </p:nvPicPr>
@@ -9018,7 +11526,7 @@
 </p:sld>
 </file>
 
-<file path=ppt/slides/slide12.xml><?xml version="1.0" encoding="utf-8"?>
+<file path=ppt/slides/slide19.xml><?xml version="1.0" encoding="utf-8"?>
 <p:sld xmlns:a="http://schemas.openxmlformats.org/drawingml/2006/main" xmlns:p="http://schemas.openxmlformats.org/presentationml/2006/main" xmlns:r="http://schemas.openxmlformats.org/officeDocument/2006/relationships" xmlns:p14="http://schemas.microsoft.com/office/powerpoint/2010/main" xmlns:p15="http://schemas.microsoft.com/office/powerpoint/2012/main" xmlns:mc="http://schemas.openxmlformats.org/markup-compatibility/2006">
   <p:cSld>
     <p:bg>
@@ -9044,7 +11552,7 @@
       </p:grpSpPr>
       <p:sp>
         <p:nvSpPr>
-          <p:cNvPr id="200" name="CustomShape 1"/>
+          <p:cNvPr id="242" name="CustomShape 1"/>
           <p:cNvSpPr/>
           <p:nvPr/>
         </p:nvSpPr>
@@ -9083,7 +11591,7 @@
       </p:sp>
       <p:sp>
         <p:nvSpPr>
-          <p:cNvPr id="201" name="TextShape 2"/>
+          <p:cNvPr id="243" name="TextShape 2"/>
           <p:cNvSpPr txBox="1"/>
           <p:nvPr/>
         </p:nvSpPr>
@@ -9130,7 +11638,7 @@
       </p:sp>
       <p:sp>
         <p:nvSpPr>
-          <p:cNvPr id="202" name="CustomShape 3"/>
+          <p:cNvPr id="244" name="CustomShape 3"/>
           <p:cNvSpPr/>
           <p:nvPr/>
         </p:nvSpPr>
@@ -9201,7 +11709,7 @@
       </p:sp>
       <p:sp>
         <p:nvSpPr>
-          <p:cNvPr id="203" name="CustomShape 4"/>
+          <p:cNvPr id="245" name="CustomShape 4"/>
           <p:cNvSpPr/>
           <p:nvPr/>
         </p:nvSpPr>
@@ -9270,7 +11778,7 @@
       </p:sp>
       <p:pic>
         <p:nvPicPr>
-          <p:cNvPr id="204" name="Image 6" descr=""/>
+          <p:cNvPr id="246" name="Image 6" descr=""/>
           <p:cNvPicPr/>
           <p:nvPr/>
         </p:nvPicPr>
@@ -9293,7 +11801,7 @@
       </p:pic>
       <p:pic>
         <p:nvPicPr>
-          <p:cNvPr id="205" name="Image 8" descr=""/>
+          <p:cNvPr id="247" name="Image 8" descr=""/>
           <p:cNvPicPr/>
           <p:nvPr/>
         </p:nvPicPr>
@@ -9327,34 +11835,34 @@
   <p:timing>
     <p:tnLst>
       <p:par>
-        <p:cTn id="29" dur="indefinite" restart="never" nodeType="tmRoot">
+        <p:cTn id="31" dur="indefinite" restart="never" nodeType="tmRoot">
           <p:childTnLst>
             <p:seq>
-              <p:cTn id="30" dur="indefinite" nodeType="mainSeq">
+              <p:cTn id="32" dur="indefinite" nodeType="mainSeq">
                 <p:childTnLst>
                   <p:par>
-                    <p:cTn id="31" fill="hold">
+                    <p:cTn id="33" fill="hold">
                       <p:stCondLst>
                         <p:cond delay="indefinite"/>
                       </p:stCondLst>
                       <p:childTnLst>
                         <p:par>
-                          <p:cTn id="32" fill="hold">
+                          <p:cTn id="34" fill="hold">
                             <p:stCondLst>
                               <p:cond delay="0"/>
                             </p:stCondLst>
                             <p:childTnLst>
                               <p:par>
-                                <p:cTn id="33" nodeType="clickEffect" fill="hold" presetClass="emph" presetID="26">
+                                <p:cTn id="35" nodeType="clickEffect" fill="hold" presetClass="emph" presetID="26">
                                   <p:stCondLst>
                                     <p:cond delay="0"/>
                                   </p:stCondLst>
                                   <p:childTnLst>
                                     <p:animEffect filter="fade" transition="out">
                                       <p:cBhvr additive="repl">
-                                        <p:cTn id="34" dur="500"/>
+                                        <p:cTn id="36" dur="500"/>
                                         <p:tgtEl>
-                                          <p:spTgt spid="201"/>
+                                          <p:spTgt spid="243"/>
                                         </p:tgtEl>
                                       </p:cBhvr>
                                     </p:animEffect>
@@ -9392,7 +11900,7 @@
 </p:sld>
 </file>
 
-<file path=ppt/slides/slide13.xml><?xml version="1.0" encoding="utf-8"?>
+<file path=ppt/slides/slide2.xml><?xml version="1.0" encoding="utf-8"?>
 <p:sld xmlns:a="http://schemas.openxmlformats.org/drawingml/2006/main" xmlns:p="http://schemas.openxmlformats.org/presentationml/2006/main" xmlns:r="http://schemas.openxmlformats.org/officeDocument/2006/relationships" xmlns:p14="http://schemas.microsoft.com/office/powerpoint/2010/main" xmlns:p15="http://schemas.microsoft.com/office/powerpoint/2012/main" xmlns:mc="http://schemas.openxmlformats.org/markup-compatibility/2006">
   <p:cSld>
     <p:bg>
@@ -9418,20 +11926,23 @@
       </p:grpSpPr>
       <p:sp>
         <p:nvSpPr>
-          <p:cNvPr id="206" name="CustomShape 1"/>
+          <p:cNvPr id="140" name="CustomShape 1"/>
           <p:cNvSpPr/>
           <p:nvPr/>
         </p:nvSpPr>
         <p:spPr>
           <a:xfrm>
             <a:off x="0" y="0"/>
-            <a:ext cx="6081840" cy="6857640"/>
+            <a:ext cx="12191760" cy="6857640"/>
           </a:xfrm>
           <a:prstGeom prst="rect">
             <a:avLst/>
           </a:prstGeom>
           <a:solidFill>
-            <a:schemeClr val="bg1"/>
+            <a:schemeClr val="tx1">
+              <a:lumMod val="75000"/>
+              <a:lumOff val="25000"/>
+            </a:schemeClr>
           </a:solidFill>
           <a:ln>
             <a:noFill/>
@@ -9454,7 +11965,571 @@
       </p:sp>
       <p:sp>
         <p:nvSpPr>
-          <p:cNvPr id="207" name="CustomShape 2"/>
+          <p:cNvPr id="141" name="TextShape 2"/>
+          <p:cNvSpPr txBox="1"/>
+          <p:nvPr/>
+        </p:nvSpPr>
+        <p:spPr>
+          <a:xfrm>
+            <a:off x="6357960" y="1398960"/>
+            <a:ext cx="4644720" cy="2029680"/>
+          </a:xfrm>
+          <a:prstGeom prst="rect">
+            <a:avLst/>
+          </a:prstGeom>
+          <a:noFill/>
+          <a:ln>
+            <a:noFill/>
+          </a:ln>
+        </p:spPr>
+        <p:txBody>
+          <a:bodyPr anchor="b">
+            <a:normAutofit fontScale="71000"/>
+          </a:bodyPr>
+          <a:p>
+            <a:pPr>
+              <a:lnSpc>
+                <a:spcPct val="90000"/>
+              </a:lnSpc>
+            </a:pPr>
+            <a:r>
+              <a:rPr b="0" lang="en-US" sz="6000" spc="-1" strike="noStrike">
+                <a:solidFill>
+                  <a:srgbClr val="ffffff"/>
+                </a:solidFill>
+                <a:latin typeface="Calibri Light"/>
+              </a:rPr>
+              <a:t>Cadre du projet étudié</a:t>
+            </a:r>
+            <a:endParaRPr b="0" lang="en-US" sz="6000" spc="-1" strike="noStrike">
+              <a:solidFill>
+                <a:srgbClr val="000000"/>
+              </a:solidFill>
+              <a:latin typeface="Calibri"/>
+            </a:endParaRPr>
+          </a:p>
+        </p:txBody>
+      </p:sp>
+      <p:sp>
+        <p:nvSpPr>
+          <p:cNvPr id="142" name="CustomShape 3"/>
+          <p:cNvSpPr/>
+          <p:nvPr/>
+        </p:nvSpPr>
+        <p:spPr>
+          <a:xfrm flipH="1">
+            <a:off x="0" y="0"/>
+            <a:ext cx="6172560" cy="6857640"/>
+          </a:xfrm>
+          <a:custGeom>
+            <a:avLst/>
+            <a:gdLst/>
+            <a:ahLst/>
+            <a:rect l="l" t="t" r="r" b="b"/>
+            <a:pathLst>
+              <a:path w="6172782" h="6858000">
+                <a:moveTo>
+                  <a:pt x="6172782" y="0"/>
+                </a:moveTo>
+                <a:lnTo>
+                  <a:pt x="69075" y="0"/>
+                </a:lnTo>
+                <a:lnTo>
+                  <a:pt x="35131" y="267128"/>
+                </a:lnTo>
+                <a:cubicBezTo>
+                  <a:pt x="11901" y="495874"/>
+                  <a:pt x="0" y="727970"/>
+                  <a:pt x="0" y="962845"/>
+                </a:cubicBezTo>
+                <a:cubicBezTo>
+                  <a:pt x="0" y="3429034"/>
+                  <a:pt x="1312002" y="5588789"/>
+                  <a:pt x="3276103" y="6782205"/>
+                </a:cubicBezTo>
+                <a:lnTo>
+                  <a:pt x="3407923" y="6858000"/>
+                </a:lnTo>
+                <a:lnTo>
+                  <a:pt x="6172782" y="6858000"/>
+                </a:lnTo>
+                <a:close/>
+              </a:path>
+            </a:pathLst>
+          </a:custGeom>
+          <a:solidFill>
+            <a:schemeClr val="bg1">
+              <a:alpha val="80000"/>
+            </a:schemeClr>
+          </a:solidFill>
+          <a:ln>
+            <a:noFill/>
+          </a:ln>
+        </p:spPr>
+        <p:style>
+          <a:lnRef idx="2">
+            <a:schemeClr val="accent1">
+              <a:shade val="50000"/>
+            </a:schemeClr>
+          </a:lnRef>
+          <a:fillRef idx="1">
+            <a:schemeClr val="accent1"/>
+          </a:fillRef>
+          <a:effectRef idx="0">
+            <a:schemeClr val="accent1"/>
+          </a:effectRef>
+          <a:fontRef idx="minor"/>
+        </p:style>
+      </p:sp>
+      <p:sp>
+        <p:nvSpPr>
+          <p:cNvPr id="143" name="CustomShape 4"/>
+          <p:cNvSpPr/>
+          <p:nvPr/>
+        </p:nvSpPr>
+        <p:spPr>
+          <a:xfrm>
+            <a:off x="0" y="0"/>
+            <a:ext cx="6023880" cy="6857640"/>
+          </a:xfrm>
+          <a:custGeom>
+            <a:avLst/>
+            <a:gdLst/>
+            <a:ahLst/>
+            <a:rect l="l" t="t" r="r" b="b"/>
+            <a:pathLst>
+              <a:path w="6024154" h="6858000">
+                <a:moveTo>
+                  <a:pt x="0" y="0"/>
+                </a:moveTo>
+                <a:lnTo>
+                  <a:pt x="5953780" y="0"/>
+                </a:lnTo>
+                <a:lnTo>
+                  <a:pt x="5989880" y="284091"/>
+                </a:lnTo>
+                <a:cubicBezTo>
+                  <a:pt x="6012544" y="507260"/>
+                  <a:pt x="6024154" y="733696"/>
+                  <a:pt x="6024154" y="962844"/>
+                </a:cubicBezTo>
+                <a:cubicBezTo>
+                  <a:pt x="6024154" y="3483472"/>
+                  <a:pt x="4619336" y="5675986"/>
+                  <a:pt x="2549934" y="6800152"/>
+                </a:cubicBezTo>
+                <a:lnTo>
+                  <a:pt x="2436987" y="6858000"/>
+                </a:lnTo>
+                <a:lnTo>
+                  <a:pt x="0" y="6858000"/>
+                </a:lnTo>
+                <a:close/>
+              </a:path>
+            </a:pathLst>
+          </a:custGeom>
+          <a:solidFill>
+            <a:schemeClr val="bg1"/>
+          </a:solidFill>
+          <a:ln>
+            <a:noFill/>
+          </a:ln>
+        </p:spPr>
+        <p:style>
+          <a:lnRef idx="2">
+            <a:schemeClr val="accent1">
+              <a:shade val="50000"/>
+            </a:schemeClr>
+          </a:lnRef>
+          <a:fillRef idx="1">
+            <a:schemeClr val="accent1"/>
+          </a:fillRef>
+          <a:effectRef idx="0">
+            <a:schemeClr val="accent1"/>
+          </a:effectRef>
+          <a:fontRef idx="minor"/>
+        </p:style>
+      </p:sp>
+      <p:pic>
+        <p:nvPicPr>
+          <p:cNvPr id="144" name="Image 6" descr=""/>
+          <p:cNvPicPr/>
+          <p:nvPr/>
+        </p:nvPicPr>
+        <p:blipFill>
+          <a:blip r:embed="rId1"/>
+          <a:stretch/>
+        </p:blipFill>
+        <p:spPr>
+          <a:xfrm>
+            <a:off x="0" y="18360"/>
+            <a:ext cx="4872240" cy="4565160"/>
+          </a:xfrm>
+          <a:prstGeom prst="rect">
+            <a:avLst/>
+          </a:prstGeom>
+          <a:ln>
+            <a:noFill/>
+          </a:ln>
+        </p:spPr>
+      </p:pic>
+      <p:pic>
+        <p:nvPicPr>
+          <p:cNvPr id="145" name="Image 8" descr=""/>
+          <p:cNvPicPr/>
+          <p:nvPr/>
+        </p:nvPicPr>
+        <p:blipFill>
+          <a:blip r:embed="rId2"/>
+          <a:stretch/>
+        </p:blipFill>
+        <p:spPr>
+          <a:xfrm>
+            <a:off x="214200" y="5862240"/>
+            <a:ext cx="2428560" cy="842400"/>
+          </a:xfrm>
+          <a:prstGeom prst="rect">
+            <a:avLst/>
+          </a:prstGeom>
+          <a:ln>
+            <a:noFill/>
+          </a:ln>
+        </p:spPr>
+      </p:pic>
+    </p:spTree>
+  </p:cSld>
+  <mc:AlternateContent>
+    <mc:Choice Requires="p14">
+      <p:transition spd="slow" p14:dur="2000"/>
+    </mc:Choice>
+    <mc:Fallback>
+      <p:transition spd="slow"/>
+    </mc:Fallback>
+  </mc:AlternateContent>
+  <p:timing>
+    <p:tnLst>
+      <p:par>
+        <p:cTn id="3" dur="indefinite" restart="never" nodeType="tmRoot">
+          <p:childTnLst>
+            <p:seq>
+              <p:cTn id="4" dur="indefinite" nodeType="mainSeq">
+                <p:childTnLst>
+                  <p:par>
+                    <p:cTn id="5" fill="hold">
+                      <p:stCondLst>
+                        <p:cond delay="indefinite"/>
+                      </p:stCondLst>
+                      <p:childTnLst>
+                        <p:par>
+                          <p:cTn id="6" fill="hold">
+                            <p:stCondLst>
+                              <p:cond delay="0"/>
+                            </p:stCondLst>
+                            <p:childTnLst>
+                              <p:par>
+                                <p:cTn id="7" nodeType="clickEffect" fill="hold" presetClass="emph" presetID="26">
+                                  <p:stCondLst>
+                                    <p:cond delay="0"/>
+                                  </p:stCondLst>
+                                  <p:childTnLst>
+                                    <p:animEffect filter="fade" transition="out">
+                                      <p:cBhvr additive="repl">
+                                        <p:cTn id="8" dur="500"/>
+                                        <p:tgtEl>
+                                          <p:spTgt spid="141"/>
+                                        </p:tgtEl>
+                                      </p:cBhvr>
+                                    </p:animEffect>
+                                  </p:childTnLst>
+                                </p:cTn>
+                              </p:par>
+                            </p:childTnLst>
+                          </p:cTn>
+                        </p:par>
+                      </p:childTnLst>
+                    </p:cTn>
+                  </p:par>
+                </p:childTnLst>
+              </p:cTn>
+              <p:prevCondLst>
+                <p:cond delay="0" evt="onPrev">
+                  <p:tgtEl>
+                    <p:sldTgt/>
+                  </p:tgtEl>
+                </p:cond>
+              </p:prevCondLst>
+              <p:nextCondLst>
+                <p:cond delay="0" evt="onNext">
+                  <p:tgtEl>
+                    <p:sldTgt/>
+                  </p:tgtEl>
+                </p:cond>
+              </p:nextCondLst>
+            </p:seq>
+          </p:childTnLst>
+        </p:cTn>
+      </p:par>
+    </p:tnLst>
+  </p:timing>
+</p:sld>
+</file>
+
+<file path=ppt/slides/slide20.xml><?xml version="1.0" encoding="utf-8"?>
+<p:sld xmlns:a="http://schemas.openxmlformats.org/drawingml/2006/main" xmlns:p="http://schemas.openxmlformats.org/presentationml/2006/main" xmlns:r="http://schemas.openxmlformats.org/officeDocument/2006/relationships" xmlns:p14="http://schemas.microsoft.com/office/powerpoint/2010/main" xmlns:p15="http://schemas.microsoft.com/office/powerpoint/2012/main" xmlns:mc="http://schemas.openxmlformats.org/markup-compatibility/2006">
+  <p:cSld>
+    <p:bg>
+      <p:bgPr>
+        <a:solidFill>
+          <a:srgbClr val="ffffff"/>
+        </a:solidFill>
+      </p:bgPr>
+    </p:bg>
+    <p:spTree>
+      <p:nvGrpSpPr>
+        <p:cNvPr id="1" name=""/>
+        <p:cNvGrpSpPr/>
+        <p:nvPr/>
+      </p:nvGrpSpPr>
+      <p:grpSpPr>
+        <a:xfrm>
+          <a:off x="0" y="0"/>
+          <a:ext cx="0" cy="0"/>
+          <a:chOff x="0" y="0"/>
+          <a:chExt cx="0" cy="0"/>
+        </a:xfrm>
+      </p:grpSpPr>
+      <p:sp>
+        <p:nvSpPr>
+          <p:cNvPr id="248" name="CustomShape 1"/>
+          <p:cNvSpPr/>
+          <p:nvPr/>
+        </p:nvSpPr>
+        <p:spPr>
+          <a:xfrm>
+            <a:off x="0" y="0"/>
+            <a:ext cx="12191760" cy="6857640"/>
+          </a:xfrm>
+          <a:prstGeom prst="rect">
+            <a:avLst/>
+          </a:prstGeom>
+          <a:solidFill>
+            <a:srgbClr val="ffffff"/>
+          </a:solidFill>
+          <a:ln>
+            <a:noFill/>
+          </a:ln>
+        </p:spPr>
+        <p:style>
+          <a:lnRef idx="2">
+            <a:schemeClr val="accent1">
+              <a:shade val="50000"/>
+            </a:schemeClr>
+          </a:lnRef>
+          <a:fillRef idx="1">
+            <a:schemeClr val="accent1"/>
+          </a:fillRef>
+          <a:effectRef idx="0">
+            <a:schemeClr val="accent1"/>
+          </a:effectRef>
+          <a:fontRef idx="minor"/>
+        </p:style>
+      </p:sp>
+      <p:sp>
+        <p:nvSpPr>
+          <p:cNvPr id="249" name="CustomShape 2"/>
+          <p:cNvSpPr/>
+          <p:nvPr/>
+        </p:nvSpPr>
+        <p:spPr>
+          <a:xfrm>
+            <a:off x="0" y="0"/>
+            <a:ext cx="2013120" cy="6857640"/>
+          </a:xfrm>
+          <a:prstGeom prst="rect">
+            <a:avLst/>
+          </a:prstGeom>
+          <a:solidFill>
+            <a:srgbClr val="764257"/>
+          </a:solidFill>
+          <a:ln>
+            <a:noFill/>
+          </a:ln>
+        </p:spPr>
+        <p:style>
+          <a:lnRef idx="2">
+            <a:schemeClr val="accent1">
+              <a:shade val="50000"/>
+            </a:schemeClr>
+          </a:lnRef>
+          <a:fillRef idx="1">
+            <a:schemeClr val="accent1"/>
+          </a:fillRef>
+          <a:effectRef idx="0">
+            <a:schemeClr val="accent1"/>
+          </a:effectRef>
+          <a:fontRef idx="minor"/>
+        </p:style>
+      </p:sp>
+      <p:sp>
+        <p:nvSpPr>
+          <p:cNvPr id="250" name="TextShape 3"/>
+          <p:cNvSpPr txBox="1"/>
+          <p:nvPr/>
+        </p:nvSpPr>
+        <p:spPr>
+          <a:xfrm>
+            <a:off x="640080" y="2074320"/>
+            <a:ext cx="2751840" cy="2709000"/>
+          </a:xfrm>
+          <a:prstGeom prst="rect">
+            <a:avLst/>
+          </a:prstGeom>
+          <a:solidFill>
+            <a:srgbClr val="262626"/>
+          </a:solidFill>
+          <a:ln w="174600">
+            <a:solidFill>
+              <a:srgbClr val="262626"/>
+            </a:solidFill>
+            <a:round/>
+          </a:ln>
+        </p:spPr>
+        <p:txBody>
+          <a:bodyPr anchor="ctr">
+            <a:normAutofit/>
+          </a:bodyPr>
+          <a:p>
+            <a:pPr algn="ctr">
+              <a:lnSpc>
+                <a:spcPct val="90000"/>
+              </a:lnSpc>
+            </a:pPr>
+            <a:r>
+              <a:rPr b="1" lang="en-US" sz="6600" spc="-1" strike="noStrike">
+                <a:solidFill>
+                  <a:srgbClr val="ed7d31"/>
+                </a:solidFill>
+                <a:latin typeface="Calibri Light"/>
+              </a:rPr>
+              <a:t>P</a:t>
+            </a:r>
+            <a:r>
+              <a:rPr b="1" lang="en-US" sz="2600" spc="-1" strike="noStrike">
+                <a:solidFill>
+                  <a:srgbClr val="4472c4"/>
+                </a:solidFill>
+                <a:latin typeface="Calibri Light"/>
+              </a:rPr>
+              <a:t>révisions d’affaires</a:t>
+            </a:r>
+            <a:endParaRPr b="0" lang="en-US" sz="2600" spc="-1" strike="noStrike">
+              <a:solidFill>
+                <a:srgbClr val="000000"/>
+              </a:solidFill>
+              <a:latin typeface="Calibri"/>
+            </a:endParaRPr>
+          </a:p>
+        </p:txBody>
+      </p:sp>
+      <p:pic>
+        <p:nvPicPr>
+          <p:cNvPr id="251" name="Espace réservé du contenu 4" descr=""/>
+          <p:cNvPicPr/>
+          <p:nvPr/>
+        </p:nvPicPr>
+        <p:blipFill>
+          <a:blip r:embed="rId1"/>
+          <a:stretch/>
+        </p:blipFill>
+        <p:spPr>
+          <a:xfrm>
+            <a:off x="4995720" y="961920"/>
+            <a:ext cx="5273280" cy="4930560"/>
+          </a:xfrm>
+          <a:prstGeom prst="rect">
+            <a:avLst/>
+          </a:prstGeom>
+          <a:ln>
+            <a:noFill/>
+          </a:ln>
+        </p:spPr>
+      </p:pic>
+    </p:spTree>
+  </p:cSld>
+  <mc:AlternateContent>
+    <mc:Choice Requires="p14">
+      <p:transition spd="slow" p14:dur="2000"/>
+    </mc:Choice>
+    <mc:Fallback>
+      <p:transition spd="slow"/>
+    </mc:Fallback>
+  </mc:AlternateContent>
+</p:sld>
+</file>
+
+<file path=ppt/slides/slide21.xml><?xml version="1.0" encoding="utf-8"?>
+<p:sld xmlns:a="http://schemas.openxmlformats.org/drawingml/2006/main" xmlns:p="http://schemas.openxmlformats.org/presentationml/2006/main" xmlns:r="http://schemas.openxmlformats.org/officeDocument/2006/relationships" xmlns:p14="http://schemas.microsoft.com/office/powerpoint/2010/main" xmlns:p15="http://schemas.microsoft.com/office/powerpoint/2012/main" xmlns:mc="http://schemas.openxmlformats.org/markup-compatibility/2006">
+  <p:cSld>
+    <p:bg>
+      <p:bgPr>
+        <a:solidFill>
+          <a:srgbClr val="ffffff"/>
+        </a:solidFill>
+      </p:bgPr>
+    </p:bg>
+    <p:spTree>
+      <p:nvGrpSpPr>
+        <p:cNvPr id="1" name=""/>
+        <p:cNvGrpSpPr/>
+        <p:nvPr/>
+      </p:nvGrpSpPr>
+      <p:grpSpPr>
+        <a:xfrm>
+          <a:off x="0" y="0"/>
+          <a:ext cx="0" cy="0"/>
+          <a:chOff x="0" y="0"/>
+          <a:chExt cx="0" cy="0"/>
+        </a:xfrm>
+      </p:grpSpPr>
+      <p:sp>
+        <p:nvSpPr>
+          <p:cNvPr id="252" name="CustomShape 1"/>
+          <p:cNvSpPr/>
+          <p:nvPr/>
+        </p:nvSpPr>
+        <p:spPr>
+          <a:xfrm>
+            <a:off x="0" y="0"/>
+            <a:ext cx="6081840" cy="6857640"/>
+          </a:xfrm>
+          <a:prstGeom prst="rect">
+            <a:avLst/>
+          </a:prstGeom>
+          <a:solidFill>
+            <a:schemeClr val="bg1"/>
+          </a:solidFill>
+          <a:ln>
+            <a:noFill/>
+          </a:ln>
+        </p:spPr>
+        <p:style>
+          <a:lnRef idx="2">
+            <a:schemeClr val="accent1">
+              <a:shade val="50000"/>
+            </a:schemeClr>
+          </a:lnRef>
+          <a:fillRef idx="1">
+            <a:schemeClr val="accent1"/>
+          </a:fillRef>
+          <a:effectRef idx="0">
+            <a:schemeClr val="accent1"/>
+          </a:effectRef>
+          <a:fontRef idx="minor"/>
+        </p:style>
+      </p:sp>
+      <p:sp>
+        <p:nvSpPr>
+          <p:cNvPr id="253" name="CustomShape 2"/>
           <p:cNvSpPr/>
           <p:nvPr/>
         </p:nvSpPr>
@@ -9512,7 +12587,7 @@
       </p:sp>
       <p:pic>
         <p:nvPicPr>
-          <p:cNvPr id="208" name="Picture 12" descr=""/>
+          <p:cNvPr id="254" name="Picture 12" descr=""/>
           <p:cNvPicPr/>
           <p:nvPr/>
         </p:nvPicPr>
@@ -9535,7 +12610,7 @@
       </p:pic>
       <p:sp>
         <p:nvSpPr>
-          <p:cNvPr id="209" name="TextShape 3"/>
+          <p:cNvPr id="255" name="TextShape 3"/>
           <p:cNvSpPr txBox="1"/>
           <p:nvPr/>
         </p:nvSpPr>
@@ -9582,7 +12657,7 @@
       </p:sp>
       <p:sp>
         <p:nvSpPr>
-          <p:cNvPr id="210" name="TextShape 4"/>
+          <p:cNvPr id="256" name="TextShape 4"/>
           <p:cNvSpPr txBox="1"/>
           <p:nvPr/>
         </p:nvSpPr>
@@ -9662,7 +12737,7 @@
                 </a:solidFill>
                 <a:latin typeface="Calibri"/>
               </a:rPr>
-              <a:t>ous devons continuer à explorer de nouvelles technologies pour diversifier nos offres. Ces recherches sont coûteuses pour l’entreprise et souhaitons recruter des professionnels pour effectuer une veille technologique pérmanantes.</a:t>
+              <a:t>ous devons continuer à explorer de nouvelles technologies pour diversifier nos offres. Ces recherches sont coûteuses pour l’entreprise et souhaitons recruter des professionnels pour effectuer une veille technologique pèrmanantes.</a:t>
             </a:r>
             <a:endParaRPr b="0" lang="en-US" sz="2400" spc="-1" strike="noStrike">
               <a:solidFill>
@@ -9709,7 +12784,7 @@
       </p:sp>
       <p:pic>
         <p:nvPicPr>
-          <p:cNvPr id="211" name="Image 6" descr=""/>
+          <p:cNvPr id="257" name="Image 6" descr=""/>
           <p:cNvPicPr/>
           <p:nvPr/>
         </p:nvPicPr>
@@ -9732,7 +12807,7 @@
       </p:pic>
       <p:sp>
         <p:nvSpPr>
-          <p:cNvPr id="212" name="CustomShape 5"/>
+          <p:cNvPr id="258" name="CustomShape 5"/>
           <p:cNvSpPr/>
           <p:nvPr/>
         </p:nvSpPr>
@@ -9765,7 +12840,7 @@
       </p:sp>
       <p:sp>
         <p:nvSpPr>
-          <p:cNvPr id="213" name="CustomShape 6"/>
+          <p:cNvPr id="259" name="CustomShape 6"/>
           <p:cNvSpPr/>
           <p:nvPr/>
         </p:nvSpPr>
@@ -9805,7 +12880,7 @@
                 </a:solidFill>
                 <a:latin typeface="Calibri"/>
               </a:rPr>
-              <a:t>L’ensemble des associés et moi-même attendons un bilan positif en N+1 avec un chiffre d’affaire de 450.000,00EU et un bénéfice net de 65.000,00EU.</a:t>
+              <a:t>L’ensemble des associés et moi-même attendons un bilan positif en N+1 avec un chiffre d’affaire de 450.000,00(€) et un bénéfice net de 65.000,00EU(€).</a:t>
             </a:r>
             <a:endParaRPr b="0" lang="fr-FR" sz="1800" spc="-1" strike="noStrike">
               <a:latin typeface="Arial"/>
@@ -9882,38 +12957,38 @@
   <p:timing>
     <p:tnLst>
       <p:par>
-        <p:cTn id="35" dur="indefinite" restart="never" nodeType="tmRoot">
+        <p:cTn id="37" dur="indefinite" restart="never" nodeType="tmRoot">
           <p:childTnLst>
             <p:seq>
-              <p:cTn id="36" dur="indefinite" nodeType="mainSeq">
+              <p:cTn id="38" dur="indefinite" nodeType="mainSeq">
                 <p:childTnLst>
                   <p:par>
-                    <p:cTn id="37" fill="hold">
+                    <p:cTn id="39" fill="hold">
                       <p:stCondLst>
                         <p:cond delay="indefinite"/>
                       </p:stCondLst>
                       <p:childTnLst>
                         <p:par>
-                          <p:cTn id="38" fill="hold">
+                          <p:cTn id="40" fill="hold">
                             <p:stCondLst>
                               <p:cond delay="0"/>
                             </p:stCondLst>
                             <p:childTnLst>
                               <p:par>
-                                <p:cTn id="39" nodeType="clickEffect" fill="hold" presetClass="entr" presetID="2" presetSubtype="4">
+                                <p:cTn id="41" nodeType="clickEffect" fill="hold" presetClass="entr" presetID="2" presetSubtype="4">
                                   <p:stCondLst>
                                     <p:cond delay="0"/>
                                   </p:stCondLst>
                                   <p:childTnLst>
                                     <p:set>
                                       <p:cBhvr>
-                                        <p:cTn id="40" dur="1" fill="hold">
+                                        <p:cTn id="42" dur="1" fill="hold">
                                           <p:stCondLst>
                                             <p:cond delay="0"/>
                                           </p:stCondLst>
                                         </p:cTn>
                                         <p:tgtEl>
-                                          <p:spTgt spid="212"/>
+                                          <p:spTgt spid="258"/>
                                         </p:tgtEl>
                                         <p:attrNameLst>
                                           <p:attrName>style.visibility</p:attrName>
@@ -9925,9 +13000,9 @@
                                     </p:set>
                                     <p:anim calcmode="lin" valueType="num">
                                       <p:cBhvr additive="repl">
-                                        <p:cTn id="41" dur="500" fill="hold"/>
+                                        <p:cTn id="43" dur="500" fill="hold"/>
                                         <p:tgtEl>
-                                          <p:spTgt spid="212"/>
+                                          <p:spTgt spid="258"/>
                                         </p:tgtEl>
                                         <p:attrNameLst>
                                           <p:attrName>ppt_x</p:attrName>
@@ -9948,9 +13023,9 @@
                                     </p:anim>
                                     <p:anim calcmode="lin" valueType="num">
                                       <p:cBhvr additive="repl">
-                                        <p:cTn id="42" dur="500" fill="hold"/>
+                                        <p:cTn id="44" dur="500" fill="hold"/>
                                         <p:tgtEl>
-                                          <p:spTgt spid="212"/>
+                                          <p:spTgt spid="258"/>
                                         </p:tgtEl>
                                         <p:attrNameLst>
                                           <p:attrName>ppt_y</p:attrName>
@@ -9979,32 +13054,32 @@
                     </p:cTn>
                   </p:par>
                   <p:par>
-                    <p:cTn id="43" fill="hold">
+                    <p:cTn id="45" fill="hold">
                       <p:stCondLst>
                         <p:cond delay="indefinite"/>
                       </p:stCondLst>
                       <p:childTnLst>
                         <p:par>
-                          <p:cTn id="44" fill="hold">
+                          <p:cTn id="46" fill="hold">
                             <p:stCondLst>
                               <p:cond delay="0"/>
                             </p:stCondLst>
                             <p:childTnLst>
                               <p:par>
-                                <p:cTn id="45" nodeType="clickEffect" fill="hold" presetClass="entr" presetID="42">
+                                <p:cTn id="47" nodeType="clickEffect" fill="hold" presetClass="entr" presetID="42">
                                   <p:stCondLst>
                                     <p:cond delay="0"/>
                                   </p:stCondLst>
                                   <p:childTnLst>
                                     <p:set>
                                       <p:cBhvr>
-                                        <p:cTn id="46" dur="1" fill="hold">
+                                        <p:cTn id="48" dur="1" fill="hold">
                                           <p:stCondLst>
                                             <p:cond delay="0"/>
                                           </p:stCondLst>
                                         </p:cTn>
                                         <p:tgtEl>
-                                          <p:spTgt spid="213"/>
+                                          <p:spTgt spid="259"/>
                                         </p:tgtEl>
                                         <p:attrNameLst>
                                           <p:attrName>style.visibility</p:attrName>
@@ -10016,17 +13091,17 @@
                                     </p:set>
                                     <p:animEffect filter="fade" transition="in">
                                       <p:cBhvr additive="repl">
-                                        <p:cTn id="47" dur="1000"/>
+                                        <p:cTn id="49" dur="1000"/>
                                         <p:tgtEl>
-                                          <p:spTgt spid="213"/>
+                                          <p:spTgt spid="259"/>
                                         </p:tgtEl>
                                       </p:cBhvr>
                                     </p:animEffect>
                                     <p:anim calcmode="lin" valueType="num">
                                       <p:cBhvr additive="repl">
-                                        <p:cTn id="48" dur="1000" fill="hold"/>
+                                        <p:cTn id="50" dur="1000" fill="hold"/>
                                         <p:tgtEl>
-                                          <p:spTgt spid="213"/>
+                                          <p:spTgt spid="259"/>
                                         </p:tgtEl>
                                         <p:attrNameLst>
                                           <p:attrName>ppt_x</p:attrName>
@@ -10047,9 +13122,9 @@
                                     </p:anim>
                                     <p:anim calcmode="lin" valueType="num">
                                       <p:cBhvr additive="repl">
-                                        <p:cTn id="49" dur="1000" fill="hold"/>
+                                        <p:cTn id="51" dur="1000" fill="hold"/>
                                         <p:tgtEl>
-                                          <p:spTgt spid="213"/>
+                                          <p:spTgt spid="259"/>
                                         </p:tgtEl>
                                         <p:attrNameLst>
                                           <p:attrName>ppt_y</p:attrName>
@@ -10102,7 +13177,7 @@
 </p:sld>
 </file>
 
-<file path=ppt/slides/slide14.xml><?xml version="1.0" encoding="utf-8"?>
+<file path=ppt/slides/slide22.xml><?xml version="1.0" encoding="utf-8"?>
 <p:sld xmlns:a="http://schemas.openxmlformats.org/drawingml/2006/main" xmlns:p="http://schemas.openxmlformats.org/presentationml/2006/main" xmlns:r="http://schemas.openxmlformats.org/officeDocument/2006/relationships" xmlns:p14="http://schemas.microsoft.com/office/powerpoint/2010/main" xmlns:p15="http://schemas.microsoft.com/office/powerpoint/2012/main" xmlns:mc="http://schemas.openxmlformats.org/markup-compatibility/2006">
   <p:cSld>
     <p:bg>
@@ -10128,20 +13203,20 @@
       </p:grpSpPr>
       <p:sp>
         <p:nvSpPr>
-          <p:cNvPr id="214" name="CustomShape 1"/>
+          <p:cNvPr id="260" name="CustomShape 1"/>
           <p:cNvSpPr/>
           <p:nvPr/>
         </p:nvSpPr>
         <p:spPr>
           <a:xfrm>
             <a:off x="0" y="0"/>
-            <a:ext cx="6081840" cy="6857640"/>
+            <a:ext cx="12191760" cy="6857640"/>
           </a:xfrm>
           <a:prstGeom prst="rect">
             <a:avLst/>
           </a:prstGeom>
           <a:solidFill>
-            <a:schemeClr val="bg1"/>
+            <a:srgbClr val="ffffff"/>
           </a:solidFill>
           <a:ln>
             <a:noFill/>
@@ -10164,7 +13239,200 @@
       </p:sp>
       <p:sp>
         <p:nvSpPr>
-          <p:cNvPr id="215" name="CustomShape 2"/>
+          <p:cNvPr id="261" name="CustomShape 2"/>
+          <p:cNvSpPr/>
+          <p:nvPr/>
+        </p:nvSpPr>
+        <p:spPr>
+          <a:xfrm>
+            <a:off x="0" y="0"/>
+            <a:ext cx="2013120" cy="6857640"/>
+          </a:xfrm>
+          <a:prstGeom prst="rect">
+            <a:avLst/>
+          </a:prstGeom>
+          <a:solidFill>
+            <a:srgbClr val="764257"/>
+          </a:solidFill>
+          <a:ln>
+            <a:noFill/>
+          </a:ln>
+        </p:spPr>
+        <p:style>
+          <a:lnRef idx="2">
+            <a:schemeClr val="accent1">
+              <a:shade val="50000"/>
+            </a:schemeClr>
+          </a:lnRef>
+          <a:fillRef idx="1">
+            <a:schemeClr val="accent1"/>
+          </a:fillRef>
+          <a:effectRef idx="0">
+            <a:schemeClr val="accent1"/>
+          </a:effectRef>
+          <a:fontRef idx="minor"/>
+        </p:style>
+      </p:sp>
+      <p:sp>
+        <p:nvSpPr>
+          <p:cNvPr id="262" name="TextShape 3"/>
+          <p:cNvSpPr txBox="1"/>
+          <p:nvPr/>
+        </p:nvSpPr>
+        <p:spPr>
+          <a:xfrm>
+            <a:off x="640080" y="2074320"/>
+            <a:ext cx="2751840" cy="2709000"/>
+          </a:xfrm>
+          <a:prstGeom prst="rect">
+            <a:avLst/>
+          </a:prstGeom>
+          <a:solidFill>
+            <a:srgbClr val="262626"/>
+          </a:solidFill>
+          <a:ln w="174600">
+            <a:solidFill>
+              <a:srgbClr val="262626"/>
+            </a:solidFill>
+            <a:round/>
+          </a:ln>
+        </p:spPr>
+        <p:txBody>
+          <a:bodyPr anchor="ctr">
+            <a:normAutofit/>
+          </a:bodyPr>
+          <a:p>
+            <a:pPr algn="ctr">
+              <a:lnSpc>
+                <a:spcPct val="90000"/>
+              </a:lnSpc>
+            </a:pPr>
+            <a:r>
+              <a:rPr b="1" lang="en-US" sz="6600" spc="-1" strike="noStrike">
+                <a:solidFill>
+                  <a:srgbClr val="ed7d31"/>
+                </a:solidFill>
+                <a:latin typeface="Calibri Light"/>
+              </a:rPr>
+              <a:t>B</a:t>
+            </a:r>
+            <a:r>
+              <a:rPr b="1" lang="en-US" sz="2600" spc="-1" strike="noStrike">
+                <a:solidFill>
+                  <a:srgbClr val="4472c4"/>
+                </a:solidFill>
+                <a:latin typeface="Calibri Light"/>
+              </a:rPr>
+              <a:t>esoins financiers</a:t>
+            </a:r>
+            <a:endParaRPr b="0" lang="en-US" sz="2600" spc="-1" strike="noStrike">
+              <a:solidFill>
+                <a:srgbClr val="000000"/>
+              </a:solidFill>
+              <a:latin typeface="Calibri"/>
+            </a:endParaRPr>
+          </a:p>
+        </p:txBody>
+      </p:sp>
+      <p:pic>
+        <p:nvPicPr>
+          <p:cNvPr id="263" name="Espace réservé du contenu 4" descr=""/>
+          <p:cNvPicPr/>
+          <p:nvPr/>
+        </p:nvPicPr>
+        <p:blipFill>
+          <a:blip r:embed="rId1"/>
+          <a:stretch/>
+        </p:blipFill>
+        <p:spPr>
+          <a:xfrm>
+            <a:off x="4995720" y="961920"/>
+            <a:ext cx="5273280" cy="4930560"/>
+          </a:xfrm>
+          <a:prstGeom prst="rect">
+            <a:avLst/>
+          </a:prstGeom>
+          <a:ln>
+            <a:noFill/>
+          </a:ln>
+        </p:spPr>
+      </p:pic>
+    </p:spTree>
+  </p:cSld>
+  <mc:AlternateContent>
+    <mc:Choice Requires="p14">
+      <p:transition spd="slow" p14:dur="2000"/>
+    </mc:Choice>
+    <mc:Fallback>
+      <p:transition spd="slow"/>
+    </mc:Fallback>
+  </mc:AlternateContent>
+</p:sld>
+</file>
+
+<file path=ppt/slides/slide23.xml><?xml version="1.0" encoding="utf-8"?>
+<p:sld xmlns:a="http://schemas.openxmlformats.org/drawingml/2006/main" xmlns:p="http://schemas.openxmlformats.org/presentationml/2006/main" xmlns:r="http://schemas.openxmlformats.org/officeDocument/2006/relationships" xmlns:p14="http://schemas.microsoft.com/office/powerpoint/2010/main" xmlns:p15="http://schemas.microsoft.com/office/powerpoint/2012/main" xmlns:mc="http://schemas.openxmlformats.org/markup-compatibility/2006">
+  <p:cSld>
+    <p:bg>
+      <p:bgPr>
+        <a:solidFill>
+          <a:srgbClr val="ffffff"/>
+        </a:solidFill>
+      </p:bgPr>
+    </p:bg>
+    <p:spTree>
+      <p:nvGrpSpPr>
+        <p:cNvPr id="1" name=""/>
+        <p:cNvGrpSpPr/>
+        <p:nvPr/>
+      </p:nvGrpSpPr>
+      <p:grpSpPr>
+        <a:xfrm>
+          <a:off x="0" y="0"/>
+          <a:ext cx="0" cy="0"/>
+          <a:chOff x="0" y="0"/>
+          <a:chExt cx="0" cy="0"/>
+        </a:xfrm>
+      </p:grpSpPr>
+      <p:sp>
+        <p:nvSpPr>
+          <p:cNvPr id="264" name="CustomShape 1"/>
+          <p:cNvSpPr/>
+          <p:nvPr/>
+        </p:nvSpPr>
+        <p:spPr>
+          <a:xfrm>
+            <a:off x="0" y="0"/>
+            <a:ext cx="6081840" cy="6857640"/>
+          </a:xfrm>
+          <a:prstGeom prst="rect">
+            <a:avLst/>
+          </a:prstGeom>
+          <a:solidFill>
+            <a:schemeClr val="bg1"/>
+          </a:solidFill>
+          <a:ln>
+            <a:noFill/>
+          </a:ln>
+        </p:spPr>
+        <p:style>
+          <a:lnRef idx="2">
+            <a:schemeClr val="accent1">
+              <a:shade val="50000"/>
+            </a:schemeClr>
+          </a:lnRef>
+          <a:fillRef idx="1">
+            <a:schemeClr val="accent1"/>
+          </a:fillRef>
+          <a:effectRef idx="0">
+            <a:schemeClr val="accent1"/>
+          </a:effectRef>
+          <a:fontRef idx="minor"/>
+        </p:style>
+      </p:sp>
+      <p:sp>
+        <p:nvSpPr>
+          <p:cNvPr id="265" name="CustomShape 2"/>
           <p:cNvSpPr/>
           <p:nvPr/>
         </p:nvSpPr>
@@ -10222,7 +13490,7 @@
       </p:sp>
       <p:pic>
         <p:nvPicPr>
-          <p:cNvPr id="216" name="Picture 12" descr=""/>
+          <p:cNvPr id="266" name="Picture 12" descr=""/>
           <p:cNvPicPr/>
           <p:nvPr/>
         </p:nvPicPr>
@@ -10245,7 +13513,7 @@
       </p:pic>
       <p:sp>
         <p:nvSpPr>
-          <p:cNvPr id="217" name="TextShape 3"/>
+          <p:cNvPr id="267" name="TextShape 3"/>
           <p:cNvSpPr txBox="1"/>
           <p:nvPr/>
         </p:nvSpPr>
@@ -10292,7 +13560,7 @@
       </p:sp>
       <p:sp>
         <p:nvSpPr>
-          <p:cNvPr id="218" name="TextShape 4"/>
+          <p:cNvPr id="268" name="TextShape 4"/>
           <p:cNvSpPr txBox="1"/>
           <p:nvPr/>
         </p:nvSpPr>
@@ -10325,7 +13593,7 @@
             <a:r>
               <a:rPr b="0" lang="en-US" sz="2400" spc="-1" strike="noStrike">
                 <a:solidFill>
-                  <a:srgbClr val="2e75b6"/>
+                  <a:srgbClr val="ed7d31"/>
                 </a:solidFill>
                 <a:latin typeface="Calibri"/>
               </a:rPr>
@@ -10363,7 +13631,7 @@
                 </a:solidFill>
                 <a:latin typeface="Calibri"/>
               </a:rPr>
-              <a:t>-850.000,00EU()</a:t>
+              <a:t>-850.000,00EU(€)</a:t>
             </a:r>
             <a:endParaRPr b="0" lang="en-US" sz="2400" spc="-1" strike="noStrike">
               <a:solidFill>
@@ -10384,7 +13652,7 @@
             <a:r>
               <a:rPr b="0" lang="en-US" sz="2400" spc="-1" strike="noStrike">
                 <a:solidFill>
-                  <a:srgbClr val="2e75b6"/>
+                  <a:srgbClr val="ed7d31"/>
                 </a:solidFill>
                 <a:latin typeface="Calibri"/>
               </a:rPr>
@@ -10422,7 +13690,7 @@
                 </a:solidFill>
                 <a:latin typeface="Calibri"/>
               </a:rPr>
-              <a:t>-70.000,00EU()</a:t>
+              <a:t>-70.000,00EU(€)</a:t>
             </a:r>
             <a:endParaRPr b="0" lang="en-US" sz="2400" spc="-1" strike="noStrike">
               <a:solidFill>
@@ -10443,7 +13711,7 @@
             <a:r>
               <a:rPr b="0" lang="en-US" sz="2400" spc="-1" strike="noStrike">
                 <a:solidFill>
-                  <a:srgbClr val="2e75b6"/>
+                  <a:srgbClr val="ed7d31"/>
                 </a:solidFill>
                 <a:latin typeface="Calibri"/>
               </a:rPr>
@@ -10481,7 +13749,7 @@
                 </a:solidFill>
                 <a:latin typeface="Calibri"/>
               </a:rPr>
-              <a:t>-30.000,00EU()</a:t>
+              <a:t>-30.000,00EU(€)</a:t>
             </a:r>
             <a:endParaRPr b="0" lang="en-US" sz="2400" spc="-1" strike="noStrike">
               <a:solidFill>
@@ -10502,11 +13770,11 @@
             <a:r>
               <a:rPr b="0" lang="en-US" sz="2400" spc="-1" strike="noStrike">
                 <a:solidFill>
-                  <a:srgbClr val="2e75b6"/>
+                  <a:srgbClr val="ed7d31"/>
                 </a:solidFill>
                 <a:latin typeface="Calibri"/>
               </a:rPr>
-              <a:t>Investissement dans la recherche et développement (R&amp;D)</a:t>
+              <a:t>Investissement dans la recherche et développement (R&amp;D):</a:t>
             </a:r>
             <a:endParaRPr b="0" lang="en-US" sz="2400" spc="-1" strike="noStrike">
               <a:solidFill>
@@ -10540,7 +13808,7 @@
                 </a:solidFill>
                 <a:latin typeface="Calibri"/>
               </a:rPr>
-              <a:t>-50.000,00EU()</a:t>
+              <a:t>-50.000,00EU(€)</a:t>
             </a:r>
             <a:endParaRPr b="0" lang="en-US" sz="2400" spc="-1" strike="noStrike">
               <a:solidFill>
@@ -10553,7 +13821,7 @@
       </p:sp>
       <p:pic>
         <p:nvPicPr>
-          <p:cNvPr id="219" name="Image 6" descr=""/>
+          <p:cNvPr id="269" name="Image 6" descr=""/>
           <p:cNvPicPr/>
           <p:nvPr/>
         </p:nvPicPr>
@@ -10587,7 +13855,7 @@
 </p:sld>
 </file>
 
-<file path=ppt/slides/slide15.xml><?xml version="1.0" encoding="utf-8"?>
+<file path=ppt/slides/slide24.xml><?xml version="1.0" encoding="utf-8"?>
 <p:sld xmlns:a="http://schemas.openxmlformats.org/drawingml/2006/main" xmlns:p="http://schemas.openxmlformats.org/presentationml/2006/main" xmlns:r="http://schemas.openxmlformats.org/officeDocument/2006/relationships" xmlns:p14="http://schemas.microsoft.com/office/powerpoint/2010/main" xmlns:p15="http://schemas.microsoft.com/office/powerpoint/2012/main" xmlns:mc="http://schemas.openxmlformats.org/markup-compatibility/2006">
   <p:cSld>
     <p:bg>
@@ -10613,20 +13881,20 @@
       </p:grpSpPr>
       <p:sp>
         <p:nvSpPr>
-          <p:cNvPr id="220" name="CustomShape 1"/>
+          <p:cNvPr id="270" name="CustomShape 1"/>
           <p:cNvSpPr/>
           <p:nvPr/>
         </p:nvSpPr>
         <p:spPr>
           <a:xfrm>
             <a:off x="0" y="0"/>
-            <a:ext cx="6081840" cy="6857640"/>
+            <a:ext cx="12191760" cy="6857640"/>
           </a:xfrm>
           <a:prstGeom prst="rect">
             <a:avLst/>
           </a:prstGeom>
           <a:solidFill>
-            <a:schemeClr val="bg1"/>
+            <a:srgbClr val="ffffff"/>
           </a:solidFill>
           <a:ln>
             <a:noFill/>
@@ -10649,7 +13917,200 @@
       </p:sp>
       <p:sp>
         <p:nvSpPr>
-          <p:cNvPr id="221" name="CustomShape 2"/>
+          <p:cNvPr id="271" name="CustomShape 2"/>
+          <p:cNvSpPr/>
+          <p:nvPr/>
+        </p:nvSpPr>
+        <p:spPr>
+          <a:xfrm>
+            <a:off x="0" y="0"/>
+            <a:ext cx="2013120" cy="6857640"/>
+          </a:xfrm>
+          <a:prstGeom prst="rect">
+            <a:avLst/>
+          </a:prstGeom>
+          <a:solidFill>
+            <a:srgbClr val="764257"/>
+          </a:solidFill>
+          <a:ln>
+            <a:noFill/>
+          </a:ln>
+        </p:spPr>
+        <p:style>
+          <a:lnRef idx="2">
+            <a:schemeClr val="accent1">
+              <a:shade val="50000"/>
+            </a:schemeClr>
+          </a:lnRef>
+          <a:fillRef idx="1">
+            <a:schemeClr val="accent1"/>
+          </a:fillRef>
+          <a:effectRef idx="0">
+            <a:schemeClr val="accent1"/>
+          </a:effectRef>
+          <a:fontRef idx="minor"/>
+        </p:style>
+      </p:sp>
+      <p:sp>
+        <p:nvSpPr>
+          <p:cNvPr id="272" name="TextShape 3"/>
+          <p:cNvSpPr txBox="1"/>
+          <p:nvPr/>
+        </p:nvSpPr>
+        <p:spPr>
+          <a:xfrm>
+            <a:off x="640080" y="2074320"/>
+            <a:ext cx="2751840" cy="2709000"/>
+          </a:xfrm>
+          <a:prstGeom prst="rect">
+            <a:avLst/>
+          </a:prstGeom>
+          <a:solidFill>
+            <a:srgbClr val="262626"/>
+          </a:solidFill>
+          <a:ln w="174600">
+            <a:solidFill>
+              <a:srgbClr val="262626"/>
+            </a:solidFill>
+            <a:round/>
+          </a:ln>
+        </p:spPr>
+        <p:txBody>
+          <a:bodyPr anchor="ctr">
+            <a:normAutofit/>
+          </a:bodyPr>
+          <a:p>
+            <a:pPr algn="ctr">
+              <a:lnSpc>
+                <a:spcPct val="90000"/>
+              </a:lnSpc>
+            </a:pPr>
+            <a:r>
+              <a:rPr b="1" lang="en-US" sz="6600" spc="-1" strike="noStrike">
+                <a:solidFill>
+                  <a:srgbClr val="ed7d31"/>
+                </a:solidFill>
+                <a:latin typeface="Calibri Light"/>
+              </a:rPr>
+              <a:t>G</a:t>
+            </a:r>
+            <a:r>
+              <a:rPr b="1" lang="en-US" sz="2600" spc="-1" strike="noStrike">
+                <a:solidFill>
+                  <a:srgbClr val="4472c4"/>
+                </a:solidFill>
+                <a:latin typeface="Calibri Light"/>
+              </a:rPr>
+              <a:t>ains</a:t>
+            </a:r>
+            <a:endParaRPr b="0" lang="en-US" sz="2600" spc="-1" strike="noStrike">
+              <a:solidFill>
+                <a:srgbClr val="000000"/>
+              </a:solidFill>
+              <a:latin typeface="Calibri"/>
+            </a:endParaRPr>
+          </a:p>
+        </p:txBody>
+      </p:sp>
+      <p:pic>
+        <p:nvPicPr>
+          <p:cNvPr id="273" name="Espace réservé du contenu 4" descr=""/>
+          <p:cNvPicPr/>
+          <p:nvPr/>
+        </p:nvPicPr>
+        <p:blipFill>
+          <a:blip r:embed="rId1"/>
+          <a:stretch/>
+        </p:blipFill>
+        <p:spPr>
+          <a:xfrm>
+            <a:off x="4995720" y="961920"/>
+            <a:ext cx="5273280" cy="4930560"/>
+          </a:xfrm>
+          <a:prstGeom prst="rect">
+            <a:avLst/>
+          </a:prstGeom>
+          <a:ln>
+            <a:noFill/>
+          </a:ln>
+        </p:spPr>
+      </p:pic>
+    </p:spTree>
+  </p:cSld>
+  <mc:AlternateContent>
+    <mc:Choice Requires="p14">
+      <p:transition spd="slow" p14:dur="2000"/>
+    </mc:Choice>
+    <mc:Fallback>
+      <p:transition spd="slow"/>
+    </mc:Fallback>
+  </mc:AlternateContent>
+</p:sld>
+</file>
+
+<file path=ppt/slides/slide25.xml><?xml version="1.0" encoding="utf-8"?>
+<p:sld xmlns:a="http://schemas.openxmlformats.org/drawingml/2006/main" xmlns:p="http://schemas.openxmlformats.org/presentationml/2006/main" xmlns:r="http://schemas.openxmlformats.org/officeDocument/2006/relationships" xmlns:p14="http://schemas.microsoft.com/office/powerpoint/2010/main" xmlns:p15="http://schemas.microsoft.com/office/powerpoint/2012/main" xmlns:mc="http://schemas.openxmlformats.org/markup-compatibility/2006">
+  <p:cSld>
+    <p:bg>
+      <p:bgPr>
+        <a:solidFill>
+          <a:srgbClr val="ffffff"/>
+        </a:solidFill>
+      </p:bgPr>
+    </p:bg>
+    <p:spTree>
+      <p:nvGrpSpPr>
+        <p:cNvPr id="1" name=""/>
+        <p:cNvGrpSpPr/>
+        <p:nvPr/>
+      </p:nvGrpSpPr>
+      <p:grpSpPr>
+        <a:xfrm>
+          <a:off x="0" y="0"/>
+          <a:ext cx="0" cy="0"/>
+          <a:chOff x="0" y="0"/>
+          <a:chExt cx="0" cy="0"/>
+        </a:xfrm>
+      </p:grpSpPr>
+      <p:sp>
+        <p:nvSpPr>
+          <p:cNvPr id="274" name="CustomShape 1"/>
+          <p:cNvSpPr/>
+          <p:nvPr/>
+        </p:nvSpPr>
+        <p:spPr>
+          <a:xfrm>
+            <a:off x="0" y="0"/>
+            <a:ext cx="6081840" cy="6857640"/>
+          </a:xfrm>
+          <a:prstGeom prst="rect">
+            <a:avLst/>
+          </a:prstGeom>
+          <a:solidFill>
+            <a:schemeClr val="bg1"/>
+          </a:solidFill>
+          <a:ln>
+            <a:noFill/>
+          </a:ln>
+        </p:spPr>
+        <p:style>
+          <a:lnRef idx="2">
+            <a:schemeClr val="accent1">
+              <a:shade val="50000"/>
+            </a:schemeClr>
+          </a:lnRef>
+          <a:fillRef idx="1">
+            <a:schemeClr val="accent1"/>
+          </a:fillRef>
+          <a:effectRef idx="0">
+            <a:schemeClr val="accent1"/>
+          </a:effectRef>
+          <a:fontRef idx="minor"/>
+        </p:style>
+      </p:sp>
+      <p:sp>
+        <p:nvSpPr>
+          <p:cNvPr id="275" name="CustomShape 2"/>
           <p:cNvSpPr/>
           <p:nvPr/>
         </p:nvSpPr>
@@ -10707,7 +14168,7 @@
       </p:sp>
       <p:pic>
         <p:nvPicPr>
-          <p:cNvPr id="222" name="Picture 12" descr=""/>
+          <p:cNvPr id="276" name="Picture 12" descr=""/>
           <p:cNvPicPr/>
           <p:nvPr/>
         </p:nvPicPr>
@@ -10730,7 +14191,7 @@
       </p:pic>
       <p:sp>
         <p:nvSpPr>
-          <p:cNvPr id="223" name="TextShape 3"/>
+          <p:cNvPr id="277" name="TextShape 3"/>
           <p:cNvSpPr txBox="1"/>
           <p:nvPr/>
         </p:nvSpPr>
@@ -10777,7 +14238,7 @@
       </p:sp>
       <p:sp>
         <p:nvSpPr>
-          <p:cNvPr id="224" name="TextShape 4"/>
+          <p:cNvPr id="278" name="TextShape 4"/>
           <p:cNvSpPr txBox="1"/>
           <p:nvPr/>
         </p:nvSpPr>
@@ -10877,7 +14338,7 @@
       </p:sp>
       <p:pic>
         <p:nvPicPr>
-          <p:cNvPr id="225" name="Image 6" descr=""/>
+          <p:cNvPr id="279" name="Image 6" descr=""/>
           <p:cNvPicPr/>
           <p:nvPr/>
         </p:nvPicPr>
@@ -10908,380 +14369,6 @@
       <p:transition spd="slow"/>
     </mc:Fallback>
   </mc:AlternateContent>
-</p:sld>
-</file>
-
-<file path=ppt/slides/slide2.xml><?xml version="1.0" encoding="utf-8"?>
-<p:sld xmlns:a="http://schemas.openxmlformats.org/drawingml/2006/main" xmlns:p="http://schemas.openxmlformats.org/presentationml/2006/main" xmlns:r="http://schemas.openxmlformats.org/officeDocument/2006/relationships" xmlns:p14="http://schemas.microsoft.com/office/powerpoint/2010/main" xmlns:p15="http://schemas.microsoft.com/office/powerpoint/2012/main" xmlns:mc="http://schemas.openxmlformats.org/markup-compatibility/2006">
-  <p:cSld>
-    <p:bg>
-      <p:bgPr>
-        <a:solidFill>
-          <a:srgbClr val="ffffff"/>
-        </a:solidFill>
-      </p:bgPr>
-    </p:bg>
-    <p:spTree>
-      <p:nvGrpSpPr>
-        <p:cNvPr id="1" name=""/>
-        <p:cNvGrpSpPr/>
-        <p:nvPr/>
-      </p:nvGrpSpPr>
-      <p:grpSpPr>
-        <a:xfrm>
-          <a:off x="0" y="0"/>
-          <a:ext cx="0" cy="0"/>
-          <a:chOff x="0" y="0"/>
-          <a:chExt cx="0" cy="0"/>
-        </a:xfrm>
-      </p:grpSpPr>
-      <p:sp>
-        <p:nvSpPr>
-          <p:cNvPr id="136" name="CustomShape 1"/>
-          <p:cNvSpPr/>
-          <p:nvPr/>
-        </p:nvSpPr>
-        <p:spPr>
-          <a:xfrm>
-            <a:off x="0" y="0"/>
-            <a:ext cx="12191760" cy="6857640"/>
-          </a:xfrm>
-          <a:prstGeom prst="rect">
-            <a:avLst/>
-          </a:prstGeom>
-          <a:solidFill>
-            <a:schemeClr val="tx1">
-              <a:lumMod val="75000"/>
-              <a:lumOff val="25000"/>
-            </a:schemeClr>
-          </a:solidFill>
-          <a:ln>
-            <a:noFill/>
-          </a:ln>
-        </p:spPr>
-        <p:style>
-          <a:lnRef idx="2">
-            <a:schemeClr val="accent1">
-              <a:shade val="50000"/>
-            </a:schemeClr>
-          </a:lnRef>
-          <a:fillRef idx="1">
-            <a:schemeClr val="accent1"/>
-          </a:fillRef>
-          <a:effectRef idx="0">
-            <a:schemeClr val="accent1"/>
-          </a:effectRef>
-          <a:fontRef idx="minor"/>
-        </p:style>
-      </p:sp>
-      <p:sp>
-        <p:nvSpPr>
-          <p:cNvPr id="137" name="TextShape 2"/>
-          <p:cNvSpPr txBox="1"/>
-          <p:nvPr/>
-        </p:nvSpPr>
-        <p:spPr>
-          <a:xfrm>
-            <a:off x="6357960" y="1398960"/>
-            <a:ext cx="4644720" cy="2029680"/>
-          </a:xfrm>
-          <a:prstGeom prst="rect">
-            <a:avLst/>
-          </a:prstGeom>
-          <a:noFill/>
-          <a:ln>
-            <a:noFill/>
-          </a:ln>
-        </p:spPr>
-        <p:txBody>
-          <a:bodyPr anchor="b">
-            <a:normAutofit fontScale="71000"/>
-          </a:bodyPr>
-          <a:p>
-            <a:pPr>
-              <a:lnSpc>
-                <a:spcPct val="90000"/>
-              </a:lnSpc>
-            </a:pPr>
-            <a:r>
-              <a:rPr b="0" lang="en-US" sz="6000" spc="-1" strike="noStrike">
-                <a:solidFill>
-                  <a:srgbClr val="ffffff"/>
-                </a:solidFill>
-                <a:latin typeface="Calibri Light"/>
-              </a:rPr>
-              <a:t>Cadre du projet étudié</a:t>
-            </a:r>
-            <a:endParaRPr b="0" lang="en-US" sz="6000" spc="-1" strike="noStrike">
-              <a:solidFill>
-                <a:srgbClr val="000000"/>
-              </a:solidFill>
-              <a:latin typeface="Calibri"/>
-            </a:endParaRPr>
-          </a:p>
-        </p:txBody>
-      </p:sp>
-      <p:sp>
-        <p:nvSpPr>
-          <p:cNvPr id="138" name="CustomShape 3"/>
-          <p:cNvSpPr/>
-          <p:nvPr/>
-        </p:nvSpPr>
-        <p:spPr>
-          <a:xfrm flipH="1">
-            <a:off x="0" y="0"/>
-            <a:ext cx="6172560" cy="6857640"/>
-          </a:xfrm>
-          <a:custGeom>
-            <a:avLst/>
-            <a:gdLst/>
-            <a:ahLst/>
-            <a:rect l="l" t="t" r="r" b="b"/>
-            <a:pathLst>
-              <a:path w="6172782" h="6858000">
-                <a:moveTo>
-                  <a:pt x="6172782" y="0"/>
-                </a:moveTo>
-                <a:lnTo>
-                  <a:pt x="69075" y="0"/>
-                </a:lnTo>
-                <a:lnTo>
-                  <a:pt x="35131" y="267128"/>
-                </a:lnTo>
-                <a:cubicBezTo>
-                  <a:pt x="11901" y="495874"/>
-                  <a:pt x="0" y="727970"/>
-                  <a:pt x="0" y="962845"/>
-                </a:cubicBezTo>
-                <a:cubicBezTo>
-                  <a:pt x="0" y="3429034"/>
-                  <a:pt x="1312002" y="5588789"/>
-                  <a:pt x="3276103" y="6782205"/>
-                </a:cubicBezTo>
-                <a:lnTo>
-                  <a:pt x="3407923" y="6858000"/>
-                </a:lnTo>
-                <a:lnTo>
-                  <a:pt x="6172782" y="6858000"/>
-                </a:lnTo>
-                <a:close/>
-              </a:path>
-            </a:pathLst>
-          </a:custGeom>
-          <a:solidFill>
-            <a:schemeClr val="bg1">
-              <a:alpha val="80000"/>
-            </a:schemeClr>
-          </a:solidFill>
-          <a:ln>
-            <a:noFill/>
-          </a:ln>
-        </p:spPr>
-        <p:style>
-          <a:lnRef idx="2">
-            <a:schemeClr val="accent1">
-              <a:shade val="50000"/>
-            </a:schemeClr>
-          </a:lnRef>
-          <a:fillRef idx="1">
-            <a:schemeClr val="accent1"/>
-          </a:fillRef>
-          <a:effectRef idx="0">
-            <a:schemeClr val="accent1"/>
-          </a:effectRef>
-          <a:fontRef idx="minor"/>
-        </p:style>
-      </p:sp>
-      <p:sp>
-        <p:nvSpPr>
-          <p:cNvPr id="139" name="CustomShape 4"/>
-          <p:cNvSpPr/>
-          <p:nvPr/>
-        </p:nvSpPr>
-        <p:spPr>
-          <a:xfrm>
-            <a:off x="0" y="0"/>
-            <a:ext cx="6023880" cy="6857640"/>
-          </a:xfrm>
-          <a:custGeom>
-            <a:avLst/>
-            <a:gdLst/>
-            <a:ahLst/>
-            <a:rect l="l" t="t" r="r" b="b"/>
-            <a:pathLst>
-              <a:path w="6024154" h="6858000">
-                <a:moveTo>
-                  <a:pt x="0" y="0"/>
-                </a:moveTo>
-                <a:lnTo>
-                  <a:pt x="5953780" y="0"/>
-                </a:lnTo>
-                <a:lnTo>
-                  <a:pt x="5989880" y="284091"/>
-                </a:lnTo>
-                <a:cubicBezTo>
-                  <a:pt x="6012544" y="507260"/>
-                  <a:pt x="6024154" y="733696"/>
-                  <a:pt x="6024154" y="962844"/>
-                </a:cubicBezTo>
-                <a:cubicBezTo>
-                  <a:pt x="6024154" y="3483472"/>
-                  <a:pt x="4619336" y="5675986"/>
-                  <a:pt x="2549934" y="6800152"/>
-                </a:cubicBezTo>
-                <a:lnTo>
-                  <a:pt x="2436987" y="6858000"/>
-                </a:lnTo>
-                <a:lnTo>
-                  <a:pt x="0" y="6858000"/>
-                </a:lnTo>
-                <a:close/>
-              </a:path>
-            </a:pathLst>
-          </a:custGeom>
-          <a:solidFill>
-            <a:schemeClr val="bg1"/>
-          </a:solidFill>
-          <a:ln>
-            <a:noFill/>
-          </a:ln>
-        </p:spPr>
-        <p:style>
-          <a:lnRef idx="2">
-            <a:schemeClr val="accent1">
-              <a:shade val="50000"/>
-            </a:schemeClr>
-          </a:lnRef>
-          <a:fillRef idx="1">
-            <a:schemeClr val="accent1"/>
-          </a:fillRef>
-          <a:effectRef idx="0">
-            <a:schemeClr val="accent1"/>
-          </a:effectRef>
-          <a:fontRef idx="minor"/>
-        </p:style>
-      </p:sp>
-      <p:pic>
-        <p:nvPicPr>
-          <p:cNvPr id="140" name="Image 6" descr=""/>
-          <p:cNvPicPr/>
-          <p:nvPr/>
-        </p:nvPicPr>
-        <p:blipFill>
-          <a:blip r:embed="rId1"/>
-          <a:stretch/>
-        </p:blipFill>
-        <p:spPr>
-          <a:xfrm>
-            <a:off x="0" y="18360"/>
-            <a:ext cx="4872240" cy="4565160"/>
-          </a:xfrm>
-          <a:prstGeom prst="rect">
-            <a:avLst/>
-          </a:prstGeom>
-          <a:ln>
-            <a:noFill/>
-          </a:ln>
-        </p:spPr>
-      </p:pic>
-      <p:pic>
-        <p:nvPicPr>
-          <p:cNvPr id="141" name="Image 8" descr=""/>
-          <p:cNvPicPr/>
-          <p:nvPr/>
-        </p:nvPicPr>
-        <p:blipFill>
-          <a:blip r:embed="rId2"/>
-          <a:stretch/>
-        </p:blipFill>
-        <p:spPr>
-          <a:xfrm>
-            <a:off x="214200" y="5862240"/>
-            <a:ext cx="2428560" cy="842400"/>
-          </a:xfrm>
-          <a:prstGeom prst="rect">
-            <a:avLst/>
-          </a:prstGeom>
-          <a:ln>
-            <a:noFill/>
-          </a:ln>
-        </p:spPr>
-      </p:pic>
-    </p:spTree>
-  </p:cSld>
-  <mc:AlternateContent>
-    <mc:Choice Requires="p14">
-      <p:transition spd="slow" p14:dur="2000"/>
-    </mc:Choice>
-    <mc:Fallback>
-      <p:transition spd="slow"/>
-    </mc:Fallback>
-  </mc:AlternateContent>
-  <p:timing>
-    <p:tnLst>
-      <p:par>
-        <p:cTn id="3" dur="indefinite" restart="never" nodeType="tmRoot">
-          <p:childTnLst>
-            <p:seq>
-              <p:cTn id="4" dur="indefinite" nodeType="mainSeq">
-                <p:childTnLst>
-                  <p:par>
-                    <p:cTn id="5" fill="hold">
-                      <p:stCondLst>
-                        <p:cond delay="indefinite"/>
-                      </p:stCondLst>
-                      <p:childTnLst>
-                        <p:par>
-                          <p:cTn id="6" fill="hold">
-                            <p:stCondLst>
-                              <p:cond delay="0"/>
-                            </p:stCondLst>
-                            <p:childTnLst>
-                              <p:par>
-                                <p:cTn id="7" nodeType="clickEffect" fill="hold" presetClass="emph" presetID="26">
-                                  <p:stCondLst>
-                                    <p:cond delay="0"/>
-                                  </p:stCondLst>
-                                  <p:childTnLst>
-                                    <p:animEffect filter="fade" transition="out">
-                                      <p:cBhvr additive="repl">
-                                        <p:cTn id="8" dur="500"/>
-                                        <p:tgtEl>
-                                          <p:spTgt spid="137"/>
-                                        </p:tgtEl>
-                                      </p:cBhvr>
-                                    </p:animEffect>
-                                  </p:childTnLst>
-                                </p:cTn>
-                              </p:par>
-                            </p:childTnLst>
-                          </p:cTn>
-                        </p:par>
-                      </p:childTnLst>
-                    </p:cTn>
-                  </p:par>
-                </p:childTnLst>
-              </p:cTn>
-              <p:prevCondLst>
-                <p:cond delay="0" evt="onPrev">
-                  <p:tgtEl>
-                    <p:sldTgt/>
-                  </p:tgtEl>
-                </p:cond>
-              </p:prevCondLst>
-              <p:nextCondLst>
-                <p:cond delay="0" evt="onNext">
-                  <p:tgtEl>
-                    <p:sldTgt/>
-                  </p:tgtEl>
-                </p:cond>
-              </p:nextCondLst>
-            </p:seq>
-          </p:childTnLst>
-        </p:cTn>
-      </p:par>
-    </p:tnLst>
-  </p:timing>
 </p:sld>
 </file>
 
@@ -11311,20 +14398,20 @@
       </p:grpSpPr>
       <p:sp>
         <p:nvSpPr>
-          <p:cNvPr id="142" name="CustomShape 1"/>
+          <p:cNvPr id="146" name="CustomShape 1"/>
           <p:cNvSpPr/>
           <p:nvPr/>
         </p:nvSpPr>
         <p:spPr>
           <a:xfrm>
             <a:off x="0" y="0"/>
-            <a:ext cx="6081840" cy="6857640"/>
+            <a:ext cx="12191760" cy="6857640"/>
           </a:xfrm>
           <a:prstGeom prst="rect">
             <a:avLst/>
           </a:prstGeom>
           <a:solidFill>
-            <a:schemeClr val="bg1"/>
+            <a:srgbClr val="ffffff"/>
           </a:solidFill>
           <a:ln>
             <a:noFill/>
@@ -11347,43 +14434,21 @@
       </p:sp>
       <p:sp>
         <p:nvSpPr>
-          <p:cNvPr id="143" name="CustomShape 2"/>
+          <p:cNvPr id="147" name="CustomShape 2"/>
           <p:cNvSpPr/>
           <p:nvPr/>
         </p:nvSpPr>
         <p:spPr>
           <a:xfrm>
             <a:off x="0" y="0"/>
-            <a:ext cx="12191760" cy="6857640"/>
-          </a:xfrm>
-          <a:prstGeom prst="rect">
-            <a:avLst/>
-          </a:prstGeom>
-          <a:gradFill rotWithShape="0">
-            <a:gsLst>
-              <a:gs pos="0">
-                <a:schemeClr val="accent1">
-                  <a:lumMod val="90000"/>
-                </a:schemeClr>
-              </a:gs>
-              <a:gs pos="25000">
-                <a:schemeClr val="accent1">
-                  <a:lumMod val="90000"/>
-                </a:schemeClr>
-              </a:gs>
-              <a:gs pos="94000">
-                <a:schemeClr val="bg2">
-                  <a:lumMod val="25000"/>
-                </a:schemeClr>
-              </a:gs>
-              <a:gs pos="100000">
-                <a:schemeClr val="bg2">
-                  <a:lumMod val="25000"/>
-                </a:schemeClr>
-              </a:gs>
-            </a:gsLst>
-            <a:lin ang="4200000"/>
-          </a:gradFill>
+            <a:ext cx="2013120" cy="6857640"/>
+          </a:xfrm>
+          <a:prstGeom prst="rect">
+            <a:avLst/>
+          </a:prstGeom>
+          <a:solidFill>
+            <a:srgbClr val="764257"/>
+          </a:solidFill>
           <a:ln>
             <a:noFill/>
           </a:ln>
@@ -11403,9 +14468,70 @@
           <a:fontRef idx="minor"/>
         </p:style>
       </p:sp>
+      <p:sp>
+        <p:nvSpPr>
+          <p:cNvPr id="148" name="TextShape 3"/>
+          <p:cNvSpPr txBox="1"/>
+          <p:nvPr/>
+        </p:nvSpPr>
+        <p:spPr>
+          <a:xfrm>
+            <a:off x="640080" y="2074320"/>
+            <a:ext cx="2751840" cy="2709000"/>
+          </a:xfrm>
+          <a:prstGeom prst="rect">
+            <a:avLst/>
+          </a:prstGeom>
+          <a:solidFill>
+            <a:srgbClr val="262626"/>
+          </a:solidFill>
+          <a:ln w="174600">
+            <a:solidFill>
+              <a:srgbClr val="262626"/>
+            </a:solidFill>
+            <a:round/>
+          </a:ln>
+        </p:spPr>
+        <p:txBody>
+          <a:bodyPr anchor="ctr">
+            <a:normAutofit/>
+          </a:bodyPr>
+          <a:p>
+            <a:pPr algn="ctr">
+              <a:lnSpc>
+                <a:spcPct val="90000"/>
+              </a:lnSpc>
+            </a:pPr>
+            <a:r>
+              <a:rPr b="1" lang="en-US" sz="6600" spc="-1" strike="noStrike">
+                <a:solidFill>
+                  <a:srgbClr val="ed7d31"/>
+                </a:solidFill>
+                <a:latin typeface="Calibri Light"/>
+              </a:rPr>
+              <a:t>H</a:t>
+            </a:r>
+            <a:r>
+              <a:rPr b="0" lang="en-US" sz="2600" spc="-1" strike="noStrike">
+                <a:solidFill>
+                  <a:srgbClr val="5b9bd5"/>
+                </a:solidFill>
+                <a:latin typeface="Calibri Light"/>
+              </a:rPr>
+              <a:t>istorique</a:t>
+            </a:r>
+            <a:endParaRPr b="0" lang="en-US" sz="2600" spc="-1" strike="noStrike">
+              <a:solidFill>
+                <a:srgbClr val="000000"/>
+              </a:solidFill>
+              <a:latin typeface="Calibri"/>
+            </a:endParaRPr>
+          </a:p>
+        </p:txBody>
+      </p:sp>
       <p:pic>
         <p:nvPicPr>
-          <p:cNvPr id="144" name="Picture 12" descr=""/>
+          <p:cNvPr id="149" name="Espace réservé du contenu 4" descr=""/>
           <p:cNvPicPr/>
           <p:nvPr/>
         </p:nvPicPr>
@@ -11415,341 +14541,8 @@
         </p:blipFill>
         <p:spPr>
           <a:xfrm>
-            <a:off x="0" y="0"/>
-            <a:ext cx="12191760" cy="6857640"/>
-          </a:xfrm>
-          <a:prstGeom prst="rect">
-            <a:avLst/>
-          </a:prstGeom>
-          <a:ln>
-            <a:noFill/>
-          </a:ln>
-        </p:spPr>
-      </p:pic>
-      <p:sp>
-        <p:nvSpPr>
-          <p:cNvPr id="145" name="TextShape 3"/>
-          <p:cNvSpPr txBox="1"/>
-          <p:nvPr/>
-        </p:nvSpPr>
-        <p:spPr>
-          <a:xfrm>
-            <a:off x="640080" y="2053800"/>
-            <a:ext cx="3668760" cy="2759760"/>
-          </a:xfrm>
-          <a:prstGeom prst="rect">
-            <a:avLst/>
-          </a:prstGeom>
-          <a:noFill/>
-          <a:ln>
-            <a:noFill/>
-          </a:ln>
-        </p:spPr>
-        <p:txBody>
-          <a:bodyPr anchor="ctr">
-            <a:normAutofit/>
-          </a:bodyPr>
-          <a:p>
-            <a:pPr>
-              <a:lnSpc>
-                <a:spcPct val="90000"/>
-              </a:lnSpc>
-            </a:pPr>
-            <a:r>
-              <a:rPr b="0" lang="en-US" sz="4400" spc="-1" strike="noStrike">
-                <a:solidFill>
-                  <a:srgbClr val="ffffff"/>
-                </a:solidFill>
-                <a:latin typeface="Calibri Light"/>
-              </a:rPr>
-              <a:t>Historique</a:t>
-            </a:r>
-            <a:endParaRPr b="0" lang="en-US" sz="4400" spc="-1" strike="noStrike">
-              <a:solidFill>
-                <a:srgbClr val="000000"/>
-              </a:solidFill>
-              <a:latin typeface="Calibri"/>
-            </a:endParaRPr>
-          </a:p>
-        </p:txBody>
-      </p:sp>
-      <p:sp>
-        <p:nvSpPr>
-          <p:cNvPr id="146" name="TextShape 4"/>
-          <p:cNvSpPr txBox="1"/>
-          <p:nvPr/>
-        </p:nvSpPr>
-        <p:spPr>
-          <a:xfrm>
-            <a:off x="6090480" y="801720"/>
-            <a:ext cx="5305680" cy="5230440"/>
-          </a:xfrm>
-          <a:prstGeom prst="rect">
-            <a:avLst/>
-          </a:prstGeom>
-          <a:noFill/>
-          <a:ln>
-            <a:noFill/>
-          </a:ln>
-        </p:spPr>
-        <p:txBody>
-          <a:bodyPr anchor="ctr">
-            <a:normAutofit/>
-          </a:bodyPr>
-          <a:p>
-            <a:pPr>
-              <a:lnSpc>
-                <a:spcPct val="90000"/>
-              </a:lnSpc>
-              <a:spcBef>
-                <a:spcPts val="1001"/>
-              </a:spcBef>
-            </a:pPr>
-            <a:r>
-              <a:rPr b="0" lang="en-US" sz="2400" spc="-1" strike="noStrike">
-                <a:solidFill>
-                  <a:srgbClr val="5b9bd5"/>
-                </a:solidFill>
-                <a:latin typeface="Calibri"/>
-              </a:rPr>
-              <a:t>2015-2019</a:t>
-            </a:r>
-            <a:r>
-              <a:rPr b="0" lang="en-US" sz="2400" spc="-1" strike="noStrike">
-                <a:solidFill>
-                  <a:srgbClr val="000000"/>
-                </a:solidFill>
-                <a:latin typeface="Calibri"/>
-              </a:rPr>
-              <a:t>: Développement du logiciel.</a:t>
-            </a:r>
-            <a:endParaRPr b="0" lang="en-US" sz="2400" spc="-1" strike="noStrike">
-              <a:solidFill>
-                <a:srgbClr val="000000"/>
-              </a:solidFill>
-              <a:latin typeface="Calibri"/>
-            </a:endParaRPr>
-          </a:p>
-          <a:p>
-            <a:pPr>
-              <a:lnSpc>
-                <a:spcPct val="90000"/>
-              </a:lnSpc>
-              <a:spcBef>
-                <a:spcPts val="1001"/>
-              </a:spcBef>
-            </a:pPr>
-            <a:r>
-              <a:rPr b="0" lang="en-US" sz="2400" spc="-1" strike="noStrike">
-                <a:solidFill>
-                  <a:srgbClr val="5b9bd5"/>
-                </a:solidFill>
-                <a:latin typeface="Calibri"/>
-              </a:rPr>
-              <a:t>2016</a:t>
-            </a:r>
-            <a:r>
-              <a:rPr b="0" lang="en-US" sz="2400" spc="-1" strike="noStrike">
-                <a:solidFill>
-                  <a:srgbClr val="000000"/>
-                </a:solidFill>
-                <a:latin typeface="Calibri"/>
-              </a:rPr>
-              <a:t>: Participation au meetup de Paris.</a:t>
-            </a:r>
-            <a:endParaRPr b="0" lang="en-US" sz="2400" spc="-1" strike="noStrike">
-              <a:solidFill>
-                <a:srgbClr val="000000"/>
-              </a:solidFill>
-              <a:latin typeface="Calibri"/>
-            </a:endParaRPr>
-          </a:p>
-          <a:p>
-            <a:pPr>
-              <a:lnSpc>
-                <a:spcPct val="90000"/>
-              </a:lnSpc>
-              <a:spcBef>
-                <a:spcPts val="1001"/>
-              </a:spcBef>
-            </a:pPr>
-            <a:r>
-              <a:rPr b="0" lang="en-US" sz="2400" spc="-1" strike="noStrike">
-                <a:solidFill>
-                  <a:srgbClr val="5b9bd5"/>
-                </a:solidFill>
-                <a:latin typeface="Calibri"/>
-              </a:rPr>
-              <a:t>2016</a:t>
-            </a:r>
-            <a:r>
-              <a:rPr b="0" lang="en-US" sz="2400" spc="-1" strike="noStrike">
-                <a:solidFill>
-                  <a:srgbClr val="000000"/>
-                </a:solidFill>
-                <a:latin typeface="Calibri"/>
-              </a:rPr>
-              <a:t>: Première levée de fond Crowfounding (10.000,00$).</a:t>
-            </a:r>
-            <a:endParaRPr b="0" lang="en-US" sz="2400" spc="-1" strike="noStrike">
-              <a:solidFill>
-                <a:srgbClr val="000000"/>
-              </a:solidFill>
-              <a:latin typeface="Calibri"/>
-            </a:endParaRPr>
-          </a:p>
-          <a:p>
-            <a:pPr>
-              <a:lnSpc>
-                <a:spcPct val="90000"/>
-              </a:lnSpc>
-              <a:spcBef>
-                <a:spcPts val="1001"/>
-              </a:spcBef>
-            </a:pPr>
-            <a:r>
-              <a:rPr b="0" lang="en-US" sz="2400" spc="-1" strike="noStrike">
-                <a:solidFill>
-                  <a:srgbClr val="5b9bd5"/>
-                </a:solidFill>
-                <a:latin typeface="Calibri"/>
-              </a:rPr>
-              <a:t>2017</a:t>
-            </a:r>
-            <a:r>
-              <a:rPr b="0" lang="en-US" sz="2400" spc="-1" strike="noStrike">
-                <a:solidFill>
-                  <a:srgbClr val="000000"/>
-                </a:solidFill>
-                <a:latin typeface="Calibri"/>
-              </a:rPr>
-              <a:t>: Finaliste du Start’up Mania.</a:t>
-            </a:r>
-            <a:endParaRPr b="0" lang="en-US" sz="2400" spc="-1" strike="noStrike">
-              <a:solidFill>
-                <a:srgbClr val="000000"/>
-              </a:solidFill>
-              <a:latin typeface="Calibri"/>
-            </a:endParaRPr>
-          </a:p>
-          <a:p>
-            <a:pPr>
-              <a:lnSpc>
-                <a:spcPct val="90000"/>
-              </a:lnSpc>
-              <a:spcBef>
-                <a:spcPts val="1001"/>
-              </a:spcBef>
-            </a:pPr>
-            <a:r>
-              <a:rPr b="0" lang="en-US" sz="2400" spc="-1" strike="noStrike">
-                <a:solidFill>
-                  <a:srgbClr val="5b9bd5"/>
-                </a:solidFill>
-                <a:latin typeface="Calibri"/>
-              </a:rPr>
-              <a:t>2018</a:t>
-            </a:r>
-            <a:r>
-              <a:rPr b="0" lang="en-US" sz="2400" spc="-1" strike="noStrike">
-                <a:solidFill>
-                  <a:srgbClr val="000000"/>
-                </a:solidFill>
-                <a:latin typeface="Calibri"/>
-              </a:rPr>
-              <a:t>: Présentation du projet au Mondial de l’Innovation.</a:t>
-            </a:r>
-            <a:endParaRPr b="0" lang="en-US" sz="2400" spc="-1" strike="noStrike">
-              <a:solidFill>
-                <a:srgbClr val="000000"/>
-              </a:solidFill>
-              <a:latin typeface="Calibri"/>
-            </a:endParaRPr>
-          </a:p>
-          <a:p>
-            <a:pPr>
-              <a:lnSpc>
-                <a:spcPct val="90000"/>
-              </a:lnSpc>
-              <a:spcBef>
-                <a:spcPts val="1001"/>
-              </a:spcBef>
-            </a:pPr>
-            <a:r>
-              <a:rPr b="0" lang="en-US" sz="2400" spc="-1" strike="noStrike">
-                <a:solidFill>
-                  <a:srgbClr val="5b9bd5"/>
-                </a:solidFill>
-                <a:latin typeface="Calibri"/>
-              </a:rPr>
-              <a:t>2018</a:t>
-            </a:r>
-            <a:r>
-              <a:rPr b="0" lang="en-US" sz="2400" spc="-1" strike="noStrike">
-                <a:solidFill>
-                  <a:srgbClr val="000000"/>
-                </a:solidFill>
-                <a:latin typeface="Calibri"/>
-              </a:rPr>
-              <a:t>: Deuxième levée de fond 75.000,00$.</a:t>
-            </a:r>
-            <a:endParaRPr b="0" lang="en-US" sz="2400" spc="-1" strike="noStrike">
-              <a:solidFill>
-                <a:srgbClr val="000000"/>
-              </a:solidFill>
-              <a:latin typeface="Calibri"/>
-            </a:endParaRPr>
-          </a:p>
-          <a:p>
-            <a:pPr>
-              <a:lnSpc>
-                <a:spcPct val="90000"/>
-              </a:lnSpc>
-              <a:spcBef>
-                <a:spcPts val="1001"/>
-              </a:spcBef>
-            </a:pPr>
-            <a:r>
-              <a:rPr b="0" lang="en-US" sz="2400" spc="-1" strike="noStrike">
-                <a:solidFill>
-                  <a:srgbClr val="5b9bd5"/>
-                </a:solidFill>
-                <a:latin typeface="Calibri"/>
-              </a:rPr>
-              <a:t>2019</a:t>
-            </a:r>
-            <a:r>
-              <a:rPr b="0" lang="en-US" sz="2400" spc="-1" strike="noStrike">
-                <a:solidFill>
-                  <a:srgbClr val="000000"/>
-                </a:solidFill>
-                <a:latin typeface="Calibri"/>
-              </a:rPr>
-              <a:t>: Participation au FounderLab.</a:t>
-            </a:r>
-            <a:endParaRPr b="0" lang="en-US" sz="2400" spc="-1" strike="noStrike">
-              <a:solidFill>
-                <a:srgbClr val="000000"/>
-              </a:solidFill>
-              <a:latin typeface="Calibri"/>
-            </a:endParaRPr>
-          </a:p>
-        </p:txBody>
-      </p:sp>
-      <p:pic>
-        <p:nvPicPr>
-          <p:cNvPr id="147" name="Image 6" descr=""/>
-          <p:cNvPicPr/>
-          <p:nvPr/>
-        </p:nvPicPr>
-        <p:blipFill>
-          <a:blip r:embed="rId2"/>
-          <a:stretch/>
-        </p:blipFill>
-        <p:spPr>
-          <a:xfrm>
-            <a:off x="9558720" y="5837040"/>
-            <a:ext cx="2428560" cy="842400"/>
+            <a:off x="4995720" y="961920"/>
+            <a:ext cx="5273280" cy="4930560"/>
           </a:xfrm>
           <a:prstGeom prst="rect">
             <a:avLst/>
@@ -11825,7 +14618,7 @@
       </p:grpSpPr>
       <p:sp>
         <p:nvSpPr>
-          <p:cNvPr id="148" name="CustomShape 1"/>
+          <p:cNvPr id="150" name="CustomShape 1"/>
           <p:cNvSpPr/>
           <p:nvPr/>
         </p:nvSpPr>
@@ -11861,7 +14654,7 @@
       </p:sp>
       <p:sp>
         <p:nvSpPr>
-          <p:cNvPr id="149" name="CustomShape 2"/>
+          <p:cNvPr id="151" name="CustomShape 2"/>
           <p:cNvSpPr/>
           <p:nvPr/>
         </p:nvSpPr>
@@ -11919,7 +14712,7 @@
       </p:sp>
       <p:pic>
         <p:nvPicPr>
-          <p:cNvPr id="150" name="Picture 12" descr=""/>
+          <p:cNvPr id="152" name="Picture 12" descr=""/>
           <p:cNvPicPr/>
           <p:nvPr/>
         </p:nvPicPr>
@@ -11942,7 +14735,7 @@
       </p:pic>
       <p:sp>
         <p:nvSpPr>
-          <p:cNvPr id="151" name="TextShape 3"/>
+          <p:cNvPr id="153" name="TextShape 3"/>
           <p:cNvSpPr txBox="1"/>
           <p:nvPr/>
         </p:nvSpPr>
@@ -11970,15 +14763,350 @@
               </a:lnSpc>
             </a:pPr>
             <a:r>
-              <a:rPr b="0" lang="en-US" sz="3400" spc="-1" strike="noStrike">
+              <a:rPr b="0" lang="en-US" sz="4400" spc="-1" strike="noStrike">
                 <a:solidFill>
                   <a:srgbClr val="ffffff"/>
                 </a:solidFill>
                 <a:latin typeface="Calibri Light"/>
               </a:rPr>
-              <a:t>Equipe Intellwer </a:t>
+              <a:t>Historique</a:t>
             </a:r>
-            <a:endParaRPr b="0" lang="en-US" sz="3400" spc="-1" strike="noStrike">
+            <a:endParaRPr b="0" lang="en-US" sz="4400" spc="-1" strike="noStrike">
+              <a:solidFill>
+                <a:srgbClr val="000000"/>
+              </a:solidFill>
+              <a:latin typeface="Calibri"/>
+            </a:endParaRPr>
+          </a:p>
+        </p:txBody>
+      </p:sp>
+      <p:sp>
+        <p:nvSpPr>
+          <p:cNvPr id="154" name="TextShape 4"/>
+          <p:cNvSpPr txBox="1"/>
+          <p:nvPr/>
+        </p:nvSpPr>
+        <p:spPr>
+          <a:xfrm>
+            <a:off x="6090480" y="801720"/>
+            <a:ext cx="5305680" cy="5230440"/>
+          </a:xfrm>
+          <a:prstGeom prst="rect">
+            <a:avLst/>
+          </a:prstGeom>
+          <a:noFill/>
+          <a:ln>
+            <a:noFill/>
+          </a:ln>
+        </p:spPr>
+        <p:txBody>
+          <a:bodyPr anchor="ctr">
+            <a:normAutofit/>
+          </a:bodyPr>
+          <a:p>
+            <a:pPr>
+              <a:lnSpc>
+                <a:spcPct val="90000"/>
+              </a:lnSpc>
+              <a:spcBef>
+                <a:spcPts val="1001"/>
+              </a:spcBef>
+            </a:pPr>
+            <a:r>
+              <a:rPr b="0" lang="en-US" sz="2400" spc="-1" strike="noStrike">
+                <a:solidFill>
+                  <a:srgbClr val="5b9bd5"/>
+                </a:solidFill>
+                <a:latin typeface="Calibri"/>
+              </a:rPr>
+              <a:t>2015-2019</a:t>
+            </a:r>
+            <a:r>
+              <a:rPr b="0" lang="en-US" sz="2400" spc="-1" strike="noStrike">
+                <a:solidFill>
+                  <a:srgbClr val="000000"/>
+                </a:solidFill>
+                <a:latin typeface="Calibri"/>
+              </a:rPr>
+              <a:t>: </a:t>
+            </a:r>
+            <a:r>
+              <a:rPr b="0" lang="en-US" sz="2400" spc="-1" strike="noStrike">
+                <a:solidFill>
+                  <a:srgbClr val="ed7d31"/>
+                </a:solidFill>
+                <a:latin typeface="Calibri"/>
+              </a:rPr>
+              <a:t>Développement du logiciel.</a:t>
+            </a:r>
+            <a:endParaRPr b="0" lang="en-US" sz="2400" spc="-1" strike="noStrike">
+              <a:solidFill>
+                <a:srgbClr val="000000"/>
+              </a:solidFill>
+              <a:latin typeface="Calibri"/>
+            </a:endParaRPr>
+          </a:p>
+          <a:p>
+            <a:pPr>
+              <a:lnSpc>
+                <a:spcPct val="90000"/>
+              </a:lnSpc>
+              <a:spcBef>
+                <a:spcPts val="1001"/>
+              </a:spcBef>
+            </a:pPr>
+            <a:r>
+              <a:rPr b="0" lang="en-US" sz="2400" spc="-1" strike="noStrike">
+                <a:solidFill>
+                  <a:srgbClr val="5b9bd5"/>
+                </a:solidFill>
+                <a:latin typeface="Calibri"/>
+              </a:rPr>
+              <a:t>2016</a:t>
+            </a:r>
+            <a:r>
+              <a:rPr b="0" lang="en-US" sz="2400" spc="-1" strike="noStrike">
+                <a:solidFill>
+                  <a:srgbClr val="000000"/>
+                </a:solidFill>
+                <a:latin typeface="Calibri"/>
+              </a:rPr>
+              <a:t>: </a:t>
+            </a:r>
+            <a:r>
+              <a:rPr b="0" lang="en-US" sz="2400" spc="-1" strike="noStrike">
+                <a:solidFill>
+                  <a:srgbClr val="ed7d31"/>
+                </a:solidFill>
+                <a:latin typeface="Calibri"/>
+              </a:rPr>
+              <a:t>Participation au meetup de Paris</a:t>
+            </a:r>
+            <a:r>
+              <a:rPr b="0" lang="en-US" sz="2400" spc="-1" strike="noStrike">
+                <a:solidFill>
+                  <a:srgbClr val="000000"/>
+                </a:solidFill>
+                <a:latin typeface="Calibri"/>
+              </a:rPr>
+              <a:t>.</a:t>
+            </a:r>
+            <a:endParaRPr b="0" lang="en-US" sz="2400" spc="-1" strike="noStrike">
+              <a:solidFill>
+                <a:srgbClr val="000000"/>
+              </a:solidFill>
+              <a:latin typeface="Calibri"/>
+            </a:endParaRPr>
+          </a:p>
+          <a:p>
+            <a:pPr>
+              <a:lnSpc>
+                <a:spcPct val="90000"/>
+              </a:lnSpc>
+              <a:spcBef>
+                <a:spcPts val="1001"/>
+              </a:spcBef>
+            </a:pPr>
+            <a:r>
+              <a:rPr b="0" lang="en-US" sz="2400" spc="-1" strike="noStrike">
+                <a:solidFill>
+                  <a:srgbClr val="5b9bd5"/>
+                </a:solidFill>
+                <a:latin typeface="Calibri"/>
+              </a:rPr>
+              <a:t>2016</a:t>
+            </a:r>
+            <a:r>
+              <a:rPr b="0" lang="en-US" sz="2400" spc="-1" strike="noStrike">
+                <a:solidFill>
+                  <a:srgbClr val="000000"/>
+                </a:solidFill>
+                <a:latin typeface="Calibri"/>
+              </a:rPr>
+              <a:t>: </a:t>
+            </a:r>
+            <a:r>
+              <a:rPr b="0" lang="en-US" sz="2400" spc="-1" strike="noStrike">
+                <a:solidFill>
+                  <a:srgbClr val="ed7d31"/>
+                </a:solidFill>
+                <a:latin typeface="Calibri"/>
+              </a:rPr>
+              <a:t>Première levée de fonds Crowfounding (10.000,00$).</a:t>
+            </a:r>
+            <a:endParaRPr b="0" lang="en-US" sz="2400" spc="-1" strike="noStrike">
+              <a:solidFill>
+                <a:srgbClr val="000000"/>
+              </a:solidFill>
+              <a:latin typeface="Calibri"/>
+            </a:endParaRPr>
+          </a:p>
+          <a:p>
+            <a:pPr>
+              <a:lnSpc>
+                <a:spcPct val="90000"/>
+              </a:lnSpc>
+              <a:spcBef>
+                <a:spcPts val="1001"/>
+              </a:spcBef>
+            </a:pPr>
+            <a:r>
+              <a:rPr b="0" lang="en-US" sz="2400" spc="-1" strike="noStrike">
+                <a:solidFill>
+                  <a:srgbClr val="5b9bd5"/>
+                </a:solidFill>
+                <a:latin typeface="Calibri"/>
+              </a:rPr>
+              <a:t>2017</a:t>
+            </a:r>
+            <a:r>
+              <a:rPr b="0" lang="en-US" sz="2400" spc="-1" strike="noStrike">
+                <a:solidFill>
+                  <a:srgbClr val="000000"/>
+                </a:solidFill>
+                <a:latin typeface="Calibri"/>
+              </a:rPr>
+              <a:t>: </a:t>
+            </a:r>
+            <a:r>
+              <a:rPr b="0" lang="en-US" sz="2400" spc="-1" strike="noStrike">
+                <a:solidFill>
+                  <a:srgbClr val="ed7d31"/>
+                </a:solidFill>
+                <a:latin typeface="Calibri"/>
+              </a:rPr>
+              <a:t>Finaliste du Start’up Mania.</a:t>
+            </a:r>
+            <a:endParaRPr b="0" lang="en-US" sz="2400" spc="-1" strike="noStrike">
+              <a:solidFill>
+                <a:srgbClr val="000000"/>
+              </a:solidFill>
+              <a:latin typeface="Calibri"/>
+            </a:endParaRPr>
+          </a:p>
+          <a:p>
+            <a:pPr>
+              <a:lnSpc>
+                <a:spcPct val="90000"/>
+              </a:lnSpc>
+              <a:spcBef>
+                <a:spcPts val="1001"/>
+              </a:spcBef>
+            </a:pPr>
+            <a:r>
+              <a:rPr b="0" lang="en-US" sz="2400" spc="-1" strike="noStrike">
+                <a:solidFill>
+                  <a:srgbClr val="5b9bd5"/>
+                </a:solidFill>
+                <a:latin typeface="Calibri"/>
+              </a:rPr>
+              <a:t>2018</a:t>
+            </a:r>
+            <a:r>
+              <a:rPr b="0" lang="en-US" sz="2400" spc="-1" strike="noStrike">
+                <a:solidFill>
+                  <a:srgbClr val="000000"/>
+                </a:solidFill>
+                <a:latin typeface="Calibri"/>
+              </a:rPr>
+              <a:t>: </a:t>
+            </a:r>
+            <a:r>
+              <a:rPr b="0" lang="en-US" sz="2400" spc="-1" strike="noStrike">
+                <a:solidFill>
+                  <a:srgbClr val="ed7d31"/>
+                </a:solidFill>
+                <a:latin typeface="Calibri"/>
+              </a:rPr>
+              <a:t>Présentation du projet au Mondial de l’Innovation.</a:t>
+            </a:r>
+            <a:endParaRPr b="0" lang="en-US" sz="2400" spc="-1" strike="noStrike">
+              <a:solidFill>
+                <a:srgbClr val="000000"/>
+              </a:solidFill>
+              <a:latin typeface="Calibri"/>
+            </a:endParaRPr>
+          </a:p>
+          <a:p>
+            <a:pPr>
+              <a:lnSpc>
+                <a:spcPct val="90000"/>
+              </a:lnSpc>
+              <a:spcBef>
+                <a:spcPts val="1001"/>
+              </a:spcBef>
+            </a:pPr>
+            <a:r>
+              <a:rPr b="0" lang="en-US" sz="2400" spc="-1" strike="noStrike">
+                <a:solidFill>
+                  <a:srgbClr val="5b9bd5"/>
+                </a:solidFill>
+                <a:latin typeface="Calibri"/>
+              </a:rPr>
+              <a:t>2018</a:t>
+            </a:r>
+            <a:r>
+              <a:rPr b="0" lang="en-US" sz="2400" spc="-1" strike="noStrike">
+                <a:solidFill>
+                  <a:srgbClr val="000000"/>
+                </a:solidFill>
+                <a:latin typeface="Calibri"/>
+              </a:rPr>
+              <a:t>: </a:t>
+            </a:r>
+            <a:r>
+              <a:rPr b="0" lang="en-US" sz="2400" spc="-1" strike="noStrike">
+                <a:solidFill>
+                  <a:srgbClr val="ed7d31"/>
+                </a:solidFill>
+                <a:latin typeface="Calibri"/>
+              </a:rPr>
+              <a:t>Deuxième levée de fonds 75.000,00$.</a:t>
+            </a:r>
+            <a:endParaRPr b="0" lang="en-US" sz="2400" spc="-1" strike="noStrike">
+              <a:solidFill>
+                <a:srgbClr val="000000"/>
+              </a:solidFill>
+              <a:latin typeface="Calibri"/>
+            </a:endParaRPr>
+          </a:p>
+          <a:p>
+            <a:pPr>
+              <a:lnSpc>
+                <a:spcPct val="90000"/>
+              </a:lnSpc>
+              <a:spcBef>
+                <a:spcPts val="1001"/>
+              </a:spcBef>
+            </a:pPr>
+            <a:r>
+              <a:rPr b="0" lang="en-US" sz="2400" spc="-1" strike="noStrike">
+                <a:solidFill>
+                  <a:srgbClr val="5b9bd5"/>
+                </a:solidFill>
+                <a:latin typeface="Calibri"/>
+              </a:rPr>
+              <a:t>2019</a:t>
+            </a:r>
+            <a:r>
+              <a:rPr b="0" lang="en-US" sz="2400" spc="-1" strike="noStrike">
+                <a:solidFill>
+                  <a:srgbClr val="000000"/>
+                </a:solidFill>
+                <a:latin typeface="Calibri"/>
+              </a:rPr>
+              <a:t>: </a:t>
+            </a:r>
+            <a:r>
+              <a:rPr b="0" lang="en-US" sz="2400" spc="-1" strike="noStrike">
+                <a:solidFill>
+                  <a:srgbClr val="ed7d31"/>
+                </a:solidFill>
+                <a:latin typeface="Calibri"/>
+              </a:rPr>
+              <a:t>Participation au FounderLab.</a:t>
+            </a:r>
+            <a:endParaRPr b="0" lang="en-US" sz="2400" spc="-1" strike="noStrike">
               <a:solidFill>
                 <a:srgbClr val="000000"/>
               </a:solidFill>
@@ -11989,7 +15117,7 @@
       </p:sp>
       <p:pic>
         <p:nvPicPr>
-          <p:cNvPr id="152" name="Espace réservé du contenu 4" descr=""/>
+          <p:cNvPr id="155" name="Image 6" descr=""/>
           <p:cNvPicPr/>
           <p:nvPr/>
         </p:nvPicPr>
@@ -11999,76 +15127,7 @@
         </p:blipFill>
         <p:spPr>
           <a:xfrm>
-            <a:off x="6391440" y="294480"/>
-            <a:ext cx="1649880" cy="1703880"/>
-          </a:xfrm>
-          <a:prstGeom prst="rect">
-            <a:avLst/>
-          </a:prstGeom>
-          <a:ln>
-            <a:noFill/>
-          </a:ln>
-        </p:spPr>
-      </p:pic>
-      <p:pic>
-        <p:nvPicPr>
-          <p:cNvPr id="153" name="Image 6" descr=""/>
-          <p:cNvPicPr/>
-          <p:nvPr/>
-        </p:nvPicPr>
-        <p:blipFill>
-          <a:blip r:embed="rId3"/>
-          <a:stretch/>
-        </p:blipFill>
-        <p:spPr>
-          <a:xfrm>
-            <a:off x="6391440" y="2444400"/>
-            <a:ext cx="1850040" cy="1920960"/>
-          </a:xfrm>
-          <a:prstGeom prst="rect">
-            <a:avLst/>
-          </a:prstGeom>
-          <a:ln>
-            <a:noFill/>
-          </a:ln>
-        </p:spPr>
-      </p:pic>
-      <p:pic>
-        <p:nvPicPr>
-          <p:cNvPr id="154" name="Image 9" descr=""/>
-          <p:cNvPicPr/>
-          <p:nvPr/>
-        </p:nvPicPr>
-        <p:blipFill>
-          <a:blip r:embed="rId4"/>
-          <a:stretch/>
-        </p:blipFill>
-        <p:spPr>
-          <a:xfrm>
-            <a:off x="6516720" y="4682520"/>
-            <a:ext cx="1824480" cy="1920960"/>
-          </a:xfrm>
-          <a:prstGeom prst="rect">
-            <a:avLst/>
-          </a:prstGeom>
-          <a:ln>
-            <a:noFill/>
-          </a:ln>
-        </p:spPr>
-      </p:pic>
-      <p:pic>
-        <p:nvPicPr>
-          <p:cNvPr id="155" name="Image 13" descr=""/>
-          <p:cNvPicPr/>
-          <p:nvPr/>
-        </p:nvPicPr>
-        <p:blipFill>
-          <a:blip r:embed="rId5"/>
-          <a:stretch/>
-        </p:blipFill>
-        <p:spPr>
-          <a:xfrm>
-            <a:off x="9658800" y="5862240"/>
+            <a:off x="9558720" y="5837040"/>
             <a:ext cx="2428560" cy="842400"/>
           </a:xfrm>
           <a:prstGeom prst="rect">
@@ -12152,13 +15211,13 @@
         <p:spPr>
           <a:xfrm>
             <a:off x="0" y="0"/>
-            <a:ext cx="6081840" cy="6857640"/>
+            <a:ext cx="12191760" cy="6857640"/>
           </a:xfrm>
           <a:prstGeom prst="rect">
             <a:avLst/>
           </a:prstGeom>
           <a:solidFill>
-            <a:schemeClr val="bg1"/>
+            <a:srgbClr val="ffffff"/>
           </a:solidFill>
           <a:ln>
             <a:noFill/>
@@ -12188,36 +15247,14 @@
         <p:spPr>
           <a:xfrm>
             <a:off x="0" y="0"/>
-            <a:ext cx="12191760" cy="6857640"/>
-          </a:xfrm>
-          <a:prstGeom prst="rect">
-            <a:avLst/>
-          </a:prstGeom>
-          <a:gradFill rotWithShape="0">
-            <a:gsLst>
-              <a:gs pos="0">
-                <a:schemeClr val="accent1">
-                  <a:lumMod val="90000"/>
-                </a:schemeClr>
-              </a:gs>
-              <a:gs pos="25000">
-                <a:schemeClr val="accent1">
-                  <a:lumMod val="90000"/>
-                </a:schemeClr>
-              </a:gs>
-              <a:gs pos="94000">
-                <a:schemeClr val="bg2">
-                  <a:lumMod val="25000"/>
-                </a:schemeClr>
-              </a:gs>
-              <a:gs pos="100000">
-                <a:schemeClr val="bg2">
-                  <a:lumMod val="25000"/>
-                </a:schemeClr>
-              </a:gs>
-            </a:gsLst>
-            <a:lin ang="4200000"/>
-          </a:gradFill>
+            <a:ext cx="2013120" cy="6857640"/>
+          </a:xfrm>
+          <a:prstGeom prst="rect">
+            <a:avLst/>
+          </a:prstGeom>
+          <a:solidFill>
+            <a:srgbClr val="764257"/>
+          </a:solidFill>
           <a:ln>
             <a:noFill/>
           </a:ln>
@@ -12237,9 +15274,70 @@
           <a:fontRef idx="minor"/>
         </p:style>
       </p:sp>
+      <p:sp>
+        <p:nvSpPr>
+          <p:cNvPr id="158" name="TextShape 3"/>
+          <p:cNvSpPr txBox="1"/>
+          <p:nvPr/>
+        </p:nvSpPr>
+        <p:spPr>
+          <a:xfrm>
+            <a:off x="640080" y="2074320"/>
+            <a:ext cx="2751840" cy="2709000"/>
+          </a:xfrm>
+          <a:prstGeom prst="rect">
+            <a:avLst/>
+          </a:prstGeom>
+          <a:solidFill>
+            <a:srgbClr val="262626"/>
+          </a:solidFill>
+          <a:ln w="174600">
+            <a:solidFill>
+              <a:srgbClr val="262626"/>
+            </a:solidFill>
+            <a:round/>
+          </a:ln>
+        </p:spPr>
+        <p:txBody>
+          <a:bodyPr anchor="ctr">
+            <a:normAutofit/>
+          </a:bodyPr>
+          <a:p>
+            <a:pPr algn="ctr">
+              <a:lnSpc>
+                <a:spcPct val="90000"/>
+              </a:lnSpc>
+            </a:pPr>
+            <a:r>
+              <a:rPr b="1" lang="en-US" sz="6600" spc="-1" strike="noStrike">
+                <a:solidFill>
+                  <a:srgbClr val="ed7d31"/>
+                </a:solidFill>
+                <a:latin typeface="Calibri Light"/>
+              </a:rPr>
+              <a:t>E</a:t>
+            </a:r>
+            <a:r>
+              <a:rPr b="0" lang="en-US" sz="2600" spc="-1" strike="noStrike">
+                <a:solidFill>
+                  <a:srgbClr val="4472c4"/>
+                </a:solidFill>
+                <a:latin typeface="Calibri Light"/>
+              </a:rPr>
+              <a:t>quipe Intellwer</a:t>
+            </a:r>
+            <a:endParaRPr b="0" lang="en-US" sz="2600" spc="-1" strike="noStrike">
+              <a:solidFill>
+                <a:srgbClr val="000000"/>
+              </a:solidFill>
+              <a:latin typeface="Calibri"/>
+            </a:endParaRPr>
+          </a:p>
+        </p:txBody>
+      </p:sp>
       <p:pic>
         <p:nvPicPr>
-          <p:cNvPr id="158" name="Picture 12" descr=""/>
+          <p:cNvPr id="159" name="Espace réservé du contenu 4" descr=""/>
           <p:cNvPicPr/>
           <p:nvPr/>
         </p:nvPicPr>
@@ -12249,314 +15347,8 @@
         </p:blipFill>
         <p:spPr>
           <a:xfrm>
-            <a:off x="0" y="0"/>
-            <a:ext cx="12191760" cy="6857640"/>
-          </a:xfrm>
-          <a:prstGeom prst="rect">
-            <a:avLst/>
-          </a:prstGeom>
-          <a:ln>
-            <a:noFill/>
-          </a:ln>
-        </p:spPr>
-      </p:pic>
-      <p:sp>
-        <p:nvSpPr>
-          <p:cNvPr id="159" name="TextShape 3"/>
-          <p:cNvSpPr txBox="1"/>
-          <p:nvPr/>
-        </p:nvSpPr>
-        <p:spPr>
-          <a:xfrm>
-            <a:off x="640080" y="2053800"/>
-            <a:ext cx="3668760" cy="2759760"/>
-          </a:xfrm>
-          <a:prstGeom prst="rect">
-            <a:avLst/>
-          </a:prstGeom>
-          <a:noFill/>
-          <a:ln>
-            <a:noFill/>
-          </a:ln>
-        </p:spPr>
-        <p:txBody>
-          <a:bodyPr anchor="ctr">
-            <a:normAutofit/>
-          </a:bodyPr>
-          <a:p>
-            <a:pPr>
-              <a:lnSpc>
-                <a:spcPct val="90000"/>
-              </a:lnSpc>
-            </a:pPr>
-            <a:r>
-              <a:rPr b="0" lang="en-US" sz="4400" spc="-1" strike="noStrike">
-                <a:solidFill>
-                  <a:srgbClr val="ffffff"/>
-                </a:solidFill>
-                <a:latin typeface="Calibri Light"/>
-              </a:rPr>
-              <a:t>Presentation de la solution</a:t>
-            </a:r>
-            <a:endParaRPr b="0" lang="en-US" sz="4400" spc="-1" strike="noStrike">
-              <a:solidFill>
-                <a:srgbClr val="000000"/>
-              </a:solidFill>
-              <a:latin typeface="Calibri"/>
-            </a:endParaRPr>
-          </a:p>
-        </p:txBody>
-      </p:sp>
-      <p:sp>
-        <p:nvSpPr>
-          <p:cNvPr id="160" name="TextShape 4"/>
-          <p:cNvSpPr txBox="1"/>
-          <p:nvPr/>
-        </p:nvSpPr>
-        <p:spPr>
-          <a:xfrm>
-            <a:off x="6090480" y="801720"/>
-            <a:ext cx="5305680" cy="5230440"/>
-          </a:xfrm>
-          <a:prstGeom prst="rect">
-            <a:avLst/>
-          </a:prstGeom>
-          <a:noFill/>
-          <a:ln>
-            <a:noFill/>
-          </a:ln>
-        </p:spPr>
-        <p:txBody>
-          <a:bodyPr anchor="ctr">
-            <a:normAutofit/>
-          </a:bodyPr>
-          <a:p>
-            <a:pPr>
-              <a:lnSpc>
-                <a:spcPct val="90000"/>
-              </a:lnSpc>
-              <a:spcBef>
-                <a:spcPts val="1001"/>
-              </a:spcBef>
-            </a:pPr>
-            <a:r>
-              <a:rPr b="0" lang="en-US" sz="2400" spc="-1" strike="noStrike">
-                <a:solidFill>
-                  <a:srgbClr val="5b9bd5"/>
-                </a:solidFill>
-                <a:latin typeface="Calibri"/>
-              </a:rPr>
-              <a:t>C’est quoi ?</a:t>
-            </a:r>
-            <a:endParaRPr b="0" lang="en-US" sz="2400" spc="-1" strike="noStrike">
-              <a:solidFill>
-                <a:srgbClr val="000000"/>
-              </a:solidFill>
-              <a:latin typeface="Calibri"/>
-            </a:endParaRPr>
-          </a:p>
-          <a:p>
-            <a:pPr>
-              <a:lnSpc>
-                <a:spcPct val="90000"/>
-              </a:lnSpc>
-              <a:spcBef>
-                <a:spcPts val="1001"/>
-              </a:spcBef>
-            </a:pPr>
-            <a:r>
-              <a:rPr b="0" lang="en-US" sz="2000" spc="-1" strike="noStrike">
-                <a:solidFill>
-                  <a:srgbClr val="000000"/>
-                </a:solidFill>
-                <a:latin typeface="Calibri"/>
-              </a:rPr>
-              <a:t>Intellwer est un progiciel de gestion intégré (PGI)</a:t>
-            </a:r>
-            <a:endParaRPr b="0" lang="en-US" sz="2000" spc="-1" strike="noStrike">
-              <a:solidFill>
-                <a:srgbClr val="000000"/>
-              </a:solidFill>
-              <a:latin typeface="Calibri"/>
-            </a:endParaRPr>
-          </a:p>
-          <a:p>
-            <a:pPr>
-              <a:lnSpc>
-                <a:spcPct val="90000"/>
-              </a:lnSpc>
-              <a:spcBef>
-                <a:spcPts val="1001"/>
-              </a:spcBef>
-            </a:pPr>
-            <a:r>
-              <a:rPr b="0" lang="en-US" sz="2400" spc="-1" strike="noStrike">
-                <a:solidFill>
-                  <a:srgbClr val="5b9bd5"/>
-                </a:solidFill>
-                <a:latin typeface="Calibri"/>
-              </a:rPr>
-              <a:t>A quoi cela sert-il ?</a:t>
-            </a:r>
-            <a:endParaRPr b="0" lang="en-US" sz="2400" spc="-1" strike="noStrike">
-              <a:solidFill>
-                <a:srgbClr val="000000"/>
-              </a:solidFill>
-              <a:latin typeface="Calibri"/>
-            </a:endParaRPr>
-          </a:p>
-          <a:p>
-            <a:pPr>
-              <a:lnSpc>
-                <a:spcPct val="90000"/>
-              </a:lnSpc>
-              <a:spcBef>
-                <a:spcPts val="1001"/>
-              </a:spcBef>
-            </a:pPr>
-            <a:r>
-              <a:rPr b="0" lang="en-US" sz="2000" spc="-1" strike="noStrike">
-                <a:solidFill>
-                  <a:srgbClr val="000000"/>
-                </a:solidFill>
-                <a:latin typeface="Calibri"/>
-              </a:rPr>
-              <a:t>Pour centraliser toutes les données d’un voyage dans un même dossier et fluidifier les échanges entre votre service administratif et les vendeurs.</a:t>
-            </a:r>
-            <a:endParaRPr b="0" lang="en-US" sz="2000" spc="-1" strike="noStrike">
-              <a:solidFill>
-                <a:srgbClr val="000000"/>
-              </a:solidFill>
-              <a:latin typeface="Calibri"/>
-            </a:endParaRPr>
-          </a:p>
-          <a:p>
-            <a:pPr>
-              <a:lnSpc>
-                <a:spcPct val="90000"/>
-              </a:lnSpc>
-              <a:spcBef>
-                <a:spcPts val="1001"/>
-              </a:spcBef>
-            </a:pPr>
-            <a:r>
-              <a:rPr b="0" lang="en-US" sz="2000" spc="-1" strike="noStrike">
-                <a:solidFill>
-                  <a:srgbClr val="000000"/>
-                </a:solidFill>
-                <a:latin typeface="Calibri"/>
-              </a:rPr>
-              <a:t>Accompagner les agences de voyages dans leurs démarche de réservation et automatisation du processus paiement.</a:t>
-            </a:r>
-            <a:endParaRPr b="0" lang="en-US" sz="2000" spc="-1" strike="noStrike">
-              <a:solidFill>
-                <a:srgbClr val="000000"/>
-              </a:solidFill>
-              <a:latin typeface="Calibri"/>
-            </a:endParaRPr>
-          </a:p>
-          <a:p>
-            <a:pPr>
-              <a:lnSpc>
-                <a:spcPct val="90000"/>
-              </a:lnSpc>
-              <a:spcBef>
-                <a:spcPts val="1001"/>
-              </a:spcBef>
-            </a:pPr>
-            <a:r>
-              <a:rPr b="0" lang="en-US" sz="2400" spc="-1" strike="noStrike">
-                <a:solidFill>
-                  <a:srgbClr val="5b9bd5"/>
-                </a:solidFill>
-                <a:latin typeface="Calibri"/>
-              </a:rPr>
-              <a:t>Pour qui ?</a:t>
-            </a:r>
-            <a:endParaRPr b="0" lang="en-US" sz="2400" spc="-1" strike="noStrike">
-              <a:solidFill>
-                <a:srgbClr val="000000"/>
-              </a:solidFill>
-              <a:latin typeface="Calibri"/>
-            </a:endParaRPr>
-          </a:p>
-          <a:p>
-            <a:pPr>
-              <a:lnSpc>
-                <a:spcPct val="90000"/>
-              </a:lnSpc>
-              <a:spcBef>
-                <a:spcPts val="1001"/>
-              </a:spcBef>
-            </a:pPr>
-            <a:r>
-              <a:rPr b="0" lang="en-US" sz="2000" spc="-1" strike="noStrike">
-                <a:solidFill>
-                  <a:srgbClr val="000000"/>
-                </a:solidFill>
-                <a:latin typeface="Calibri"/>
-              </a:rPr>
-              <a:t>Idéal pour les </a:t>
-            </a:r>
-            <a:r>
-              <a:rPr b="1" lang="en-US" sz="2000" spc="-1" strike="noStrike">
-                <a:solidFill>
-                  <a:srgbClr val="c55a11"/>
-                </a:solidFill>
-                <a:latin typeface="Calibri"/>
-              </a:rPr>
-              <a:t>tour-opérateurs</a:t>
-            </a:r>
-            <a:r>
-              <a:rPr b="0" lang="en-US" sz="2000" spc="-1" strike="noStrike">
-                <a:solidFill>
-                  <a:srgbClr val="000000"/>
-                </a:solidFill>
-                <a:latin typeface="Calibri"/>
-              </a:rPr>
-              <a:t> ou les </a:t>
-            </a:r>
-            <a:r>
-              <a:rPr b="1" lang="en-US" sz="2000" spc="-1" strike="noStrike">
-                <a:solidFill>
-                  <a:srgbClr val="c55a11"/>
-                </a:solidFill>
-                <a:latin typeface="Calibri"/>
-              </a:rPr>
-              <a:t>agences de voyages</a:t>
-            </a:r>
-            <a:r>
-              <a:rPr b="0" lang="en-US" sz="2000" spc="-1" strike="noStrike">
-                <a:solidFill>
-                  <a:srgbClr val="000000"/>
-                </a:solidFill>
-                <a:latin typeface="Calibri"/>
-              </a:rPr>
-              <a:t> dans la vente et la gestion de leurs dossiers loisirs.</a:t>
-            </a:r>
-            <a:endParaRPr b="0" lang="en-US" sz="2000" spc="-1" strike="noStrike">
-              <a:solidFill>
-                <a:srgbClr val="000000"/>
-              </a:solidFill>
-              <a:latin typeface="Calibri"/>
-            </a:endParaRPr>
-          </a:p>
-        </p:txBody>
-      </p:sp>
-      <p:pic>
-        <p:nvPicPr>
-          <p:cNvPr id="161" name="Image 6" descr=""/>
-          <p:cNvPicPr/>
-          <p:nvPr/>
-        </p:nvPicPr>
-        <p:blipFill>
-          <a:blip r:embed="rId2"/>
-          <a:stretch/>
-        </p:blipFill>
-        <p:spPr>
-          <a:xfrm>
-            <a:off x="9571320" y="5824440"/>
-            <a:ext cx="2428560" cy="842400"/>
+            <a:off x="4995720" y="961920"/>
+            <a:ext cx="5273280" cy="4930560"/>
           </a:xfrm>
           <a:prstGeom prst="rect">
             <a:avLst/>
@@ -12632,23 +15424,20 @@
       </p:grpSpPr>
       <p:sp>
         <p:nvSpPr>
-          <p:cNvPr id="162" name="CustomShape 1"/>
+          <p:cNvPr id="160" name="CustomShape 1"/>
           <p:cNvSpPr/>
           <p:nvPr/>
         </p:nvSpPr>
         <p:spPr>
           <a:xfrm>
             <a:off x="0" y="0"/>
-            <a:ext cx="12191760" cy="6857640"/>
+            <a:ext cx="6081840" cy="6857640"/>
           </a:xfrm>
           <a:prstGeom prst="rect">
             <a:avLst/>
           </a:prstGeom>
           <a:solidFill>
-            <a:schemeClr val="tx1">
-              <a:lumMod val="75000"/>
-              <a:lumOff val="25000"/>
-            </a:schemeClr>
+            <a:schemeClr val="bg1"/>
           </a:solidFill>
           <a:ln>
             <a:noFill/>
@@ -12671,103 +15460,43 @@
       </p:sp>
       <p:sp>
         <p:nvSpPr>
-          <p:cNvPr id="163" name="TextShape 2"/>
-          <p:cNvSpPr txBox="1"/>
-          <p:nvPr/>
-        </p:nvSpPr>
-        <p:spPr>
-          <a:xfrm>
-            <a:off x="6357960" y="1398960"/>
-            <a:ext cx="5090400" cy="2029680"/>
-          </a:xfrm>
-          <a:prstGeom prst="rect">
-            <a:avLst/>
-          </a:prstGeom>
-          <a:noFill/>
-          <a:ln>
-            <a:noFill/>
-          </a:ln>
-        </p:spPr>
-        <p:txBody>
-          <a:bodyPr anchor="b">
-            <a:normAutofit fontScale="71000"/>
-          </a:bodyPr>
-          <a:p>
-            <a:pPr>
-              <a:lnSpc>
-                <a:spcPct val="90000"/>
-              </a:lnSpc>
-            </a:pPr>
-            <a:r>
-              <a:rPr b="0" lang="en-US" sz="6000" spc="-1" strike="noStrike">
-                <a:solidFill>
-                  <a:srgbClr val="ffffff"/>
-                </a:solidFill>
-                <a:latin typeface="Calibri Light"/>
-              </a:rPr>
-              <a:t>Environnement d’évolution</a:t>
-            </a:r>
-            <a:endParaRPr b="0" lang="en-US" sz="6000" spc="-1" strike="noStrike">
-              <a:solidFill>
-                <a:srgbClr val="000000"/>
-              </a:solidFill>
-              <a:latin typeface="Calibri"/>
-            </a:endParaRPr>
-          </a:p>
-        </p:txBody>
-      </p:sp>
-      <p:sp>
-        <p:nvSpPr>
-          <p:cNvPr id="164" name="CustomShape 3"/>
+          <p:cNvPr id="161" name="CustomShape 2"/>
           <p:cNvSpPr/>
           <p:nvPr/>
         </p:nvSpPr>
         <p:spPr>
-          <a:xfrm flipH="1">
+          <a:xfrm>
             <a:off x="0" y="0"/>
-            <a:ext cx="6172560" cy="6857640"/>
-          </a:xfrm>
-          <a:custGeom>
-            <a:avLst/>
-            <a:gdLst/>
-            <a:ahLst/>
-            <a:rect l="l" t="t" r="r" b="b"/>
-            <a:pathLst>
-              <a:path w="6172782" h="6858000">
-                <a:moveTo>
-                  <a:pt x="6172782" y="0"/>
-                </a:moveTo>
-                <a:lnTo>
-                  <a:pt x="69075" y="0"/>
-                </a:lnTo>
-                <a:lnTo>
-                  <a:pt x="35131" y="267128"/>
-                </a:lnTo>
-                <a:cubicBezTo>
-                  <a:pt x="11901" y="495874"/>
-                  <a:pt x="0" y="727970"/>
-                  <a:pt x="0" y="962845"/>
-                </a:cubicBezTo>
-                <a:cubicBezTo>
-                  <a:pt x="0" y="3429034"/>
-                  <a:pt x="1312002" y="5588789"/>
-                  <a:pt x="3276103" y="6782205"/>
-                </a:cubicBezTo>
-                <a:lnTo>
-                  <a:pt x="3407923" y="6858000"/>
-                </a:lnTo>
-                <a:lnTo>
-                  <a:pt x="6172782" y="6858000"/>
-                </a:lnTo>
-                <a:close/>
-              </a:path>
-            </a:pathLst>
-          </a:custGeom>
-          <a:solidFill>
-            <a:schemeClr val="bg1">
-              <a:alpha val="80000"/>
-            </a:schemeClr>
-          </a:solidFill>
+            <a:ext cx="12191760" cy="6857640"/>
+          </a:xfrm>
+          <a:prstGeom prst="rect">
+            <a:avLst/>
+          </a:prstGeom>
+          <a:gradFill rotWithShape="0">
+            <a:gsLst>
+              <a:gs pos="0">
+                <a:schemeClr val="accent1">
+                  <a:lumMod val="90000"/>
+                </a:schemeClr>
+              </a:gs>
+              <a:gs pos="25000">
+                <a:schemeClr val="accent1">
+                  <a:lumMod val="90000"/>
+                </a:schemeClr>
+              </a:gs>
+              <a:gs pos="94000">
+                <a:schemeClr val="bg2">
+                  <a:lumMod val="25000"/>
+                </a:schemeClr>
+              </a:gs>
+              <a:gs pos="100000">
+                <a:schemeClr val="bg2">
+                  <a:lumMod val="25000"/>
+                </a:schemeClr>
+              </a:gs>
+            </a:gsLst>
+            <a:lin ang="4200000"/>
+          </a:gradFill>
           <a:ln>
             <a:noFill/>
           </a:ln>
@@ -12787,58 +15516,335 @@
           <a:fontRef idx="minor"/>
         </p:style>
       </p:sp>
-      <p:sp>
-        <p:nvSpPr>
-          <p:cNvPr id="165" name="CustomShape 4"/>
+      <p:pic>
+        <p:nvPicPr>
+          <p:cNvPr id="162" name="Picture 12" descr=""/>
+          <p:cNvPicPr/>
+          <p:nvPr/>
+        </p:nvPicPr>
+        <p:blipFill>
+          <a:blip r:embed="rId1"/>
+          <a:stretch/>
+        </p:blipFill>
+        <p:spPr>
+          <a:xfrm>
+            <a:off x="0" y="0"/>
+            <a:ext cx="12191760" cy="6857640"/>
+          </a:xfrm>
+          <a:prstGeom prst="rect">
+            <a:avLst/>
+          </a:prstGeom>
+          <a:ln>
+            <a:noFill/>
+          </a:ln>
+        </p:spPr>
+      </p:pic>
+      <p:sp>
+        <p:nvSpPr>
+          <p:cNvPr id="163" name="TextShape 3"/>
+          <p:cNvSpPr txBox="1"/>
+          <p:nvPr/>
+        </p:nvSpPr>
+        <p:spPr>
+          <a:xfrm>
+            <a:off x="640080" y="2053800"/>
+            <a:ext cx="3668760" cy="2759760"/>
+          </a:xfrm>
+          <a:prstGeom prst="rect">
+            <a:avLst/>
+          </a:prstGeom>
+          <a:noFill/>
+          <a:ln>
+            <a:noFill/>
+          </a:ln>
+        </p:spPr>
+        <p:txBody>
+          <a:bodyPr anchor="ctr">
+            <a:normAutofit/>
+          </a:bodyPr>
+          <a:p>
+            <a:pPr>
+              <a:lnSpc>
+                <a:spcPct val="90000"/>
+              </a:lnSpc>
+            </a:pPr>
+            <a:r>
+              <a:rPr b="0" lang="en-US" sz="3400" spc="-1" strike="noStrike">
+                <a:solidFill>
+                  <a:srgbClr val="ffffff"/>
+                </a:solidFill>
+                <a:latin typeface="Calibri Light"/>
+              </a:rPr>
+              <a:t>Equipe Intellwer </a:t>
+            </a:r>
+            <a:endParaRPr b="0" lang="en-US" sz="3400" spc="-1" strike="noStrike">
+              <a:solidFill>
+                <a:srgbClr val="000000"/>
+              </a:solidFill>
+              <a:latin typeface="Calibri"/>
+            </a:endParaRPr>
+          </a:p>
+        </p:txBody>
+      </p:sp>
+      <p:pic>
+        <p:nvPicPr>
+          <p:cNvPr id="164" name="Espace réservé du contenu 4" descr=""/>
+          <p:cNvPicPr/>
+          <p:nvPr/>
+        </p:nvPicPr>
+        <p:blipFill>
+          <a:blip r:embed="rId2"/>
+          <a:stretch/>
+        </p:blipFill>
+        <p:spPr>
+          <a:xfrm>
+            <a:off x="6391440" y="294480"/>
+            <a:ext cx="1649880" cy="1703880"/>
+          </a:xfrm>
+          <a:prstGeom prst="rect">
+            <a:avLst/>
+          </a:prstGeom>
+          <a:ln>
+            <a:noFill/>
+          </a:ln>
+        </p:spPr>
+      </p:pic>
+      <p:pic>
+        <p:nvPicPr>
+          <p:cNvPr id="165" name="Image 6" descr=""/>
+          <p:cNvPicPr/>
+          <p:nvPr/>
+        </p:nvPicPr>
+        <p:blipFill>
+          <a:blip r:embed="rId3"/>
+          <a:stretch/>
+        </p:blipFill>
+        <p:spPr>
+          <a:xfrm>
+            <a:off x="6391440" y="2444400"/>
+            <a:ext cx="1850040" cy="1920960"/>
+          </a:xfrm>
+          <a:prstGeom prst="rect">
+            <a:avLst/>
+          </a:prstGeom>
+          <a:ln>
+            <a:noFill/>
+          </a:ln>
+        </p:spPr>
+      </p:pic>
+      <p:pic>
+        <p:nvPicPr>
+          <p:cNvPr id="166" name="Image 9" descr=""/>
+          <p:cNvPicPr/>
+          <p:nvPr/>
+        </p:nvPicPr>
+        <p:blipFill>
+          <a:blip r:embed="rId4"/>
+          <a:stretch/>
+        </p:blipFill>
+        <p:spPr>
+          <a:xfrm>
+            <a:off x="6516720" y="4682520"/>
+            <a:ext cx="1824480" cy="1920960"/>
+          </a:xfrm>
+          <a:prstGeom prst="rect">
+            <a:avLst/>
+          </a:prstGeom>
+          <a:ln>
+            <a:noFill/>
+          </a:ln>
+        </p:spPr>
+      </p:pic>
+      <p:pic>
+        <p:nvPicPr>
+          <p:cNvPr id="167" name="Image 13" descr=""/>
+          <p:cNvPicPr/>
+          <p:nvPr/>
+        </p:nvPicPr>
+        <p:blipFill>
+          <a:blip r:embed="rId5"/>
+          <a:stretch/>
+        </p:blipFill>
+        <p:spPr>
+          <a:xfrm>
+            <a:off x="9658800" y="5862240"/>
+            <a:ext cx="2428560" cy="842400"/>
+          </a:xfrm>
+          <a:prstGeom prst="rect">
+            <a:avLst/>
+          </a:prstGeom>
+          <a:ln>
+            <a:noFill/>
+          </a:ln>
+        </p:spPr>
+      </p:pic>
+      <p:sp>
+        <p:nvSpPr>
+          <p:cNvPr id="168" name="CustomShape 4"/>
           <p:cNvSpPr/>
           <p:nvPr/>
         </p:nvSpPr>
         <p:spPr>
           <a:xfrm>
-            <a:off x="0" y="0"/>
-            <a:ext cx="6023880" cy="6857640"/>
-          </a:xfrm>
-          <a:custGeom>
-            <a:avLst/>
-            <a:gdLst/>
-            <a:ahLst/>
-            <a:rect l="l" t="t" r="r" b="b"/>
-            <a:pathLst>
-              <a:path w="6024154" h="6858000">
-                <a:moveTo>
-                  <a:pt x="0" y="0"/>
-                </a:moveTo>
-                <a:lnTo>
-                  <a:pt x="5953780" y="0"/>
-                </a:lnTo>
-                <a:lnTo>
-                  <a:pt x="5989880" y="284091"/>
-                </a:lnTo>
-                <a:cubicBezTo>
-                  <a:pt x="6012544" y="507260"/>
-                  <a:pt x="6024154" y="733696"/>
-                  <a:pt x="6024154" y="962844"/>
-                </a:cubicBezTo>
-                <a:cubicBezTo>
-                  <a:pt x="6024154" y="3483472"/>
-                  <a:pt x="4619336" y="5675986"/>
-                  <a:pt x="2549934" y="6800152"/>
-                </a:cubicBezTo>
-                <a:lnTo>
-                  <a:pt x="2436987" y="6858000"/>
-                </a:lnTo>
-                <a:lnTo>
-                  <a:pt x="0" y="6858000"/>
-                </a:lnTo>
-                <a:close/>
-              </a:path>
-            </a:pathLst>
-          </a:custGeom>
-          <a:solidFill>
-            <a:schemeClr val="bg1"/>
-          </a:solidFill>
+            <a:off x="5319720" y="379080"/>
+            <a:ext cx="836280" cy="6051960"/>
+          </a:xfrm>
+          <a:prstGeom prst="leftBrace">
+            <a:avLst>
+              <a:gd name="adj1" fmla="val 8333"/>
+              <a:gd name="adj2" fmla="val 50000"/>
+            </a:avLst>
+          </a:prstGeom>
+          <a:noFill/>
+          <a:ln/>
+        </p:spPr>
+        <p:style>
+          <a:lnRef idx="1">
+            <a:schemeClr val="accent1"/>
+          </a:lnRef>
+          <a:fillRef idx="0">
+            <a:schemeClr val="accent1"/>
+          </a:fillRef>
+          <a:effectRef idx="0">
+            <a:schemeClr val="accent1"/>
+          </a:effectRef>
+          <a:fontRef idx="minor"/>
+        </p:style>
+      </p:sp>
+      <p:sp>
+        <p:nvSpPr>
+          <p:cNvPr id="169" name="CustomShape 5"/>
+          <p:cNvSpPr/>
+          <p:nvPr/>
+        </p:nvSpPr>
+        <p:spPr>
+          <a:xfrm>
+            <a:off x="8041680" y="266400"/>
+            <a:ext cx="836280" cy="1703880"/>
+          </a:xfrm>
+          <a:prstGeom prst="leftBrace">
+            <a:avLst>
+              <a:gd name="adj1" fmla="val 8333"/>
+              <a:gd name="adj2" fmla="val 50000"/>
+            </a:avLst>
+          </a:prstGeom>
+          <a:noFill/>
           <a:ln>
-            <a:noFill/>
+            <a:solidFill>
+              <a:schemeClr val="accent2"/>
+            </a:solidFill>
+          </a:ln>
+        </p:spPr>
+        <p:style>
+          <a:lnRef idx="1">
+            <a:schemeClr val="accent1"/>
+          </a:lnRef>
+          <a:fillRef idx="0">
+            <a:schemeClr val="accent1"/>
+          </a:fillRef>
+          <a:effectRef idx="0">
+            <a:schemeClr val="accent1"/>
+          </a:effectRef>
+          <a:fontRef idx="minor"/>
+        </p:style>
+      </p:sp>
+      <p:sp>
+        <p:nvSpPr>
+          <p:cNvPr id="170" name="CustomShape 6"/>
+          <p:cNvSpPr/>
+          <p:nvPr/>
+        </p:nvSpPr>
+        <p:spPr>
+          <a:xfrm>
+            <a:off x="8139600" y="2444400"/>
+            <a:ext cx="836280" cy="1920960"/>
+          </a:xfrm>
+          <a:prstGeom prst="leftBrace">
+            <a:avLst>
+              <a:gd name="adj1" fmla="val 8333"/>
+              <a:gd name="adj2" fmla="val 50000"/>
+            </a:avLst>
+          </a:prstGeom>
+          <a:noFill/>
+          <a:ln>
+            <a:solidFill>
+              <a:schemeClr val="accent2"/>
+            </a:solidFill>
+          </a:ln>
+        </p:spPr>
+        <p:style>
+          <a:lnRef idx="1">
+            <a:schemeClr val="accent1"/>
+          </a:lnRef>
+          <a:fillRef idx="0">
+            <a:schemeClr val="accent1"/>
+          </a:fillRef>
+          <a:effectRef idx="0">
+            <a:schemeClr val="accent1"/>
+          </a:effectRef>
+          <a:fontRef idx="minor"/>
+        </p:style>
+      </p:sp>
+      <p:sp>
+        <p:nvSpPr>
+          <p:cNvPr id="171" name="CustomShape 7"/>
+          <p:cNvSpPr/>
+          <p:nvPr/>
+        </p:nvSpPr>
+        <p:spPr>
+          <a:xfrm>
+            <a:off x="8163720" y="4510080"/>
+            <a:ext cx="836280" cy="1920960"/>
+          </a:xfrm>
+          <a:prstGeom prst="leftBrace">
+            <a:avLst>
+              <a:gd name="adj1" fmla="val 8333"/>
+              <a:gd name="adj2" fmla="val 50000"/>
+            </a:avLst>
+          </a:prstGeom>
+          <a:noFill/>
+          <a:ln>
+            <a:solidFill>
+              <a:schemeClr val="accent2"/>
+            </a:solidFill>
+          </a:ln>
+        </p:spPr>
+        <p:style>
+          <a:lnRef idx="1">
+            <a:schemeClr val="accent1"/>
+          </a:lnRef>
+          <a:fillRef idx="0">
+            <a:schemeClr val="accent1"/>
+          </a:fillRef>
+          <a:effectRef idx="0">
+            <a:schemeClr val="accent1"/>
+          </a:effectRef>
+          <a:fontRef idx="minor"/>
+        </p:style>
+      </p:sp>
+      <p:sp>
+        <p:nvSpPr>
+          <p:cNvPr id="172" name="CustomShape 8"/>
+          <p:cNvSpPr/>
+          <p:nvPr/>
+        </p:nvSpPr>
+        <p:spPr>
+          <a:xfrm>
+            <a:off x="9000360" y="457200"/>
+            <a:ext cx="2998080" cy="1270800"/>
+          </a:xfrm>
+          <a:prstGeom prst="round2SameRect">
+            <a:avLst>
+              <a:gd name="adj1" fmla="val 16667"/>
+              <a:gd name="adj2" fmla="val 0"/>
+            </a:avLst>
+          </a:prstGeom>
+          <a:ln>
+            <a:solidFill>
+              <a:schemeClr val="accent2">
+                <a:lumMod val="75000"/>
+              </a:schemeClr>
+            </a:solidFill>
           </a:ln>
         </p:spPr>
         <p:style>
@@ -12856,52 +15862,289 @@
           <a:fontRef idx="minor"/>
         </p:style>
       </p:sp>
-      <p:pic>
-        <p:nvPicPr>
-          <p:cNvPr id="166" name="Image 6" descr=""/>
-          <p:cNvPicPr/>
+      <p:sp>
+        <p:nvSpPr>
+          <p:cNvPr id="173" name="CustomShape 9"/>
+          <p:cNvSpPr/>
           <p:nvPr/>
-        </p:nvPicPr>
-        <p:blipFill>
-          <a:blip r:embed="rId1"/>
-          <a:stretch/>
-        </p:blipFill>
-        <p:spPr>
-          <a:xfrm>
-            <a:off x="0" y="18360"/>
-            <a:ext cx="4872240" cy="4565160"/>
-          </a:xfrm>
-          <a:prstGeom prst="rect">
-            <a:avLst/>
-          </a:prstGeom>
+        </p:nvSpPr>
+        <p:spPr>
+          <a:xfrm>
+            <a:off x="8976240" y="2648880"/>
+            <a:ext cx="2998080" cy="1270800"/>
+          </a:xfrm>
+          <a:prstGeom prst="round2SameRect">
+            <a:avLst>
+              <a:gd name="adj1" fmla="val 16667"/>
+              <a:gd name="adj2" fmla="val 0"/>
+            </a:avLst>
+          </a:prstGeom>
+          <a:ln>
+            <a:solidFill>
+              <a:schemeClr val="accent2"/>
+            </a:solidFill>
+          </a:ln>
+        </p:spPr>
+        <p:style>
+          <a:lnRef idx="2">
+            <a:schemeClr val="accent1">
+              <a:shade val="50000"/>
+            </a:schemeClr>
+          </a:lnRef>
+          <a:fillRef idx="1">
+            <a:schemeClr val="accent1"/>
+          </a:fillRef>
+          <a:effectRef idx="0">
+            <a:schemeClr val="accent1"/>
+          </a:effectRef>
+          <a:fontRef idx="minor"/>
+        </p:style>
+      </p:sp>
+      <p:sp>
+        <p:nvSpPr>
+          <p:cNvPr id="174" name="CustomShape 10"/>
+          <p:cNvSpPr/>
+          <p:nvPr/>
+        </p:nvSpPr>
+        <p:spPr>
+          <a:xfrm>
+            <a:off x="9000360" y="4682520"/>
+            <a:ext cx="2998080" cy="1270800"/>
+          </a:xfrm>
+          <a:prstGeom prst="round2SameRect">
+            <a:avLst>
+              <a:gd name="adj1" fmla="val 16667"/>
+              <a:gd name="adj2" fmla="val 0"/>
+            </a:avLst>
+          </a:prstGeom>
+          <a:ln>
+            <a:solidFill>
+              <a:schemeClr val="accent2"/>
+            </a:solidFill>
+          </a:ln>
+        </p:spPr>
+        <p:style>
+          <a:lnRef idx="2">
+            <a:schemeClr val="accent1">
+              <a:shade val="50000"/>
+            </a:schemeClr>
+          </a:lnRef>
+          <a:fillRef idx="1">
+            <a:schemeClr val="accent1"/>
+          </a:fillRef>
+          <a:effectRef idx="0">
+            <a:schemeClr val="accent1"/>
+          </a:effectRef>
+          <a:fontRef idx="minor"/>
+        </p:style>
+      </p:sp>
+      <p:sp>
+        <p:nvSpPr>
+          <p:cNvPr id="175" name="CustomShape 11"/>
+          <p:cNvSpPr/>
+          <p:nvPr/>
+        </p:nvSpPr>
+        <p:spPr>
+          <a:xfrm>
+            <a:off x="9096840" y="494640"/>
+            <a:ext cx="2790000" cy="1187640"/>
+          </a:xfrm>
+          <a:prstGeom prst="rect">
+            <a:avLst/>
+          </a:prstGeom>
+          <a:noFill/>
           <a:ln>
             <a:noFill/>
           </a:ln>
         </p:spPr>
-      </p:pic>
-      <p:pic>
-        <p:nvPicPr>
-          <p:cNvPr id="167" name="Image 8" descr=""/>
-          <p:cNvPicPr/>
+        <p:style>
+          <a:lnRef idx="0"/>
+          <a:fillRef idx="0"/>
+          <a:effectRef idx="0"/>
+          <a:fontRef idx="minor"/>
+        </p:style>
+        <p:txBody>
+          <a:bodyPr lIns="90000" rIns="90000" tIns="45000" bIns="45000">
+            <a:spAutoFit/>
+          </a:bodyPr>
+          <a:p>
+            <a:pPr>
+              <a:lnSpc>
+                <a:spcPct val="100000"/>
+              </a:lnSpc>
+            </a:pPr>
+            <a:r>
+              <a:rPr b="0" lang="fr-FR" sz="1800" spc="-1" strike="noStrike">
+                <a:solidFill>
+                  <a:srgbClr val="ed7d31"/>
+                </a:solidFill>
+                <a:latin typeface="Calibri"/>
+              </a:rPr>
+              <a:t>Mike est le directeur général de la société.</a:t>
+            </a:r>
+            <a:endParaRPr b="0" lang="fr-FR" sz="1800" spc="-1" strike="noStrike">
+              <a:latin typeface="Arial"/>
+            </a:endParaRPr>
+          </a:p>
+          <a:p>
+            <a:pPr>
+              <a:lnSpc>
+                <a:spcPct val="100000"/>
+              </a:lnSpc>
+            </a:pPr>
+            <a:r>
+              <a:rPr b="0" lang="fr-FR" sz="1800" spc="-1" strike="noStrike">
+                <a:solidFill>
+                  <a:srgbClr val="ed7d31"/>
+                </a:solidFill>
+                <a:latin typeface="Calibri"/>
+              </a:rPr>
+              <a:t>Il détient une diplôme en ingénierie informatique.</a:t>
+            </a:r>
+            <a:endParaRPr b="0" lang="fr-FR" sz="1800" spc="-1" strike="noStrike">
+              <a:latin typeface="Arial"/>
+            </a:endParaRPr>
+          </a:p>
+        </p:txBody>
+      </p:sp>
+      <p:sp>
+        <p:nvSpPr>
+          <p:cNvPr id="176" name="CustomShape 12"/>
+          <p:cNvSpPr/>
           <p:nvPr/>
-        </p:nvPicPr>
-        <p:blipFill>
-          <a:blip r:embed="rId2"/>
-          <a:stretch/>
-        </p:blipFill>
-        <p:spPr>
-          <a:xfrm>
-            <a:off x="214200" y="5862240"/>
-            <a:ext cx="2428560" cy="842400"/>
-          </a:xfrm>
-          <a:prstGeom prst="rect">
-            <a:avLst/>
-          </a:prstGeom>
+        </p:nvSpPr>
+        <p:spPr>
+          <a:xfrm>
+            <a:off x="9080280" y="2719800"/>
+            <a:ext cx="2790000" cy="1187640"/>
+          </a:xfrm>
+          <a:prstGeom prst="rect">
+            <a:avLst/>
+          </a:prstGeom>
+          <a:noFill/>
           <a:ln>
             <a:noFill/>
           </a:ln>
         </p:spPr>
-      </p:pic>
+        <p:style>
+          <a:lnRef idx="0"/>
+          <a:fillRef idx="0"/>
+          <a:effectRef idx="0"/>
+          <a:fontRef idx="minor"/>
+        </p:style>
+        <p:txBody>
+          <a:bodyPr lIns="90000" rIns="90000" tIns="45000" bIns="45000">
+            <a:spAutoFit/>
+          </a:bodyPr>
+          <a:p>
+            <a:pPr>
+              <a:lnSpc>
+                <a:spcPct val="100000"/>
+              </a:lnSpc>
+            </a:pPr>
+            <a:r>
+              <a:rPr b="0" lang="fr-FR" sz="1800" spc="-1" strike="noStrike">
+                <a:solidFill>
+                  <a:srgbClr val="ed7d31"/>
+                </a:solidFill>
+                <a:latin typeface="Calibri"/>
+              </a:rPr>
+              <a:t>Marine est la directrice technique de l’entreprise.</a:t>
+            </a:r>
+            <a:endParaRPr b="0" lang="fr-FR" sz="1800" spc="-1" strike="noStrike">
+              <a:latin typeface="Arial"/>
+            </a:endParaRPr>
+          </a:p>
+          <a:p>
+            <a:pPr>
+              <a:lnSpc>
+                <a:spcPct val="100000"/>
+              </a:lnSpc>
+            </a:pPr>
+            <a:r>
+              <a:rPr b="0" lang="fr-FR" sz="1800" spc="-1" strike="noStrike">
+                <a:solidFill>
+                  <a:srgbClr val="ed7d31"/>
+                </a:solidFill>
+                <a:latin typeface="Calibri"/>
+              </a:rPr>
+              <a:t>Elle est diplômé d’un master en cyber-sécurité.</a:t>
+            </a:r>
+            <a:endParaRPr b="0" lang="fr-FR" sz="1800" spc="-1" strike="noStrike">
+              <a:latin typeface="Arial"/>
+            </a:endParaRPr>
+          </a:p>
+        </p:txBody>
+      </p:sp>
+      <p:sp>
+        <p:nvSpPr>
+          <p:cNvPr id="177" name="CustomShape 13"/>
+          <p:cNvSpPr/>
+          <p:nvPr/>
+        </p:nvSpPr>
+        <p:spPr>
+          <a:xfrm>
+            <a:off x="9080280" y="4691160"/>
+            <a:ext cx="2790000" cy="1187640"/>
+          </a:xfrm>
+          <a:prstGeom prst="rect">
+            <a:avLst/>
+          </a:prstGeom>
+          <a:noFill/>
+          <a:ln>
+            <a:noFill/>
+          </a:ln>
+        </p:spPr>
+        <p:style>
+          <a:lnRef idx="0"/>
+          <a:fillRef idx="0"/>
+          <a:effectRef idx="0"/>
+          <a:fontRef idx="minor"/>
+        </p:style>
+        <p:txBody>
+          <a:bodyPr lIns="90000" rIns="90000" tIns="45000" bIns="45000">
+            <a:spAutoFit/>
+          </a:bodyPr>
+          <a:p>
+            <a:pPr>
+              <a:lnSpc>
+                <a:spcPct val="100000"/>
+              </a:lnSpc>
+            </a:pPr>
+            <a:r>
+              <a:rPr b="0" lang="fr-FR" sz="1800" spc="-1" strike="noStrike">
+                <a:solidFill>
+                  <a:srgbClr val="ed7d31"/>
+                </a:solidFill>
+                <a:latin typeface="Calibri"/>
+              </a:rPr>
+              <a:t>Jérôme est le directeur financier de l’entreprise.</a:t>
+            </a:r>
+            <a:endParaRPr b="0" lang="fr-FR" sz="1800" spc="-1" strike="noStrike">
+              <a:latin typeface="Arial"/>
+            </a:endParaRPr>
+          </a:p>
+          <a:p>
+            <a:pPr>
+              <a:lnSpc>
+                <a:spcPct val="100000"/>
+              </a:lnSpc>
+            </a:pPr>
+            <a:r>
+              <a:rPr b="0" lang="fr-FR" sz="1800" spc="-1" strike="noStrike">
+                <a:solidFill>
+                  <a:srgbClr val="ed7d31"/>
+                </a:solidFill>
+                <a:latin typeface="Calibri"/>
+              </a:rPr>
+              <a:t>Passionné par les chiffres il détient un DCG.</a:t>
+            </a:r>
+            <a:endParaRPr b="0" lang="fr-FR" sz="1800" spc="-1" strike="noStrike">
+              <a:latin typeface="Arial"/>
+            </a:endParaRPr>
+          </a:p>
+        </p:txBody>
+      </p:sp>
     </p:spTree>
   </p:cSld>
   <mc:AlternateContent>
@@ -12918,45 +16161,7 @@
         <p:cTn id="15" dur="indefinite" restart="never" nodeType="tmRoot">
           <p:childTnLst>
             <p:seq>
-              <p:cTn id="16" dur="indefinite" nodeType="mainSeq">
-                <p:childTnLst>
-                  <p:par>
-                    <p:cTn id="17" fill="hold">
-                      <p:stCondLst>
-                        <p:cond delay="indefinite"/>
-                      </p:stCondLst>
-                      <p:childTnLst>
-                        <p:par>
-                          <p:cTn id="18" fill="hold">
-                            <p:stCondLst>
-                              <p:cond delay="0"/>
-                            </p:stCondLst>
-                            <p:childTnLst>
-                              <p:par>
-                                <p:cTn id="19" nodeType="clickEffect" fill="hold" presetClass="emph" presetID="26">
-                                  <p:stCondLst>
-                                    <p:cond delay="0"/>
-                                  </p:stCondLst>
-                                  <p:childTnLst>
-                                    <p:animEffect filter="fade" transition="out">
-                                      <p:cBhvr additive="repl">
-                                        <p:cTn id="20" dur="500"/>
-                                        <p:tgtEl>
-                                          <p:spTgt spid="163"/>
-                                        </p:tgtEl>
-                                      </p:cBhvr>
-                                    </p:animEffect>
-                                  </p:childTnLst>
-                                </p:cTn>
-                              </p:par>
-                            </p:childTnLst>
-                          </p:cTn>
-                        </p:par>
-                      </p:childTnLst>
-                    </p:cTn>
-                  </p:par>
-                </p:childTnLst>
-              </p:cTn>
+              <p:cTn id="16" dur="indefinite" nodeType="mainSeq"/>
               <p:prevCondLst>
                 <p:cond delay="0" evt="onPrev">
                   <p:tgtEl>
@@ -13006,20 +16211,20 @@
       </p:grpSpPr>
       <p:sp>
         <p:nvSpPr>
-          <p:cNvPr id="168" name="CustomShape 1"/>
+          <p:cNvPr id="178" name="CustomShape 1"/>
           <p:cNvSpPr/>
           <p:nvPr/>
         </p:nvSpPr>
         <p:spPr>
           <a:xfrm>
             <a:off x="0" y="0"/>
-            <a:ext cx="6081840" cy="6857640"/>
+            <a:ext cx="12191760" cy="6857640"/>
           </a:xfrm>
           <a:prstGeom prst="rect">
             <a:avLst/>
           </a:prstGeom>
           <a:solidFill>
-            <a:schemeClr val="bg1"/>
+            <a:srgbClr val="ffffff"/>
           </a:solidFill>
           <a:ln>
             <a:noFill/>
@@ -13042,43 +16247,21 @@
       </p:sp>
       <p:sp>
         <p:nvSpPr>
-          <p:cNvPr id="169" name="CustomShape 2"/>
+          <p:cNvPr id="179" name="CustomShape 2"/>
           <p:cNvSpPr/>
           <p:nvPr/>
         </p:nvSpPr>
         <p:spPr>
           <a:xfrm>
             <a:off x="0" y="0"/>
-            <a:ext cx="12191760" cy="6857640"/>
-          </a:xfrm>
-          <a:prstGeom prst="rect">
-            <a:avLst/>
-          </a:prstGeom>
-          <a:gradFill rotWithShape="0">
-            <a:gsLst>
-              <a:gs pos="0">
-                <a:schemeClr val="accent1">
-                  <a:lumMod val="90000"/>
-                </a:schemeClr>
-              </a:gs>
-              <a:gs pos="25000">
-                <a:schemeClr val="accent1">
-                  <a:lumMod val="90000"/>
-                </a:schemeClr>
-              </a:gs>
-              <a:gs pos="94000">
-                <a:schemeClr val="bg2">
-                  <a:lumMod val="25000"/>
-                </a:schemeClr>
-              </a:gs>
-              <a:gs pos="100000">
-                <a:schemeClr val="bg2">
-                  <a:lumMod val="25000"/>
-                </a:schemeClr>
-              </a:gs>
-            </a:gsLst>
-            <a:lin ang="4200000"/>
-          </a:gradFill>
+            <a:ext cx="2013120" cy="6857640"/>
+          </a:xfrm>
+          <a:prstGeom prst="rect">
+            <a:avLst/>
+          </a:prstGeom>
+          <a:solidFill>
+            <a:srgbClr val="764257"/>
+          </a:solidFill>
           <a:ln>
             <a:noFill/>
           </a:ln>
@@ -13098,9 +16281,70 @@
           <a:fontRef idx="minor"/>
         </p:style>
       </p:sp>
+      <p:sp>
+        <p:nvSpPr>
+          <p:cNvPr id="180" name="TextShape 3"/>
+          <p:cNvSpPr txBox="1"/>
+          <p:nvPr/>
+        </p:nvSpPr>
+        <p:spPr>
+          <a:xfrm>
+            <a:off x="640080" y="2074320"/>
+            <a:ext cx="3082320" cy="2709000"/>
+          </a:xfrm>
+          <a:prstGeom prst="rect">
+            <a:avLst/>
+          </a:prstGeom>
+          <a:solidFill>
+            <a:srgbClr val="262626"/>
+          </a:solidFill>
+          <a:ln w="174600">
+            <a:solidFill>
+              <a:srgbClr val="262626"/>
+            </a:solidFill>
+            <a:round/>
+          </a:ln>
+        </p:spPr>
+        <p:txBody>
+          <a:bodyPr anchor="ctr">
+            <a:normAutofit/>
+          </a:bodyPr>
+          <a:p>
+            <a:pPr algn="ctr">
+              <a:lnSpc>
+                <a:spcPct val="90000"/>
+              </a:lnSpc>
+            </a:pPr>
+            <a:r>
+              <a:rPr b="1" lang="en-US" sz="6600" spc="-1" strike="noStrike">
+                <a:solidFill>
+                  <a:srgbClr val="ed7d31"/>
+                </a:solidFill>
+                <a:latin typeface="Calibri Light"/>
+              </a:rPr>
+              <a:t>P</a:t>
+            </a:r>
+            <a:r>
+              <a:rPr b="1" lang="en-US" sz="2600" spc="-1" strike="noStrike">
+                <a:solidFill>
+                  <a:srgbClr val="4472c4"/>
+                </a:solidFill>
+                <a:latin typeface="Calibri Light"/>
+              </a:rPr>
+              <a:t>résentation de la Solution</a:t>
+            </a:r>
+            <a:endParaRPr b="0" lang="en-US" sz="2600" spc="-1" strike="noStrike">
+              <a:solidFill>
+                <a:srgbClr val="000000"/>
+              </a:solidFill>
+              <a:latin typeface="Calibri"/>
+            </a:endParaRPr>
+          </a:p>
+        </p:txBody>
+      </p:sp>
       <p:pic>
         <p:nvPicPr>
-          <p:cNvPr id="170" name="Picture 12" descr=""/>
+          <p:cNvPr id="181" name="Espace réservé du contenu 4" descr=""/>
           <p:cNvPicPr/>
           <p:nvPr/>
         </p:nvPicPr>
@@ -13110,94 +16354,8 @@
         </p:blipFill>
         <p:spPr>
           <a:xfrm>
-            <a:off x="0" y="0"/>
-            <a:ext cx="12191760" cy="6857640"/>
-          </a:xfrm>
-          <a:prstGeom prst="rect">
-            <a:avLst/>
-          </a:prstGeom>
-          <a:ln>
-            <a:noFill/>
-          </a:ln>
-        </p:spPr>
-      </p:pic>
-      <p:sp>
-        <p:nvSpPr>
-          <p:cNvPr id="171" name="TextShape 3"/>
-          <p:cNvSpPr txBox="1"/>
-          <p:nvPr/>
-        </p:nvSpPr>
-        <p:spPr>
-          <a:xfrm>
-            <a:off x="640080" y="2053800"/>
-            <a:ext cx="3668760" cy="2759760"/>
-          </a:xfrm>
-          <a:prstGeom prst="rect">
-            <a:avLst/>
-          </a:prstGeom>
-          <a:noFill/>
-          <a:ln>
-            <a:noFill/>
-          </a:ln>
-        </p:spPr>
-        <p:txBody>
-          <a:bodyPr anchor="ctr">
-            <a:normAutofit/>
-          </a:bodyPr>
-          <a:p>
-            <a:pPr>
-              <a:lnSpc>
-                <a:spcPct val="90000"/>
-              </a:lnSpc>
-            </a:pPr>
-            <a:r>
-              <a:rPr b="0" lang="en-US" sz="4400" spc="-1" strike="noStrike">
-                <a:solidFill>
-                  <a:srgbClr val="ffffff"/>
-                </a:solidFill>
-                <a:latin typeface="Calibri Light"/>
-              </a:rPr>
-              <a:t>Tendances du marché</a:t>
-            </a:r>
-            <a:endParaRPr b="0" lang="en-US" sz="4400" spc="-1" strike="noStrike">
-              <a:solidFill>
-                <a:srgbClr val="000000"/>
-              </a:solidFill>
-              <a:latin typeface="Calibri"/>
-            </a:endParaRPr>
-          </a:p>
-        </p:txBody>
-      </p:sp>
-      <p:graphicFrame>
-        <p:nvGraphicFramePr>
-          <p:cNvPr id="172" name="Espace réservé du contenu 5"/>
-          <p:cNvGraphicFramePr/>
-          <p:nvPr/>
-        </p:nvGraphicFramePr>
-        <p:xfrm>
-          <a:off x="6091200" y="801720"/>
-          <a:ext cx="5304960" cy="5230440"/>
-        </p:xfrm>
-        <a:graphic>
-          <a:graphicData uri="http://schemas.openxmlformats.org/drawingml/2006/chart">
-            <c:chart xmlns:c="http://schemas.openxmlformats.org/drawingml/2006/chart" xmlns:r="http://schemas.openxmlformats.org/officeDocument/2006/relationships" r:id="rId2"/>
-          </a:graphicData>
-        </a:graphic>
-      </p:graphicFrame>
-      <p:pic>
-        <p:nvPicPr>
-          <p:cNvPr id="173" name="Image 9" descr=""/>
-          <p:cNvPicPr/>
-          <p:nvPr/>
-        </p:nvPicPr>
-        <p:blipFill>
-          <a:blip r:embed="rId3"/>
-          <a:stretch/>
-        </p:blipFill>
-        <p:spPr>
-          <a:xfrm>
-            <a:off x="9633960" y="5899680"/>
-            <a:ext cx="2428560" cy="842400"/>
+            <a:off x="4995720" y="961920"/>
+            <a:ext cx="5273280" cy="4930560"/>
           </a:xfrm>
           <a:prstGeom prst="rect">
             <a:avLst/>
@@ -13220,10 +16378,10 @@
   <p:timing>
     <p:tnLst>
       <p:par>
-        <p:cTn id="21" dur="indefinite" restart="never" nodeType="tmRoot">
+        <p:cTn id="17" dur="indefinite" restart="never" nodeType="tmRoot">
           <p:childTnLst>
             <p:seq>
-              <p:cTn id="22" dur="indefinite" nodeType="mainSeq"/>
+              <p:cTn id="18" dur="indefinite" nodeType="mainSeq"/>
               <p:prevCondLst>
                 <p:cond delay="0" evt="onPrev">
                   <p:tgtEl>
@@ -13273,7 +16431,7 @@
       </p:grpSpPr>
       <p:sp>
         <p:nvSpPr>
-          <p:cNvPr id="174" name="CustomShape 1"/>
+          <p:cNvPr id="182" name="CustomShape 1"/>
           <p:cNvSpPr/>
           <p:nvPr/>
         </p:nvSpPr>
@@ -13309,7 +16467,7 @@
       </p:sp>
       <p:sp>
         <p:nvSpPr>
-          <p:cNvPr id="175" name="CustomShape 2"/>
+          <p:cNvPr id="183" name="CustomShape 2"/>
           <p:cNvSpPr/>
           <p:nvPr/>
         </p:nvSpPr>
@@ -13367,7 +16525,7 @@
       </p:sp>
       <p:pic>
         <p:nvPicPr>
-          <p:cNvPr id="176" name="Picture 12" descr=""/>
+          <p:cNvPr id="184" name="Picture 12" descr=""/>
           <p:cNvPicPr/>
           <p:nvPr/>
         </p:nvPicPr>
@@ -13390,7 +16548,7 @@
       </p:pic>
       <p:sp>
         <p:nvSpPr>
-          <p:cNvPr id="177" name="TextShape 3"/>
+          <p:cNvPr id="185" name="TextShape 3"/>
           <p:cNvSpPr txBox="1"/>
           <p:nvPr/>
         </p:nvSpPr>
@@ -13424,7 +16582,7 @@
                 </a:solidFill>
                 <a:latin typeface="Calibri Light"/>
               </a:rPr>
-              <a:t>Concurrence dans le secteur </a:t>
+              <a:t>Présentation de la Solution</a:t>
             </a:r>
             <a:endParaRPr b="0" lang="en-US" sz="4400" spc="-1" strike="noStrike">
               <a:solidFill>
@@ -13435,719 +16593,281 @@
           </a:p>
         </p:txBody>
       </p:sp>
-      <p:graphicFrame>
-        <p:nvGraphicFramePr>
-          <p:cNvPr id="178" name="Table 4"/>
-          <p:cNvGraphicFramePr/>
+      <p:sp>
+        <p:nvSpPr>
+          <p:cNvPr id="186" name="TextShape 4"/>
+          <p:cNvSpPr txBox="1"/>
           <p:nvPr/>
-        </p:nvGraphicFramePr>
-        <p:xfrm>
-          <a:off x="6091200" y="801720"/>
-          <a:ext cx="5304960" cy="4947480"/>
-        </p:xfrm>
-        <a:graphic>
-          <a:graphicData uri="http://schemas.openxmlformats.org/drawingml/2006/table">
-            <a:tbl>
-              <a:tblPr/>
-              <a:tblGrid>
-                <a:gridCol w="2652480"/>
-                <a:gridCol w="2652480"/>
-              </a:tblGrid>
-              <a:tr h="618120">
-                <a:tc>
-                  <a:tcPr marL="91440" marR="91440">
-                    <a:lnL w="12240">
-                      <a:solidFill>
-                        <a:srgbClr val="ffffff"/>
-                      </a:solidFill>
-                    </a:lnL>
-                    <a:lnR w="12240">
-                      <a:solidFill>
-                        <a:srgbClr val="ffffff"/>
-                      </a:solidFill>
-                    </a:lnR>
-                    <a:lnT w="12240">
-                      <a:solidFill>
-                        <a:srgbClr val="ffffff"/>
-                      </a:solidFill>
-                    </a:lnT>
-                    <a:lnB w="38160">
-                      <a:solidFill>
-                        <a:srgbClr val="ffffff"/>
-                      </a:solidFill>
-                    </a:lnB>
-                    <a:solidFill>
-                      <a:srgbClr val="5b9bd5"/>
-                    </a:solidFill>
-                  </a:tcPr>
-                </a:tc>
-                <a:tc>
-                  <a:tcPr marL="91440" marR="91440">
-                    <a:lnL w="12240">
-                      <a:solidFill>
-                        <a:srgbClr val="ffffff"/>
-                      </a:solidFill>
-                    </a:lnL>
-                    <a:lnR w="12240">
-                      <a:solidFill>
-                        <a:srgbClr val="ffffff"/>
-                      </a:solidFill>
-                    </a:lnR>
-                    <a:lnT w="12240">
-                      <a:solidFill>
-                        <a:srgbClr val="ffffff"/>
-                      </a:solidFill>
-                    </a:lnT>
-                    <a:lnB w="38160">
-                      <a:solidFill>
-                        <a:srgbClr val="ffffff"/>
-                      </a:solidFill>
-                    </a:lnB>
-                    <a:solidFill>
-                      <a:srgbClr val="5b9bd5"/>
-                    </a:solidFill>
-                  </a:tcPr>
-                </a:tc>
-              </a:tr>
-              <a:tr h="618120">
-                <a:tc>
-                  <a:tcPr marL="91440" marR="91440">
-                    <a:lnL w="12240">
-                      <a:solidFill>
-                        <a:srgbClr val="ffffff"/>
-                      </a:solidFill>
-                    </a:lnL>
-                    <a:lnR w="12240">
-                      <a:solidFill>
-                        <a:srgbClr val="ffffff"/>
-                      </a:solidFill>
-                    </a:lnR>
-                    <a:lnT w="12240">
-                      <a:solidFill>
-                        <a:srgbClr val="ffffff"/>
-                      </a:solidFill>
-                    </a:lnT>
-                    <a:lnB w="12240">
-                      <a:solidFill>
-                        <a:srgbClr val="ffffff"/>
-                      </a:solidFill>
-                    </a:lnB>
-                    <a:solidFill>
-                      <a:srgbClr val="d1deef"/>
-                    </a:solidFill>
-                  </a:tcPr>
-                </a:tc>
-                <a:tc>
-                  <a:txBody>
-                    <a:bodyPr>
-                      <a:noAutofit/>
-                    </a:bodyPr>
-                    <a:p>
-                      <a:pPr>
-                        <a:lnSpc>
-                          <a:spcPct val="100000"/>
-                        </a:lnSpc>
-                      </a:pPr>
-                      <a:r>
-                        <a:rPr b="0" lang="fr-FR" sz="1800" spc="-1" strike="noStrike">
-                          <a:solidFill>
-                            <a:srgbClr val="000000"/>
-                          </a:solidFill>
-                          <a:latin typeface="Calibri"/>
-                        </a:rPr>
-                        <a:t>Nombre d’acteurs croissants</a:t>
-                      </a:r>
-                      <a:endParaRPr b="0" lang="fr-FR" sz="1800" spc="-1" strike="noStrike">
-                        <a:latin typeface="Arial"/>
-                      </a:endParaRPr>
-                    </a:p>
-                  </a:txBody>
-                  <a:tcPr marL="91440" marR="91440">
-                    <a:lnL w="12240">
-                      <a:solidFill>
-                        <a:srgbClr val="ffffff"/>
-                      </a:solidFill>
-                    </a:lnL>
-                    <a:lnR w="12240">
-                      <a:solidFill>
-                        <a:srgbClr val="ffffff"/>
-                      </a:solidFill>
-                    </a:lnR>
-                    <a:lnT w="12240">
-                      <a:solidFill>
-                        <a:srgbClr val="ffffff"/>
-                      </a:solidFill>
-                    </a:lnT>
-                    <a:lnB w="12240">
-                      <a:solidFill>
-                        <a:srgbClr val="ffffff"/>
-                      </a:solidFill>
-                    </a:lnB>
-                    <a:solidFill>
-                      <a:srgbClr val="d1deef"/>
-                    </a:solidFill>
-                  </a:tcPr>
-                </a:tc>
-              </a:tr>
-              <a:tr h="618120">
-                <a:tc>
-                  <a:txBody>
-                    <a:bodyPr>
-                      <a:noAutofit/>
-                    </a:bodyPr>
-                    <a:p>
-                      <a:pPr>
-                        <a:lnSpc>
-                          <a:spcPct val="100000"/>
-                        </a:lnSpc>
-                      </a:pPr>
-                      <a:r>
-                        <a:rPr b="0" lang="fr-FR" sz="1800" spc="-1" strike="noStrike">
-                          <a:solidFill>
-                            <a:srgbClr val="000000"/>
-                          </a:solidFill>
-                          <a:latin typeface="Calibri"/>
-                        </a:rPr>
-                        <a:t>Marché émergent</a:t>
-                      </a:r>
-                      <a:endParaRPr b="0" lang="fr-FR" sz="1800" spc="-1" strike="noStrike">
-                        <a:latin typeface="Arial"/>
-                      </a:endParaRPr>
-                    </a:p>
-                  </a:txBody>
-                  <a:tcPr marL="91440" marR="91440">
-                    <a:lnL w="12240">
-                      <a:solidFill>
-                        <a:srgbClr val="ffffff"/>
-                      </a:solidFill>
-                    </a:lnL>
-                    <a:lnR w="12240">
-                      <a:solidFill>
-                        <a:srgbClr val="ffffff"/>
-                      </a:solidFill>
-                    </a:lnR>
-                    <a:lnT w="12240">
-                      <a:solidFill>
-                        <a:srgbClr val="ffffff"/>
-                      </a:solidFill>
-                    </a:lnT>
-                    <a:lnB w="12240">
-                      <a:solidFill>
-                        <a:srgbClr val="ffffff"/>
-                      </a:solidFill>
-                    </a:lnB>
-                    <a:solidFill>
-                      <a:srgbClr val="e9eff7"/>
-                    </a:solidFill>
-                  </a:tcPr>
-                </a:tc>
-                <a:tc>
-                  <a:tcPr marL="91440" marR="91440">
-                    <a:lnL w="12240">
-                      <a:solidFill>
-                        <a:srgbClr val="ffffff"/>
-                      </a:solidFill>
-                    </a:lnL>
-                    <a:lnR w="12240">
-                      <a:solidFill>
-                        <a:srgbClr val="ffffff"/>
-                      </a:solidFill>
-                    </a:lnR>
-                    <a:lnT w="12240">
-                      <a:solidFill>
-                        <a:srgbClr val="ffffff"/>
-                      </a:solidFill>
-                    </a:lnT>
-                    <a:lnB w="12240">
-                      <a:solidFill>
-                        <a:srgbClr val="ffffff"/>
-                      </a:solidFill>
-                    </a:lnB>
-                    <a:solidFill>
-                      <a:srgbClr val="e9eff7"/>
-                    </a:solidFill>
-                  </a:tcPr>
-                </a:tc>
-              </a:tr>
-              <a:tr h="618120">
-                <a:tc>
-                  <a:txBody>
-                    <a:bodyPr>
-                      <a:noAutofit/>
-                    </a:bodyPr>
-                    <a:p>
-                      <a:pPr>
-                        <a:lnSpc>
-                          <a:spcPct val="100000"/>
-                        </a:lnSpc>
-                      </a:pPr>
-                      <a:r>
-                        <a:rPr b="0" lang="fr-FR" sz="1800" spc="-1" strike="noStrike">
-                          <a:solidFill>
-                            <a:srgbClr val="000000"/>
-                          </a:solidFill>
-                          <a:latin typeface="Calibri"/>
-                        </a:rPr>
-                        <a:t>Solutions novatrices et inédites</a:t>
-                      </a:r>
-                      <a:endParaRPr b="0" lang="fr-FR" sz="1800" spc="-1" strike="noStrike">
-                        <a:latin typeface="Arial"/>
-                      </a:endParaRPr>
-                    </a:p>
-                  </a:txBody>
-                  <a:tcPr marL="91440" marR="91440">
-                    <a:lnL w="12240">
-                      <a:solidFill>
-                        <a:srgbClr val="ffffff"/>
-                      </a:solidFill>
-                    </a:lnL>
-                    <a:lnR w="12240">
-                      <a:solidFill>
-                        <a:srgbClr val="ffffff"/>
-                      </a:solidFill>
-                    </a:lnR>
-                    <a:lnT w="12240">
-                      <a:solidFill>
-                        <a:srgbClr val="ffffff"/>
-                      </a:solidFill>
-                    </a:lnT>
-                    <a:lnB w="12240">
-                      <a:solidFill>
-                        <a:srgbClr val="ffffff"/>
-                      </a:solidFill>
-                    </a:lnB>
-                    <a:solidFill>
-                      <a:srgbClr val="d1deef"/>
-                    </a:solidFill>
-                  </a:tcPr>
-                </a:tc>
-                <a:tc>
-                  <a:tcPr marL="91440" marR="91440">
-                    <a:lnL w="12240">
-                      <a:solidFill>
-                        <a:srgbClr val="ffffff"/>
-                      </a:solidFill>
-                    </a:lnL>
-                    <a:lnR w="12240">
-                      <a:solidFill>
-                        <a:srgbClr val="ffffff"/>
-                      </a:solidFill>
-                    </a:lnR>
-                    <a:lnT w="12240">
-                      <a:solidFill>
-                        <a:srgbClr val="ffffff"/>
-                      </a:solidFill>
-                    </a:lnT>
-                    <a:lnB w="12240">
-                      <a:solidFill>
-                        <a:srgbClr val="ffffff"/>
-                      </a:solidFill>
-                    </a:lnB>
-                    <a:solidFill>
-                      <a:srgbClr val="d1deef"/>
-                    </a:solidFill>
-                  </a:tcPr>
-                </a:tc>
-              </a:tr>
-              <a:tr h="618120">
-                <a:tc>
-                  <a:tcPr marL="91440" marR="91440">
-                    <a:lnL w="12240">
-                      <a:solidFill>
-                        <a:srgbClr val="ffffff"/>
-                      </a:solidFill>
-                    </a:lnL>
-                    <a:lnR w="12240">
-                      <a:solidFill>
-                        <a:srgbClr val="ffffff"/>
-                      </a:solidFill>
-                    </a:lnR>
-                    <a:lnT w="12240">
-                      <a:solidFill>
-                        <a:srgbClr val="ffffff"/>
-                      </a:solidFill>
-                    </a:lnT>
-                    <a:lnB w="12240">
-                      <a:solidFill>
-                        <a:srgbClr val="ffffff"/>
-                      </a:solidFill>
-                    </a:lnB>
-                    <a:solidFill>
-                      <a:srgbClr val="e9eff7"/>
-                    </a:solidFill>
-                  </a:tcPr>
-                </a:tc>
-                <a:tc>
-                  <a:txBody>
-                    <a:bodyPr>
-                      <a:noAutofit/>
-                    </a:bodyPr>
-                    <a:p>
-                      <a:pPr>
-                        <a:lnSpc>
-                          <a:spcPct val="100000"/>
-                        </a:lnSpc>
-                      </a:pPr>
-                      <a:r>
-                        <a:rPr b="0" lang="fr-FR" sz="1800" spc="-1" strike="noStrike">
-                          <a:solidFill>
-                            <a:srgbClr val="000000"/>
-                          </a:solidFill>
-                          <a:latin typeface="Calibri"/>
-                        </a:rPr>
-                        <a:t>Réactivité du marché</a:t>
-                      </a:r>
-                      <a:endParaRPr b="0" lang="fr-FR" sz="1800" spc="-1" strike="noStrike">
-                        <a:latin typeface="Arial"/>
-                      </a:endParaRPr>
-                    </a:p>
-                  </a:txBody>
-                  <a:tcPr marL="91440" marR="91440">
-                    <a:lnL w="12240">
-                      <a:solidFill>
-                        <a:srgbClr val="ffffff"/>
-                      </a:solidFill>
-                    </a:lnL>
-                    <a:lnR w="12240">
-                      <a:solidFill>
-                        <a:srgbClr val="ffffff"/>
-                      </a:solidFill>
-                    </a:lnR>
-                    <a:lnT w="12240">
-                      <a:solidFill>
-                        <a:srgbClr val="ffffff"/>
-                      </a:solidFill>
-                    </a:lnT>
-                    <a:lnB w="12240">
-                      <a:solidFill>
-                        <a:srgbClr val="ffffff"/>
-                      </a:solidFill>
-                    </a:lnB>
-                    <a:solidFill>
-                      <a:srgbClr val="e9eff7"/>
-                    </a:solidFill>
-                  </a:tcPr>
-                </a:tc>
-              </a:tr>
-              <a:tr h="618120">
-                <a:tc>
-                  <a:txBody>
-                    <a:bodyPr>
-                      <a:noAutofit/>
-                    </a:bodyPr>
-                    <a:p>
-                      <a:pPr>
-                        <a:lnSpc>
-                          <a:spcPct val="100000"/>
-                        </a:lnSpc>
-                      </a:pPr>
-                      <a:r>
-                        <a:rPr b="0" lang="fr-FR" sz="1800" spc="-1" strike="noStrike">
-                          <a:solidFill>
-                            <a:srgbClr val="000000"/>
-                          </a:solidFill>
-                          <a:latin typeface="Calibri"/>
-                        </a:rPr>
-                        <a:t>Marché demandeur à la croissance exponentielle</a:t>
-                      </a:r>
-                      <a:endParaRPr b="0" lang="fr-FR" sz="1800" spc="-1" strike="noStrike">
-                        <a:latin typeface="Arial"/>
-                      </a:endParaRPr>
-                    </a:p>
-                  </a:txBody>
-                  <a:tcPr marL="91440" marR="91440">
-                    <a:lnL w="12240">
-                      <a:solidFill>
-                        <a:srgbClr val="ffffff"/>
-                      </a:solidFill>
-                    </a:lnL>
-                    <a:lnR w="12240">
-                      <a:solidFill>
-                        <a:srgbClr val="ffffff"/>
-                      </a:solidFill>
-                    </a:lnR>
-                    <a:lnT w="12240">
-                      <a:solidFill>
-                        <a:srgbClr val="ffffff"/>
-                      </a:solidFill>
-                    </a:lnT>
-                    <a:lnB w="12240">
-                      <a:solidFill>
-                        <a:srgbClr val="ffffff"/>
-                      </a:solidFill>
-                    </a:lnB>
-                    <a:solidFill>
-                      <a:srgbClr val="d1deef"/>
-                    </a:solidFill>
-                  </a:tcPr>
-                </a:tc>
-                <a:tc>
-                  <a:tcPr marL="91440" marR="91440">
-                    <a:lnL w="12240">
-                      <a:solidFill>
-                        <a:srgbClr val="ffffff"/>
-                      </a:solidFill>
-                    </a:lnL>
-                    <a:lnR w="12240">
-                      <a:solidFill>
-                        <a:srgbClr val="ffffff"/>
-                      </a:solidFill>
-                    </a:lnR>
-                    <a:lnT w="12240">
-                      <a:solidFill>
-                        <a:srgbClr val="ffffff"/>
-                      </a:solidFill>
-                    </a:lnT>
-                    <a:lnB w="12240">
-                      <a:solidFill>
-                        <a:srgbClr val="ffffff"/>
-                      </a:solidFill>
-                    </a:lnB>
-                    <a:solidFill>
-                      <a:srgbClr val="d1deef"/>
-                    </a:solidFill>
-                  </a:tcPr>
-                </a:tc>
-              </a:tr>
-              <a:tr h="618120">
-                <a:tc>
-                  <a:tcPr marL="91440" marR="91440">
-                    <a:lnL w="12240">
-                      <a:solidFill>
-                        <a:srgbClr val="ffffff"/>
-                      </a:solidFill>
-                    </a:lnL>
-                    <a:lnR w="12240">
-                      <a:solidFill>
-                        <a:srgbClr val="ffffff"/>
-                      </a:solidFill>
-                    </a:lnR>
-                    <a:lnT w="12240">
-                      <a:solidFill>
-                        <a:srgbClr val="ffffff"/>
-                      </a:solidFill>
-                    </a:lnT>
-                    <a:lnB w="12240">
-                      <a:solidFill>
-                        <a:srgbClr val="ffffff"/>
-                      </a:solidFill>
-                    </a:lnB>
-                    <a:solidFill>
-                      <a:srgbClr val="e9eff7"/>
-                    </a:solidFill>
-                  </a:tcPr>
-                </a:tc>
-                <a:tc>
-                  <a:txBody>
-                    <a:bodyPr>
-                      <a:noAutofit/>
-                    </a:bodyPr>
-                    <a:p>
-                      <a:pPr>
-                        <a:lnSpc>
-                          <a:spcPct val="100000"/>
-                        </a:lnSpc>
-                      </a:pPr>
-                      <a:r>
-                        <a:rPr b="0" lang="fr-FR" sz="1800" spc="-1" strike="noStrike">
-                          <a:solidFill>
-                            <a:srgbClr val="000000"/>
-                          </a:solidFill>
-                          <a:latin typeface="Calibri"/>
-                        </a:rPr>
-                        <a:t>Mise en place longue et coûteuse</a:t>
-                      </a:r>
-                      <a:endParaRPr b="0" lang="fr-FR" sz="1800" spc="-1" strike="noStrike">
-                        <a:latin typeface="Arial"/>
-                      </a:endParaRPr>
-                    </a:p>
-                  </a:txBody>
-                  <a:tcPr marL="91440" marR="91440">
-                    <a:lnL w="12240">
-                      <a:solidFill>
-                        <a:srgbClr val="ffffff"/>
-                      </a:solidFill>
-                    </a:lnL>
-                    <a:lnR w="12240">
-                      <a:solidFill>
-                        <a:srgbClr val="ffffff"/>
-                      </a:solidFill>
-                    </a:lnR>
-                    <a:lnT w="12240">
-                      <a:solidFill>
-                        <a:srgbClr val="ffffff"/>
-                      </a:solidFill>
-                    </a:lnT>
-                    <a:lnB w="12240">
-                      <a:solidFill>
-                        <a:srgbClr val="ffffff"/>
-                      </a:solidFill>
-                    </a:lnB>
-                    <a:solidFill>
-                      <a:srgbClr val="e9eff7"/>
-                    </a:solidFill>
-                  </a:tcPr>
-                </a:tc>
-              </a:tr>
-              <a:tr h="620640">
-                <a:tc>
-                  <a:txBody>
-                    <a:bodyPr>
-                      <a:noAutofit/>
-                    </a:bodyPr>
-                    <a:p>
-                      <a:pPr>
-                        <a:lnSpc>
-                          <a:spcPct val="100000"/>
-                        </a:lnSpc>
-                      </a:pPr>
-                      <a:r>
-                        <a:rPr b="0" lang="fr-FR" sz="1800" spc="-1" strike="noStrike">
-                          <a:solidFill>
-                            <a:srgbClr val="000000"/>
-                          </a:solidFill>
-                          <a:latin typeface="Calibri"/>
-                        </a:rPr>
-                        <a:t>Augmentation du choix des voyagistes</a:t>
-                      </a:r>
-                      <a:endParaRPr b="0" lang="fr-FR" sz="1800" spc="-1" strike="noStrike">
-                        <a:latin typeface="Arial"/>
-                      </a:endParaRPr>
-                    </a:p>
-                  </a:txBody>
-                  <a:tcPr marL="91440" marR="91440">
-                    <a:lnL w="12240">
-                      <a:solidFill>
-                        <a:srgbClr val="ffffff"/>
-                      </a:solidFill>
-                    </a:lnL>
-                    <a:lnR w="12240">
-                      <a:solidFill>
-                        <a:srgbClr val="ffffff"/>
-                      </a:solidFill>
-                    </a:lnR>
-                    <a:lnT w="12240">
-                      <a:solidFill>
-                        <a:srgbClr val="ffffff"/>
-                      </a:solidFill>
-                    </a:lnT>
-                    <a:lnB w="12240">
-                      <a:solidFill>
-                        <a:srgbClr val="ffffff"/>
-                      </a:solidFill>
-                    </a:lnB>
-                    <a:solidFill>
-                      <a:srgbClr val="d1deef"/>
-                    </a:solidFill>
-                  </a:tcPr>
-                </a:tc>
-                <a:tc>
-                  <a:tcPr marL="91440" marR="91440">
-                    <a:lnL w="12240">
-                      <a:solidFill>
-                        <a:srgbClr val="ffffff"/>
-                      </a:solidFill>
-                    </a:lnL>
-                    <a:lnR w="12240">
-                      <a:solidFill>
-                        <a:srgbClr val="ffffff"/>
-                      </a:solidFill>
-                    </a:lnR>
-                    <a:lnT w="12240">
-                      <a:solidFill>
-                        <a:srgbClr val="ffffff"/>
-                      </a:solidFill>
-                    </a:lnT>
-                    <a:lnB w="12240">
-                      <a:solidFill>
-                        <a:srgbClr val="ffffff"/>
-                      </a:solidFill>
-                    </a:lnB>
-                    <a:solidFill>
-                      <a:srgbClr val="d1deef"/>
-                    </a:solidFill>
-                  </a:tcPr>
-                </a:tc>
-              </a:tr>
-            </a:tbl>
-          </a:graphicData>
-        </a:graphic>
-      </p:graphicFrame>
-      <p:sp>
-        <p:nvSpPr>
-          <p:cNvPr id="179" name="CustomShape 5"/>
-          <p:cNvSpPr/>
-          <p:nvPr/>
-        </p:nvSpPr>
-        <p:spPr>
-          <a:xfrm>
-            <a:off x="7095600" y="851760"/>
-            <a:ext cx="600840" cy="513360"/>
-          </a:xfrm>
-          <a:prstGeom prst="mathPlus">
-            <a:avLst>
-              <a:gd name="adj1" fmla="val 23520"/>
-            </a:avLst>
-          </a:prstGeom>
-          <a:solidFill>
-            <a:schemeClr val="accent6"/>
-          </a:solidFill>
-          <a:ln/>
-        </p:spPr>
-        <p:style>
-          <a:lnRef idx="2">
-            <a:schemeClr val="accent1">
-              <a:shade val="50000"/>
-            </a:schemeClr>
-          </a:lnRef>
-          <a:fillRef idx="1">
-            <a:schemeClr val="accent1"/>
-          </a:fillRef>
-          <a:effectRef idx="0">
-            <a:schemeClr val="accent1"/>
-          </a:effectRef>
-          <a:fontRef idx="minor"/>
-        </p:style>
-      </p:sp>
-      <p:sp>
-        <p:nvSpPr>
-          <p:cNvPr id="180" name="CustomShape 6"/>
-          <p:cNvSpPr/>
-          <p:nvPr/>
-        </p:nvSpPr>
-        <p:spPr>
-          <a:xfrm>
-            <a:off x="9729360" y="864360"/>
-            <a:ext cx="600840" cy="488160"/>
-          </a:xfrm>
-          <a:prstGeom prst="mathMinus">
-            <a:avLst>
-              <a:gd name="adj1" fmla="val 23520"/>
-            </a:avLst>
-          </a:prstGeom>
-          <a:solidFill>
-            <a:srgbClr val="ff0000"/>
-          </a:solidFill>
-          <a:ln/>
-        </p:spPr>
-        <p:style>
-          <a:lnRef idx="2">
-            <a:schemeClr val="accent1">
-              <a:shade val="50000"/>
-            </a:schemeClr>
-          </a:lnRef>
-          <a:fillRef idx="1">
-            <a:schemeClr val="accent1"/>
-          </a:fillRef>
-          <a:effectRef idx="0">
-            <a:schemeClr val="accent1"/>
-          </a:effectRef>
-          <a:fontRef idx="minor"/>
-        </p:style>
+        </p:nvSpPr>
+        <p:spPr>
+          <a:xfrm>
+            <a:off x="6090480" y="801720"/>
+            <a:ext cx="5305680" cy="5230440"/>
+          </a:xfrm>
+          <a:prstGeom prst="rect">
+            <a:avLst/>
+          </a:prstGeom>
+          <a:noFill/>
+          <a:ln>
+            <a:noFill/>
+          </a:ln>
+        </p:spPr>
+        <p:txBody>
+          <a:bodyPr anchor="ctr">
+            <a:normAutofit/>
+          </a:bodyPr>
+          <a:p>
+            <a:pPr>
+              <a:lnSpc>
+                <a:spcPct val="90000"/>
+              </a:lnSpc>
+              <a:spcBef>
+                <a:spcPts val="1001"/>
+              </a:spcBef>
+            </a:pPr>
+            <a:r>
+              <a:rPr b="0" lang="en-US" sz="2400" spc="-1" strike="noStrike">
+                <a:solidFill>
+                  <a:srgbClr val="5b9bd5"/>
+                </a:solidFill>
+                <a:latin typeface="Calibri"/>
+              </a:rPr>
+              <a:t>C’est quoi ?</a:t>
+            </a:r>
+            <a:endParaRPr b="0" lang="en-US" sz="2400" spc="-1" strike="noStrike">
+              <a:solidFill>
+                <a:srgbClr val="000000"/>
+              </a:solidFill>
+              <a:latin typeface="Calibri"/>
+            </a:endParaRPr>
+          </a:p>
+          <a:p>
+            <a:pPr>
+              <a:lnSpc>
+                <a:spcPct val="90000"/>
+              </a:lnSpc>
+              <a:spcBef>
+                <a:spcPts val="1001"/>
+              </a:spcBef>
+            </a:pPr>
+            <a:r>
+              <a:rPr b="0" lang="en-US" sz="2000" spc="-1" strike="noStrike">
+                <a:solidFill>
+                  <a:srgbClr val="a5a5a5"/>
+                </a:solidFill>
+                <a:latin typeface="Calibri"/>
+              </a:rPr>
+              <a:t>Intellwer est un progiciel de gestion intégré (PGI).</a:t>
+            </a:r>
+            <a:endParaRPr b="0" lang="en-US" sz="2000" spc="-1" strike="noStrike">
+              <a:solidFill>
+                <a:srgbClr val="000000"/>
+              </a:solidFill>
+              <a:latin typeface="Calibri"/>
+            </a:endParaRPr>
+          </a:p>
+          <a:p>
+            <a:pPr>
+              <a:lnSpc>
+                <a:spcPct val="90000"/>
+              </a:lnSpc>
+              <a:spcBef>
+                <a:spcPts val="1001"/>
+              </a:spcBef>
+            </a:pPr>
+            <a:r>
+              <a:rPr b="0" lang="en-US" sz="2400" spc="-1" strike="noStrike">
+                <a:solidFill>
+                  <a:srgbClr val="5b9bd5"/>
+                </a:solidFill>
+                <a:latin typeface="Calibri"/>
+              </a:rPr>
+              <a:t>A quoi cela sert-il ?</a:t>
+            </a:r>
+            <a:endParaRPr b="0" lang="en-US" sz="2400" spc="-1" strike="noStrike">
+              <a:solidFill>
+                <a:srgbClr val="000000"/>
+              </a:solidFill>
+              <a:latin typeface="Calibri"/>
+            </a:endParaRPr>
+          </a:p>
+          <a:p>
+            <a:pPr>
+              <a:lnSpc>
+                <a:spcPct val="90000"/>
+              </a:lnSpc>
+              <a:spcBef>
+                <a:spcPts val="1001"/>
+              </a:spcBef>
+            </a:pPr>
+            <a:r>
+              <a:rPr b="0" lang="en-US" sz="2000" spc="-1" strike="noStrike">
+                <a:solidFill>
+                  <a:srgbClr val="a5a5a5"/>
+                </a:solidFill>
+                <a:latin typeface="Calibri"/>
+              </a:rPr>
+              <a:t>Pour centraliser toutes les données d’un voyage dans un même dossier et fluidifier les échanges entre les services administratif et les vendeurs.</a:t>
+            </a:r>
+            <a:endParaRPr b="0" lang="en-US" sz="2000" spc="-1" strike="noStrike">
+              <a:solidFill>
+                <a:srgbClr val="000000"/>
+              </a:solidFill>
+              <a:latin typeface="Calibri"/>
+            </a:endParaRPr>
+          </a:p>
+          <a:p>
+            <a:pPr>
+              <a:lnSpc>
+                <a:spcPct val="90000"/>
+              </a:lnSpc>
+              <a:spcBef>
+                <a:spcPts val="1001"/>
+              </a:spcBef>
+            </a:pPr>
+            <a:r>
+              <a:rPr b="0" lang="en-US" sz="2000" spc="-1" strike="noStrike">
+                <a:solidFill>
+                  <a:srgbClr val="a5a5a5"/>
+                </a:solidFill>
+                <a:latin typeface="Calibri"/>
+              </a:rPr>
+              <a:t>Accompagner les agences de voyages dans leurs démarche de réservation et automatisation du processus paiement.</a:t>
+            </a:r>
+            <a:endParaRPr b="0" lang="en-US" sz="2000" spc="-1" strike="noStrike">
+              <a:solidFill>
+                <a:srgbClr val="000000"/>
+              </a:solidFill>
+              <a:latin typeface="Calibri"/>
+            </a:endParaRPr>
+          </a:p>
+          <a:p>
+            <a:pPr>
+              <a:lnSpc>
+                <a:spcPct val="90000"/>
+              </a:lnSpc>
+              <a:spcBef>
+                <a:spcPts val="1001"/>
+              </a:spcBef>
+            </a:pPr>
+            <a:r>
+              <a:rPr b="0" lang="en-US" sz="2400" spc="-1" strike="noStrike">
+                <a:solidFill>
+                  <a:srgbClr val="5b9bd5"/>
+                </a:solidFill>
+                <a:latin typeface="Calibri"/>
+              </a:rPr>
+              <a:t>Pour qui ?</a:t>
+            </a:r>
+            <a:endParaRPr b="0" lang="en-US" sz="2400" spc="-1" strike="noStrike">
+              <a:solidFill>
+                <a:srgbClr val="000000"/>
+              </a:solidFill>
+              <a:latin typeface="Calibri"/>
+            </a:endParaRPr>
+          </a:p>
+          <a:p>
+            <a:pPr>
+              <a:lnSpc>
+                <a:spcPct val="90000"/>
+              </a:lnSpc>
+              <a:spcBef>
+                <a:spcPts val="1001"/>
+              </a:spcBef>
+            </a:pPr>
+            <a:r>
+              <a:rPr b="0" lang="en-US" sz="2000" spc="-1" strike="noStrike">
+                <a:solidFill>
+                  <a:srgbClr val="a5a5a5"/>
+                </a:solidFill>
+                <a:latin typeface="Calibri"/>
+              </a:rPr>
+              <a:t>Idéal pour les</a:t>
+            </a:r>
+            <a:r>
+              <a:rPr b="0" lang="en-US" sz="2000" spc="-1" strike="noStrike">
+                <a:solidFill>
+                  <a:srgbClr val="000000"/>
+                </a:solidFill>
+                <a:latin typeface="Calibri"/>
+              </a:rPr>
+              <a:t> </a:t>
+            </a:r>
+            <a:r>
+              <a:rPr b="1" lang="en-US" sz="2000" spc="-1" strike="noStrike">
+                <a:solidFill>
+                  <a:srgbClr val="c55a11"/>
+                </a:solidFill>
+                <a:latin typeface="Calibri"/>
+              </a:rPr>
+              <a:t>tour-opérateurs</a:t>
+            </a:r>
+            <a:r>
+              <a:rPr b="0" lang="en-US" sz="2000" spc="-1" strike="noStrike">
+                <a:solidFill>
+                  <a:srgbClr val="000000"/>
+                </a:solidFill>
+                <a:latin typeface="Calibri"/>
+              </a:rPr>
+              <a:t> </a:t>
+            </a:r>
+            <a:r>
+              <a:rPr b="0" lang="en-US" sz="2000" spc="-1" strike="noStrike">
+                <a:solidFill>
+                  <a:srgbClr val="a5a5a5"/>
+                </a:solidFill>
+                <a:latin typeface="Calibri"/>
+              </a:rPr>
+              <a:t>ou les</a:t>
+            </a:r>
+            <a:r>
+              <a:rPr b="0" lang="en-US" sz="2000" spc="-1" strike="noStrike">
+                <a:solidFill>
+                  <a:srgbClr val="000000"/>
+                </a:solidFill>
+                <a:latin typeface="Calibri"/>
+              </a:rPr>
+              <a:t> </a:t>
+            </a:r>
+            <a:r>
+              <a:rPr b="1" lang="en-US" sz="2000" spc="-1" strike="noStrike">
+                <a:solidFill>
+                  <a:srgbClr val="c55a11"/>
+                </a:solidFill>
+                <a:latin typeface="Calibri"/>
+              </a:rPr>
+              <a:t>agences de voyages</a:t>
+            </a:r>
+            <a:r>
+              <a:rPr b="0" lang="en-US" sz="2000" spc="-1" strike="noStrike">
+                <a:solidFill>
+                  <a:srgbClr val="000000"/>
+                </a:solidFill>
+                <a:latin typeface="Calibri"/>
+              </a:rPr>
+              <a:t> </a:t>
+            </a:r>
+            <a:r>
+              <a:rPr b="0" lang="en-US" sz="2000" spc="-1" strike="noStrike">
+                <a:solidFill>
+                  <a:srgbClr val="a5a5a5"/>
+                </a:solidFill>
+                <a:latin typeface="Calibri"/>
+              </a:rPr>
+              <a:t>dans la vente et la gestion de leurs dossiers loisirs.</a:t>
+            </a:r>
+            <a:endParaRPr b="0" lang="en-US" sz="2000" spc="-1" strike="noStrike">
+              <a:solidFill>
+                <a:srgbClr val="000000"/>
+              </a:solidFill>
+              <a:latin typeface="Calibri"/>
+            </a:endParaRPr>
+          </a:p>
+        </p:txBody>
       </p:sp>
       <p:pic>
         <p:nvPicPr>
-          <p:cNvPr id="181" name="Image 9" descr=""/>
+          <p:cNvPr id="187" name="Image 6" descr=""/>
           <p:cNvPicPr/>
           <p:nvPr/>
         </p:nvPicPr>
@@ -14157,8 +16877,8 @@
         </p:blipFill>
         <p:spPr>
           <a:xfrm>
-            <a:off x="8967960" y="5973120"/>
-            <a:ext cx="2428560" cy="768960"/>
+            <a:off x="9571320" y="5824440"/>
+            <a:ext cx="2428560" cy="842400"/>
           </a:xfrm>
           <a:prstGeom prst="rect">
             <a:avLst/>
@@ -14207,7 +16927,7 @@
       </p:grpSpPr>
       <p:sp>
         <p:nvSpPr>
-          <p:cNvPr id="182" name="CustomShape 1"/>
+          <p:cNvPr id="188" name="CustomShape 1"/>
           <p:cNvSpPr/>
           <p:nvPr/>
         </p:nvSpPr>
@@ -14246,7 +16966,7 @@
       </p:sp>
       <p:sp>
         <p:nvSpPr>
-          <p:cNvPr id="183" name="TextShape 2"/>
+          <p:cNvPr id="189" name="TextShape 2"/>
           <p:cNvSpPr txBox="1"/>
           <p:nvPr/>
         </p:nvSpPr>
@@ -14265,7 +16985,7 @@
         </p:spPr>
         <p:txBody>
           <a:bodyPr anchor="b">
-            <a:normAutofit/>
+            <a:normAutofit fontScale="71000"/>
           </a:bodyPr>
           <a:p>
             <a:pPr>
@@ -14280,7 +17000,7 @@
                 </a:solidFill>
                 <a:latin typeface="Calibri Light"/>
               </a:rPr>
-              <a:t>Stratégie </a:t>
+              <a:t>Environnement </a:t>
             </a:r>
             <a:endParaRPr b="0" lang="en-US" sz="6000" spc="-1" strike="noStrike">
               <a:solidFill>
@@ -14293,7 +17013,7 @@
       </p:sp>
       <p:sp>
         <p:nvSpPr>
-          <p:cNvPr id="184" name="CustomShape 3"/>
+          <p:cNvPr id="190" name="CustomShape 3"/>
           <p:cNvSpPr/>
           <p:nvPr/>
         </p:nvSpPr>
@@ -14364,7 +17084,7 @@
       </p:sp>
       <p:sp>
         <p:nvSpPr>
-          <p:cNvPr id="185" name="CustomShape 4"/>
+          <p:cNvPr id="191" name="CustomShape 4"/>
           <p:cNvSpPr/>
           <p:nvPr/>
         </p:nvSpPr>
@@ -14433,7 +17153,7 @@
       </p:sp>
       <p:pic>
         <p:nvPicPr>
-          <p:cNvPr id="186" name="Image 6" descr=""/>
+          <p:cNvPr id="192" name="Image 6" descr=""/>
           <p:cNvPicPr/>
           <p:nvPr/>
         </p:nvPicPr>
@@ -14456,7 +17176,7 @@
       </p:pic>
       <p:pic>
         <p:nvPicPr>
-          <p:cNvPr id="187" name="Image 8" descr=""/>
+          <p:cNvPr id="193" name="Image 8" descr=""/>
           <p:cNvPicPr/>
           <p:nvPr/>
         </p:nvPicPr>
@@ -14490,34 +17210,34 @@
   <p:timing>
     <p:tnLst>
       <p:par>
-        <p:cTn id="23" dur="indefinite" restart="never" nodeType="tmRoot">
+        <p:cTn id="19" dur="indefinite" restart="never" nodeType="tmRoot">
           <p:childTnLst>
             <p:seq>
-              <p:cTn id="24" dur="indefinite" nodeType="mainSeq">
+              <p:cTn id="20" dur="indefinite" nodeType="mainSeq">
                 <p:childTnLst>
                   <p:par>
-                    <p:cTn id="25" fill="hold">
+                    <p:cTn id="21" fill="hold">
                       <p:stCondLst>
                         <p:cond delay="indefinite"/>
                       </p:stCondLst>
                       <p:childTnLst>
                         <p:par>
-                          <p:cTn id="26" fill="hold">
+                          <p:cTn id="22" fill="hold">
                             <p:stCondLst>
                               <p:cond delay="0"/>
                             </p:stCondLst>
                             <p:childTnLst>
                               <p:par>
-                                <p:cTn id="27" nodeType="clickEffect" fill="hold" presetClass="emph" presetID="26">
+                                <p:cTn id="23" nodeType="clickEffect" fill="hold" presetClass="emph" presetID="26">
                                   <p:stCondLst>
                                     <p:cond delay="0"/>
                                   </p:stCondLst>
                                   <p:childTnLst>
                                     <p:animEffect filter="fade" transition="out">
                                       <p:cBhvr additive="repl">
-                                        <p:cTn id="28" dur="500"/>
+                                        <p:cTn id="24" dur="500"/>
                                         <p:tgtEl>
-                                          <p:spTgt spid="183"/>
+                                          <p:spTgt spid="189"/>
                                         </p:tgtEl>
                                       </p:cBhvr>
                                     </p:animEffect>
